--- a/windnode_kwum/docs/Modell_KWUM.pptx
+++ b/windnode_kwum/docs/Modell_KWUM.pptx
@@ -4,9 +4,13 @@
   <p:sldMasterIdLst>
     <p:sldMasterId id="2147483648" r:id="rId1"/>
   </p:sldMasterIdLst>
+  <p:notesMasterIdLst>
+    <p:notesMasterId r:id="rId5"/>
+  </p:notesMasterIdLst>
   <p:sldIdLst>
-    <p:sldId id="258" r:id="rId2"/>
-    <p:sldId id="263" r:id="rId3"/>
+    <p:sldId id="265" r:id="rId2"/>
+    <p:sldId id="258" r:id="rId3"/>
+    <p:sldId id="263" r:id="rId4"/>
   </p:sldIdLst>
   <p:sldSz cx="12801600" cy="9601200" type="A3"/>
   <p:notesSz cx="6858000" cy="9144000"/>
@@ -14,7 +18,7 @@
     <a:defPPr>
       <a:defRPr lang="de-DE"/>
     </a:defPPr>
-    <a:lvl1pPr marL="0" algn="l" defTabSz="1280160" rtl="0" eaLnBrk="1" latinLnBrk="0" hangingPunct="1">
+    <a:lvl1pPr marL="0" algn="l" defTabSz="1280006" rtl="0" eaLnBrk="1" latinLnBrk="0" hangingPunct="1">
       <a:defRPr sz="2500" kern="1200">
         <a:solidFill>
           <a:schemeClr val="tx1"/>
@@ -24,7 +28,7 @@
         <a:cs typeface="+mn-cs"/>
       </a:defRPr>
     </a:lvl1pPr>
-    <a:lvl2pPr marL="640080" algn="l" defTabSz="1280160" rtl="0" eaLnBrk="1" latinLnBrk="0" hangingPunct="1">
+    <a:lvl2pPr marL="640003" algn="l" defTabSz="1280006" rtl="0" eaLnBrk="1" latinLnBrk="0" hangingPunct="1">
       <a:defRPr sz="2500" kern="1200">
         <a:solidFill>
           <a:schemeClr val="tx1"/>
@@ -34,7 +38,7 @@
         <a:cs typeface="+mn-cs"/>
       </a:defRPr>
     </a:lvl2pPr>
-    <a:lvl3pPr marL="1280160" algn="l" defTabSz="1280160" rtl="0" eaLnBrk="1" latinLnBrk="0" hangingPunct="1">
+    <a:lvl3pPr marL="1280006" algn="l" defTabSz="1280006" rtl="0" eaLnBrk="1" latinLnBrk="0" hangingPunct="1">
       <a:defRPr sz="2500" kern="1200">
         <a:solidFill>
           <a:schemeClr val="tx1"/>
@@ -44,7 +48,7 @@
         <a:cs typeface="+mn-cs"/>
       </a:defRPr>
     </a:lvl3pPr>
-    <a:lvl4pPr marL="1920240" algn="l" defTabSz="1280160" rtl="0" eaLnBrk="1" latinLnBrk="0" hangingPunct="1">
+    <a:lvl4pPr marL="1920009" algn="l" defTabSz="1280006" rtl="0" eaLnBrk="1" latinLnBrk="0" hangingPunct="1">
       <a:defRPr sz="2500" kern="1200">
         <a:solidFill>
           <a:schemeClr val="tx1"/>
@@ -54,7 +58,7 @@
         <a:cs typeface="+mn-cs"/>
       </a:defRPr>
     </a:lvl4pPr>
-    <a:lvl5pPr marL="2560320" algn="l" defTabSz="1280160" rtl="0" eaLnBrk="1" latinLnBrk="0" hangingPunct="1">
+    <a:lvl5pPr marL="2560013" algn="l" defTabSz="1280006" rtl="0" eaLnBrk="1" latinLnBrk="0" hangingPunct="1">
       <a:defRPr sz="2500" kern="1200">
         <a:solidFill>
           <a:schemeClr val="tx1"/>
@@ -64,7 +68,7 @@
         <a:cs typeface="+mn-cs"/>
       </a:defRPr>
     </a:lvl5pPr>
-    <a:lvl6pPr marL="3200400" algn="l" defTabSz="1280160" rtl="0" eaLnBrk="1" latinLnBrk="0" hangingPunct="1">
+    <a:lvl6pPr marL="3200016" algn="l" defTabSz="1280006" rtl="0" eaLnBrk="1" latinLnBrk="0" hangingPunct="1">
       <a:defRPr sz="2500" kern="1200">
         <a:solidFill>
           <a:schemeClr val="tx1"/>
@@ -74,7 +78,7 @@
         <a:cs typeface="+mn-cs"/>
       </a:defRPr>
     </a:lvl6pPr>
-    <a:lvl7pPr marL="3840480" algn="l" defTabSz="1280160" rtl="0" eaLnBrk="1" latinLnBrk="0" hangingPunct="1">
+    <a:lvl7pPr marL="3840019" algn="l" defTabSz="1280006" rtl="0" eaLnBrk="1" latinLnBrk="0" hangingPunct="1">
       <a:defRPr sz="2500" kern="1200">
         <a:solidFill>
           <a:schemeClr val="tx1"/>
@@ -84,7 +88,7 @@
         <a:cs typeface="+mn-cs"/>
       </a:defRPr>
     </a:lvl7pPr>
-    <a:lvl8pPr marL="4480560" algn="l" defTabSz="1280160" rtl="0" eaLnBrk="1" latinLnBrk="0" hangingPunct="1">
+    <a:lvl8pPr marL="4480022" algn="l" defTabSz="1280006" rtl="0" eaLnBrk="1" latinLnBrk="0" hangingPunct="1">
       <a:defRPr sz="2500" kern="1200">
         <a:solidFill>
           <a:schemeClr val="tx1"/>
@@ -94,7 +98,7 @@
         <a:cs typeface="+mn-cs"/>
       </a:defRPr>
     </a:lvl8pPr>
-    <a:lvl9pPr marL="5120640" algn="l" defTabSz="1280160" rtl="0" eaLnBrk="1" latinLnBrk="0" hangingPunct="1">
+    <a:lvl9pPr marL="5120025" algn="l" defTabSz="1280006" rtl="0" eaLnBrk="1" latinLnBrk="0" hangingPunct="1">
       <a:defRPr sz="2500" kern="1200">
         <a:solidFill>
           <a:schemeClr val="tx1"/>
@@ -106,6 +110,440 @@
     </a:lvl9pPr>
   </p:defaultTextStyle>
 </p:presentation>
+</file>
+
+<file path=ppt/notesMasters/notesMaster1.xml><?xml version="1.0" encoding="utf-8"?>
+<p:notesMaster xmlns:a="http://schemas.openxmlformats.org/drawingml/2006/main" xmlns:r="http://schemas.openxmlformats.org/officeDocument/2006/relationships" xmlns:p="http://schemas.openxmlformats.org/presentationml/2006/main">
+  <p:cSld>
+    <p:bg>
+      <p:bgRef idx="1001">
+        <a:schemeClr val="bg1"/>
+      </p:bgRef>
+    </p:bg>
+    <p:spTree>
+      <p:nvGrpSpPr>
+        <p:cNvPr id="1" name=""/>
+        <p:cNvGrpSpPr/>
+        <p:nvPr/>
+      </p:nvGrpSpPr>
+      <p:grpSpPr>
+        <a:xfrm>
+          <a:off x="0" y="0"/>
+          <a:ext cx="0" cy="0"/>
+          <a:chOff x="0" y="0"/>
+          <a:chExt cx="0" cy="0"/>
+        </a:xfrm>
+      </p:grpSpPr>
+      <p:sp>
+        <p:nvSpPr>
+          <p:cNvPr id="2" name="Header Placeholder 1"/>
+          <p:cNvSpPr>
+            <a:spLocks noGrp="1"/>
+          </p:cNvSpPr>
+          <p:nvPr>
+            <p:ph type="hdr" sz="quarter"/>
+          </p:nvPr>
+        </p:nvSpPr>
+        <p:spPr>
+          <a:xfrm>
+            <a:off x="0" y="0"/>
+            <a:ext cx="2971800" cy="457200"/>
+          </a:xfrm>
+          <a:prstGeom prst="rect">
+            <a:avLst/>
+          </a:prstGeom>
+        </p:spPr>
+        <p:txBody>
+          <a:bodyPr vert="horz" lIns="91440" tIns="45720" rIns="91440" bIns="45720" rtlCol="0"/>
+          <a:lstStyle>
+            <a:lvl1pPr algn="l">
+              <a:defRPr sz="1200"/>
+            </a:lvl1pPr>
+          </a:lstStyle>
+          <a:p>
+            <a:endParaRPr lang="en-US"/>
+          </a:p>
+        </p:txBody>
+      </p:sp>
+      <p:sp>
+        <p:nvSpPr>
+          <p:cNvPr id="3" name="Date Placeholder 2"/>
+          <p:cNvSpPr>
+            <a:spLocks noGrp="1"/>
+          </p:cNvSpPr>
+          <p:nvPr>
+            <p:ph type="dt" idx="1"/>
+          </p:nvPr>
+        </p:nvSpPr>
+        <p:spPr>
+          <a:xfrm>
+            <a:off x="3884613" y="0"/>
+            <a:ext cx="2971800" cy="457200"/>
+          </a:xfrm>
+          <a:prstGeom prst="rect">
+            <a:avLst/>
+          </a:prstGeom>
+        </p:spPr>
+        <p:txBody>
+          <a:bodyPr vert="horz" lIns="91440" tIns="45720" rIns="91440" bIns="45720" rtlCol="0"/>
+          <a:lstStyle>
+            <a:lvl1pPr algn="r">
+              <a:defRPr sz="1200"/>
+            </a:lvl1pPr>
+          </a:lstStyle>
+          <a:p>
+            <a:fld id="{FFAFB158-CE29-D640-AF46-24D22F3973B1}" type="datetimeFigureOut">
+              <a:rPr lang="en-US" smtClean="0"/>
+              <a:t>8/19/18</a:t>
+            </a:fld>
+            <a:endParaRPr lang="en-US"/>
+          </a:p>
+        </p:txBody>
+      </p:sp>
+      <p:sp>
+        <p:nvSpPr>
+          <p:cNvPr id="4" name="Slide Image Placeholder 3"/>
+          <p:cNvSpPr>
+            <a:spLocks noGrp="1" noRot="1" noChangeAspect="1"/>
+          </p:cNvSpPr>
+          <p:nvPr>
+            <p:ph type="sldImg" idx="2"/>
+          </p:nvPr>
+        </p:nvSpPr>
+        <p:spPr>
+          <a:xfrm>
+            <a:off x="1143000" y="685800"/>
+            <a:ext cx="4572000" cy="3429000"/>
+          </a:xfrm>
+          <a:prstGeom prst="rect">
+            <a:avLst/>
+          </a:prstGeom>
+          <a:noFill/>
+          <a:ln w="12700">
+            <a:solidFill>
+              <a:prstClr val="black"/>
+            </a:solidFill>
+          </a:ln>
+        </p:spPr>
+        <p:txBody>
+          <a:bodyPr vert="horz" lIns="91440" tIns="45720" rIns="91440" bIns="45720" rtlCol="0" anchor="ctr"/>
+          <a:lstStyle/>
+          <a:p>
+            <a:endParaRPr lang="en-US"/>
+          </a:p>
+        </p:txBody>
+      </p:sp>
+      <p:sp>
+        <p:nvSpPr>
+          <p:cNvPr id="5" name="Notes Placeholder 4"/>
+          <p:cNvSpPr>
+            <a:spLocks noGrp="1"/>
+          </p:cNvSpPr>
+          <p:nvPr>
+            <p:ph type="body" sz="quarter" idx="3"/>
+          </p:nvPr>
+        </p:nvSpPr>
+        <p:spPr>
+          <a:xfrm>
+            <a:off x="685800" y="4343400"/>
+            <a:ext cx="5486400" cy="4114800"/>
+          </a:xfrm>
+          <a:prstGeom prst="rect">
+            <a:avLst/>
+          </a:prstGeom>
+        </p:spPr>
+        <p:txBody>
+          <a:bodyPr vert="horz" lIns="91440" tIns="45720" rIns="91440" bIns="45720" rtlCol="0"/>
+          <a:lstStyle/>
+          <a:p>
+            <a:pPr lvl="0"/>
+            <a:r>
+              <a:rPr lang="es-ES_tradnl" smtClean="0"/>
+              <a:t>Click to edit Master text styles</a:t>
+            </a:r>
+          </a:p>
+          <a:p>
+            <a:pPr lvl="1"/>
+            <a:r>
+              <a:rPr lang="es-ES_tradnl" smtClean="0"/>
+              <a:t>Second level</a:t>
+            </a:r>
+          </a:p>
+          <a:p>
+            <a:pPr lvl="2"/>
+            <a:r>
+              <a:rPr lang="es-ES_tradnl" smtClean="0"/>
+              <a:t>Third level</a:t>
+            </a:r>
+          </a:p>
+          <a:p>
+            <a:pPr lvl="3"/>
+            <a:r>
+              <a:rPr lang="es-ES_tradnl" smtClean="0"/>
+              <a:t>Fourth level</a:t>
+            </a:r>
+          </a:p>
+          <a:p>
+            <a:pPr lvl="4"/>
+            <a:r>
+              <a:rPr lang="es-ES_tradnl" smtClean="0"/>
+              <a:t>Fifth level</a:t>
+            </a:r>
+            <a:endParaRPr lang="en-US"/>
+          </a:p>
+        </p:txBody>
+      </p:sp>
+      <p:sp>
+        <p:nvSpPr>
+          <p:cNvPr id="6" name="Footer Placeholder 5"/>
+          <p:cNvSpPr>
+            <a:spLocks noGrp="1"/>
+          </p:cNvSpPr>
+          <p:nvPr>
+            <p:ph type="ftr" sz="quarter" idx="4"/>
+          </p:nvPr>
+        </p:nvSpPr>
+        <p:spPr>
+          <a:xfrm>
+            <a:off x="0" y="8685213"/>
+            <a:ext cx="2971800" cy="457200"/>
+          </a:xfrm>
+          <a:prstGeom prst="rect">
+            <a:avLst/>
+          </a:prstGeom>
+        </p:spPr>
+        <p:txBody>
+          <a:bodyPr vert="horz" lIns="91440" tIns="45720" rIns="91440" bIns="45720" rtlCol="0" anchor="b"/>
+          <a:lstStyle>
+            <a:lvl1pPr algn="l">
+              <a:defRPr sz="1200"/>
+            </a:lvl1pPr>
+          </a:lstStyle>
+          <a:p>
+            <a:endParaRPr lang="en-US"/>
+          </a:p>
+        </p:txBody>
+      </p:sp>
+      <p:sp>
+        <p:nvSpPr>
+          <p:cNvPr id="7" name="Slide Number Placeholder 6"/>
+          <p:cNvSpPr>
+            <a:spLocks noGrp="1"/>
+          </p:cNvSpPr>
+          <p:nvPr>
+            <p:ph type="sldNum" sz="quarter" idx="5"/>
+          </p:nvPr>
+        </p:nvSpPr>
+        <p:spPr>
+          <a:xfrm>
+            <a:off x="3884613" y="8685213"/>
+            <a:ext cx="2971800" cy="457200"/>
+          </a:xfrm>
+          <a:prstGeom prst="rect">
+            <a:avLst/>
+          </a:prstGeom>
+        </p:spPr>
+        <p:txBody>
+          <a:bodyPr vert="horz" lIns="91440" tIns="45720" rIns="91440" bIns="45720" rtlCol="0" anchor="b"/>
+          <a:lstStyle>
+            <a:lvl1pPr algn="r">
+              <a:defRPr sz="1200"/>
+            </a:lvl1pPr>
+          </a:lstStyle>
+          <a:p>
+            <a:fld id="{892E870E-53A8-DF49-9E97-B45BB4DE173F}" type="slidenum">
+              <a:rPr lang="en-US" smtClean="0"/>
+              <a:t>‹#›</a:t>
+            </a:fld>
+            <a:endParaRPr lang="en-US"/>
+          </a:p>
+        </p:txBody>
+      </p:sp>
+    </p:spTree>
+    <p:extLst>
+      <p:ext uri="{BB962C8B-B14F-4D97-AF65-F5344CB8AC3E}">
+        <p14:creationId xmlns:p14="http://schemas.microsoft.com/office/powerpoint/2010/main" val="278288653"/>
+      </p:ext>
+    </p:extLst>
+  </p:cSld>
+  <p:clrMap bg1="lt1" tx1="dk1" bg2="lt2" tx2="dk2" accent1="accent1" accent2="accent2" accent3="accent3" accent4="accent4" accent5="accent5" accent6="accent6" hlink="hlink" folHlink="folHlink"/>
+  <p:notesStyle>
+    <a:lvl1pPr marL="0" algn="l" defTabSz="457145" rtl="0" eaLnBrk="1" latinLnBrk="0" hangingPunct="1">
+      <a:defRPr sz="1300" kern="1200">
+        <a:solidFill>
+          <a:schemeClr val="tx1"/>
+        </a:solidFill>
+        <a:latin typeface="+mn-lt"/>
+        <a:ea typeface="+mn-ea"/>
+        <a:cs typeface="+mn-cs"/>
+      </a:defRPr>
+    </a:lvl1pPr>
+    <a:lvl2pPr marL="457145" algn="l" defTabSz="457145" rtl="0" eaLnBrk="1" latinLnBrk="0" hangingPunct="1">
+      <a:defRPr sz="1300" kern="1200">
+        <a:solidFill>
+          <a:schemeClr val="tx1"/>
+        </a:solidFill>
+        <a:latin typeface="+mn-lt"/>
+        <a:ea typeface="+mn-ea"/>
+        <a:cs typeface="+mn-cs"/>
+      </a:defRPr>
+    </a:lvl2pPr>
+    <a:lvl3pPr marL="914290" algn="l" defTabSz="457145" rtl="0" eaLnBrk="1" latinLnBrk="0" hangingPunct="1">
+      <a:defRPr sz="1300" kern="1200">
+        <a:solidFill>
+          <a:schemeClr val="tx1"/>
+        </a:solidFill>
+        <a:latin typeface="+mn-lt"/>
+        <a:ea typeface="+mn-ea"/>
+        <a:cs typeface="+mn-cs"/>
+      </a:defRPr>
+    </a:lvl3pPr>
+    <a:lvl4pPr marL="1371436" algn="l" defTabSz="457145" rtl="0" eaLnBrk="1" latinLnBrk="0" hangingPunct="1">
+      <a:defRPr sz="1300" kern="1200">
+        <a:solidFill>
+          <a:schemeClr val="tx1"/>
+        </a:solidFill>
+        <a:latin typeface="+mn-lt"/>
+        <a:ea typeface="+mn-ea"/>
+        <a:cs typeface="+mn-cs"/>
+      </a:defRPr>
+    </a:lvl4pPr>
+    <a:lvl5pPr marL="1828581" algn="l" defTabSz="457145" rtl="0" eaLnBrk="1" latinLnBrk="0" hangingPunct="1">
+      <a:defRPr sz="1300" kern="1200">
+        <a:solidFill>
+          <a:schemeClr val="tx1"/>
+        </a:solidFill>
+        <a:latin typeface="+mn-lt"/>
+        <a:ea typeface="+mn-ea"/>
+        <a:cs typeface="+mn-cs"/>
+      </a:defRPr>
+    </a:lvl5pPr>
+    <a:lvl6pPr marL="2285725" algn="l" defTabSz="457145" rtl="0" eaLnBrk="1" latinLnBrk="0" hangingPunct="1">
+      <a:defRPr sz="1300" kern="1200">
+        <a:solidFill>
+          <a:schemeClr val="tx1"/>
+        </a:solidFill>
+        <a:latin typeface="+mn-lt"/>
+        <a:ea typeface="+mn-ea"/>
+        <a:cs typeface="+mn-cs"/>
+      </a:defRPr>
+    </a:lvl6pPr>
+    <a:lvl7pPr marL="2742870" algn="l" defTabSz="457145" rtl="0" eaLnBrk="1" latinLnBrk="0" hangingPunct="1">
+      <a:defRPr sz="1300" kern="1200">
+        <a:solidFill>
+          <a:schemeClr val="tx1"/>
+        </a:solidFill>
+        <a:latin typeface="+mn-lt"/>
+        <a:ea typeface="+mn-ea"/>
+        <a:cs typeface="+mn-cs"/>
+      </a:defRPr>
+    </a:lvl7pPr>
+    <a:lvl8pPr marL="3200016" algn="l" defTabSz="457145" rtl="0" eaLnBrk="1" latinLnBrk="0" hangingPunct="1">
+      <a:defRPr sz="1300" kern="1200">
+        <a:solidFill>
+          <a:schemeClr val="tx1"/>
+        </a:solidFill>
+        <a:latin typeface="+mn-lt"/>
+        <a:ea typeface="+mn-ea"/>
+        <a:cs typeface="+mn-cs"/>
+      </a:defRPr>
+    </a:lvl8pPr>
+    <a:lvl9pPr marL="3657161" algn="l" defTabSz="457145" rtl="0" eaLnBrk="1" latinLnBrk="0" hangingPunct="1">
+      <a:defRPr sz="1300" kern="1200">
+        <a:solidFill>
+          <a:schemeClr val="tx1"/>
+        </a:solidFill>
+        <a:latin typeface="+mn-lt"/>
+        <a:ea typeface="+mn-ea"/>
+        <a:cs typeface="+mn-cs"/>
+      </a:defRPr>
+    </a:lvl9pPr>
+  </p:notesStyle>
+</p:notesMaster>
+</file>
+
+<file path=ppt/notesSlides/notesSlide1.xml><?xml version="1.0" encoding="utf-8"?>
+<p:notes xmlns:a="http://schemas.openxmlformats.org/drawingml/2006/main" xmlns:r="http://schemas.openxmlformats.org/officeDocument/2006/relationships" xmlns:p="http://schemas.openxmlformats.org/presentationml/2006/main">
+  <p:cSld>
+    <p:spTree>
+      <p:nvGrpSpPr>
+        <p:cNvPr id="1" name=""/>
+        <p:cNvGrpSpPr/>
+        <p:nvPr/>
+      </p:nvGrpSpPr>
+      <p:grpSpPr>
+        <a:xfrm>
+          <a:off x="0" y="0"/>
+          <a:ext cx="0" cy="0"/>
+          <a:chOff x="0" y="0"/>
+          <a:chExt cx="0" cy="0"/>
+        </a:xfrm>
+      </p:grpSpPr>
+      <p:sp>
+        <p:nvSpPr>
+          <p:cNvPr id="2" name="Folienbildplatzhalter 1"/>
+          <p:cNvSpPr>
+            <a:spLocks noGrp="1" noRot="1" noChangeAspect="1"/>
+          </p:cNvSpPr>
+          <p:nvPr>
+            <p:ph type="sldImg"/>
+          </p:nvPr>
+        </p:nvSpPr>
+        <p:spPr/>
+      </p:sp>
+      <p:sp>
+        <p:nvSpPr>
+          <p:cNvPr id="3" name="Notizenplatzhalter 2"/>
+          <p:cNvSpPr>
+            <a:spLocks noGrp="1"/>
+          </p:cNvSpPr>
+          <p:nvPr>
+            <p:ph type="body" idx="1"/>
+          </p:nvPr>
+        </p:nvSpPr>
+        <p:spPr/>
+        <p:txBody>
+          <a:bodyPr/>
+          <a:lstStyle/>
+          <a:p>
+            <a:endParaRPr lang="de-DE" dirty="0"/>
+          </a:p>
+        </p:txBody>
+      </p:sp>
+      <p:sp>
+        <p:nvSpPr>
+          <p:cNvPr id="4" name="Foliennummernplatzhalter 3"/>
+          <p:cNvSpPr>
+            <a:spLocks noGrp="1"/>
+          </p:cNvSpPr>
+          <p:nvPr>
+            <p:ph type="sldNum" sz="quarter" idx="10"/>
+          </p:nvPr>
+        </p:nvSpPr>
+        <p:spPr/>
+        <p:txBody>
+          <a:bodyPr/>
+          <a:lstStyle/>
+          <a:p>
+            <a:fld id="{EF10F0A9-23C8-4A97-9931-A125F1F95DA7}" type="slidenum">
+              <a:rPr lang="de-DE" smtClean="0"/>
+              <a:t>1</a:t>
+            </a:fld>
+            <a:endParaRPr lang="de-DE"/>
+          </a:p>
+        </p:txBody>
+      </p:sp>
+    </p:spTree>
+    <p:extLst>
+      <p:ext uri="{BB962C8B-B14F-4D97-AF65-F5344CB8AC3E}">
+        <p14:creationId xmlns:p14="http://schemas.microsoft.com/office/powerpoint/2010/main" val="3234632034"/>
+      </p:ext>
+    </p:extLst>
+  </p:cSld>
+  <p:clrMapOvr>
+    <a:masterClrMapping/>
+  </p:clrMapOvr>
+</p:notes>
 </file>
 
 <file path=ppt/slideLayouts/slideLayout1.xml><?xml version="1.0" encoding="utf-8"?>
@@ -137,7 +575,7 @@
         </p:nvSpPr>
         <p:spPr>
           <a:xfrm>
-            <a:off x="960120" y="2982596"/>
+            <a:off x="960120" y="2982597"/>
             <a:ext cx="10881360" cy="2058035"/>
           </a:xfrm>
         </p:spPr>
@@ -182,7 +620,7 @@
                 </a:solidFill>
               </a:defRPr>
             </a:lvl1pPr>
-            <a:lvl2pPr marL="640080" indent="0" algn="ctr">
+            <a:lvl2pPr marL="640003" indent="0" algn="ctr">
               <a:buNone/>
               <a:defRPr>
                 <a:solidFill>
@@ -192,7 +630,7 @@
                 </a:solidFill>
               </a:defRPr>
             </a:lvl2pPr>
-            <a:lvl3pPr marL="1280160" indent="0" algn="ctr">
+            <a:lvl3pPr marL="1280006" indent="0" algn="ctr">
               <a:buNone/>
               <a:defRPr>
                 <a:solidFill>
@@ -202,7 +640,7 @@
                 </a:solidFill>
               </a:defRPr>
             </a:lvl3pPr>
-            <a:lvl4pPr marL="1920240" indent="0" algn="ctr">
+            <a:lvl4pPr marL="1920009" indent="0" algn="ctr">
               <a:buNone/>
               <a:defRPr>
                 <a:solidFill>
@@ -212,7 +650,7 @@
                 </a:solidFill>
               </a:defRPr>
             </a:lvl4pPr>
-            <a:lvl5pPr marL="2560320" indent="0" algn="ctr">
+            <a:lvl5pPr marL="2560013" indent="0" algn="ctr">
               <a:buNone/>
               <a:defRPr>
                 <a:solidFill>
@@ -222,7 +660,7 @@
                 </a:solidFill>
               </a:defRPr>
             </a:lvl5pPr>
-            <a:lvl6pPr marL="3200400" indent="0" algn="ctr">
+            <a:lvl6pPr marL="3200016" indent="0" algn="ctr">
               <a:buNone/>
               <a:defRPr>
                 <a:solidFill>
@@ -232,7 +670,7 @@
                 </a:solidFill>
               </a:defRPr>
             </a:lvl6pPr>
-            <a:lvl7pPr marL="3840480" indent="0" algn="ctr">
+            <a:lvl7pPr marL="3840019" indent="0" algn="ctr">
               <a:buNone/>
               <a:defRPr>
                 <a:solidFill>
@@ -242,7 +680,7 @@
                 </a:solidFill>
               </a:defRPr>
             </a:lvl7pPr>
-            <a:lvl8pPr marL="4480560" indent="0" algn="ctr">
+            <a:lvl8pPr marL="4480022" indent="0" algn="ctr">
               <a:buNone/>
               <a:defRPr>
                 <a:solidFill>
@@ -252,7 +690,7 @@
                 </a:solidFill>
               </a:defRPr>
             </a:lvl8pPr>
-            <a:lvl9pPr marL="5120640" indent="0" algn="ctr">
+            <a:lvl9pPr marL="5120025" indent="0" algn="ctr">
               <a:buNone/>
               <a:defRPr>
                 <a:solidFill>
@@ -289,7 +727,7 @@
           <a:p>
             <a:fld id="{26D4ED77-5BAD-4853-9D32-3E8CE03B9A25}" type="datetimeFigureOut">
               <a:rPr lang="de-DE" smtClean="0"/>
-              <a:t>20.11.2017</a:t>
+              <a:t>8/19/18</a:t>
             </a:fld>
             <a:endParaRPr lang="de-DE"/>
           </a:p>
@@ -331,7 +769,7 @@
           <a:p>
             <a:fld id="{473E7D0B-BE26-424F-8A2A-9CEC95AFB7F8}" type="slidenum">
               <a:rPr lang="de-DE" smtClean="0"/>
-              <a:t>‹Nr.›</a:t>
+              <a:t>‹#›</a:t>
             </a:fld>
             <a:endParaRPr lang="de-DE"/>
           </a:p>
@@ -459,7 +897,7 @@
           <a:p>
             <a:fld id="{26D4ED77-5BAD-4853-9D32-3E8CE03B9A25}" type="datetimeFigureOut">
               <a:rPr lang="de-DE" smtClean="0"/>
-              <a:t>20.11.2017</a:t>
+              <a:t>8/19/18</a:t>
             </a:fld>
             <a:endParaRPr lang="de-DE"/>
           </a:p>
@@ -501,7 +939,7 @@
           <a:p>
             <a:fld id="{473E7D0B-BE26-424F-8A2A-9CEC95AFB7F8}" type="slidenum">
               <a:rPr lang="de-DE" smtClean="0"/>
-              <a:t>‹Nr.›</a:t>
+              <a:t>‹#›</a:t>
             </a:fld>
             <a:endParaRPr lang="de-DE"/>
           </a:p>
@@ -549,7 +987,7 @@
         </p:nvSpPr>
         <p:spPr>
           <a:xfrm>
-            <a:off x="12994959" y="537845"/>
+            <a:off x="12994960" y="537845"/>
             <a:ext cx="4031615" cy="11470323"/>
           </a:xfrm>
         </p:spPr>
@@ -639,7 +1077,7 @@
           <a:p>
             <a:fld id="{26D4ED77-5BAD-4853-9D32-3E8CE03B9A25}" type="datetimeFigureOut">
               <a:rPr lang="de-DE" smtClean="0"/>
-              <a:t>20.11.2017</a:t>
+              <a:t>8/19/18</a:t>
             </a:fld>
             <a:endParaRPr lang="de-DE"/>
           </a:p>
@@ -681,7 +1119,7 @@
           <a:p>
             <a:fld id="{473E7D0B-BE26-424F-8A2A-9CEC95AFB7F8}" type="slidenum">
               <a:rPr lang="de-DE" smtClean="0"/>
-              <a:t>‹Nr.›</a:t>
+              <a:t>‹#›</a:t>
             </a:fld>
             <a:endParaRPr lang="de-DE"/>
           </a:p>
@@ -809,7 +1247,7 @@
           <a:p>
             <a:fld id="{26D4ED77-5BAD-4853-9D32-3E8CE03B9A25}" type="datetimeFigureOut">
               <a:rPr lang="de-DE" smtClean="0"/>
-              <a:t>20.11.2017</a:t>
+              <a:t>8/19/18</a:t>
             </a:fld>
             <a:endParaRPr lang="de-DE"/>
           </a:p>
@@ -851,7 +1289,7 @@
           <a:p>
             <a:fld id="{473E7D0B-BE26-424F-8A2A-9CEC95AFB7F8}" type="slidenum">
               <a:rPr lang="de-DE" smtClean="0"/>
-              <a:t>‹Nr.›</a:t>
+              <a:t>‹#›</a:t>
             </a:fld>
             <a:endParaRPr lang="de-DE"/>
           </a:p>
@@ -899,7 +1337,7 @@
         </p:nvSpPr>
         <p:spPr>
           <a:xfrm>
-            <a:off x="1011238" y="6169661"/>
+            <a:off x="1011238" y="6169662"/>
             <a:ext cx="10881360" cy="1906905"/>
           </a:xfrm>
         </p:spPr>
@@ -931,7 +1369,7 @@
         </p:nvSpPr>
         <p:spPr>
           <a:xfrm>
-            <a:off x="1011238" y="4069399"/>
+            <a:off x="1011238" y="4069400"/>
             <a:ext cx="10881360" cy="2100262"/>
           </a:xfrm>
         </p:spPr>
@@ -948,7 +1386,7 @@
                 </a:solidFill>
               </a:defRPr>
             </a:lvl1pPr>
-            <a:lvl2pPr marL="640080" indent="0">
+            <a:lvl2pPr marL="640003" indent="0">
               <a:buNone/>
               <a:defRPr sz="2500">
                 <a:solidFill>
@@ -958,7 +1396,7 @@
                 </a:solidFill>
               </a:defRPr>
             </a:lvl2pPr>
-            <a:lvl3pPr marL="1280160" indent="0">
+            <a:lvl3pPr marL="1280006" indent="0">
               <a:buNone/>
               <a:defRPr sz="2200">
                 <a:solidFill>
@@ -968,7 +1406,7 @@
                 </a:solidFill>
               </a:defRPr>
             </a:lvl3pPr>
-            <a:lvl4pPr marL="1920240" indent="0">
+            <a:lvl4pPr marL="1920009" indent="0">
               <a:buNone/>
               <a:defRPr sz="2000">
                 <a:solidFill>
@@ -978,7 +1416,7 @@
                 </a:solidFill>
               </a:defRPr>
             </a:lvl4pPr>
-            <a:lvl5pPr marL="2560320" indent="0">
+            <a:lvl5pPr marL="2560013" indent="0">
               <a:buNone/>
               <a:defRPr sz="2000">
                 <a:solidFill>
@@ -988,7 +1426,7 @@
                 </a:solidFill>
               </a:defRPr>
             </a:lvl5pPr>
-            <a:lvl6pPr marL="3200400" indent="0">
+            <a:lvl6pPr marL="3200016" indent="0">
               <a:buNone/>
               <a:defRPr sz="2000">
                 <a:solidFill>
@@ -998,7 +1436,7 @@
                 </a:solidFill>
               </a:defRPr>
             </a:lvl6pPr>
-            <a:lvl7pPr marL="3840480" indent="0">
+            <a:lvl7pPr marL="3840019" indent="0">
               <a:buNone/>
               <a:defRPr sz="2000">
                 <a:solidFill>
@@ -1008,7 +1446,7 @@
                 </a:solidFill>
               </a:defRPr>
             </a:lvl7pPr>
-            <a:lvl8pPr marL="4480560" indent="0">
+            <a:lvl8pPr marL="4480022" indent="0">
               <a:buNone/>
               <a:defRPr sz="2000">
                 <a:solidFill>
@@ -1018,7 +1456,7 @@
                 </a:solidFill>
               </a:defRPr>
             </a:lvl8pPr>
-            <a:lvl9pPr marL="5120640" indent="0">
+            <a:lvl9pPr marL="5120025" indent="0">
               <a:buNone/>
               <a:defRPr sz="2000">
                 <a:solidFill>
@@ -1055,7 +1493,7 @@
           <a:p>
             <a:fld id="{26D4ED77-5BAD-4853-9D32-3E8CE03B9A25}" type="datetimeFigureOut">
               <a:rPr lang="de-DE" smtClean="0"/>
-              <a:t>20.11.2017</a:t>
+              <a:t>8/19/18</a:t>
             </a:fld>
             <a:endParaRPr lang="de-DE"/>
           </a:p>
@@ -1097,7 +1535,7 @@
           <a:p>
             <a:fld id="{473E7D0B-BE26-424F-8A2A-9CEC95AFB7F8}" type="slidenum">
               <a:rPr lang="de-DE" smtClean="0"/>
-              <a:t>‹Nr.›</a:t>
+              <a:t>‹#›</a:t>
             </a:fld>
             <a:endParaRPr lang="de-DE"/>
           </a:p>
@@ -1168,7 +1606,7 @@
         </p:nvSpPr>
         <p:spPr>
           <a:xfrm>
-            <a:off x="895669" y="3135948"/>
+            <a:off x="895670" y="3135948"/>
             <a:ext cx="7958772" cy="8872220"/>
           </a:xfrm>
         </p:spPr>
@@ -1343,7 +1781,7 @@
           <a:p>
             <a:fld id="{26D4ED77-5BAD-4853-9D32-3E8CE03B9A25}" type="datetimeFigureOut">
               <a:rPr lang="de-DE" smtClean="0"/>
-              <a:t>20.11.2017</a:t>
+              <a:t>8/19/18</a:t>
             </a:fld>
             <a:endParaRPr lang="de-DE"/>
           </a:p>
@@ -1385,7 +1823,7 @@
           <a:p>
             <a:fld id="{473E7D0B-BE26-424F-8A2A-9CEC95AFB7F8}" type="slidenum">
               <a:rPr lang="de-DE" smtClean="0"/>
-              <a:t>‹Nr.›</a:t>
+              <a:t>‹#›</a:t>
             </a:fld>
             <a:endParaRPr lang="de-DE"/>
           </a:p>
@@ -1476,35 +1914,35 @@
               <a:buNone/>
               <a:defRPr sz="3400" b="1"/>
             </a:lvl1pPr>
-            <a:lvl2pPr marL="640080" indent="0">
+            <a:lvl2pPr marL="640003" indent="0">
               <a:buNone/>
               <a:defRPr sz="2800" b="1"/>
             </a:lvl2pPr>
-            <a:lvl3pPr marL="1280160" indent="0">
+            <a:lvl3pPr marL="1280006" indent="0">
               <a:buNone/>
               <a:defRPr sz="2500" b="1"/>
             </a:lvl3pPr>
-            <a:lvl4pPr marL="1920240" indent="0">
+            <a:lvl4pPr marL="1920009" indent="0">
               <a:buNone/>
               <a:defRPr sz="2200" b="1"/>
             </a:lvl4pPr>
-            <a:lvl5pPr marL="2560320" indent="0">
+            <a:lvl5pPr marL="2560013" indent="0">
               <a:buNone/>
               <a:defRPr sz="2200" b="1"/>
             </a:lvl5pPr>
-            <a:lvl6pPr marL="3200400" indent="0">
+            <a:lvl6pPr marL="3200016" indent="0">
               <a:buNone/>
               <a:defRPr sz="2200" b="1"/>
             </a:lvl6pPr>
-            <a:lvl7pPr marL="3840480" indent="0">
+            <a:lvl7pPr marL="3840019" indent="0">
               <a:buNone/>
               <a:defRPr sz="2200" b="1"/>
             </a:lvl7pPr>
-            <a:lvl8pPr marL="4480560" indent="0">
+            <a:lvl8pPr marL="4480022" indent="0">
               <a:buNone/>
               <a:defRPr sz="2200" b="1"/>
             </a:lvl8pPr>
-            <a:lvl9pPr marL="5120640" indent="0">
+            <a:lvl9pPr marL="5120025" indent="0">
               <a:buNone/>
               <a:defRPr sz="2200" b="1"/>
             </a:lvl9pPr>
@@ -1615,7 +2053,7 @@
         </p:nvSpPr>
         <p:spPr>
           <a:xfrm>
-            <a:off x="6503036" y="2149158"/>
+            <a:off x="6503037" y="2149158"/>
             <a:ext cx="5658485" cy="895667"/>
           </a:xfrm>
         </p:spPr>
@@ -1626,35 +2064,35 @@
               <a:buNone/>
               <a:defRPr sz="3400" b="1"/>
             </a:lvl1pPr>
-            <a:lvl2pPr marL="640080" indent="0">
+            <a:lvl2pPr marL="640003" indent="0">
               <a:buNone/>
               <a:defRPr sz="2800" b="1"/>
             </a:lvl2pPr>
-            <a:lvl3pPr marL="1280160" indent="0">
+            <a:lvl3pPr marL="1280006" indent="0">
               <a:buNone/>
               <a:defRPr sz="2500" b="1"/>
             </a:lvl3pPr>
-            <a:lvl4pPr marL="1920240" indent="0">
+            <a:lvl4pPr marL="1920009" indent="0">
               <a:buNone/>
               <a:defRPr sz="2200" b="1"/>
             </a:lvl4pPr>
-            <a:lvl5pPr marL="2560320" indent="0">
+            <a:lvl5pPr marL="2560013" indent="0">
               <a:buNone/>
               <a:defRPr sz="2200" b="1"/>
             </a:lvl5pPr>
-            <a:lvl6pPr marL="3200400" indent="0">
+            <a:lvl6pPr marL="3200016" indent="0">
               <a:buNone/>
               <a:defRPr sz="2200" b="1"/>
             </a:lvl6pPr>
-            <a:lvl7pPr marL="3840480" indent="0">
+            <a:lvl7pPr marL="3840019" indent="0">
               <a:buNone/>
               <a:defRPr sz="2200" b="1"/>
             </a:lvl7pPr>
-            <a:lvl8pPr marL="4480560" indent="0">
+            <a:lvl8pPr marL="4480022" indent="0">
               <a:buNone/>
               <a:defRPr sz="2200" b="1"/>
             </a:lvl8pPr>
-            <a:lvl9pPr marL="5120640" indent="0">
+            <a:lvl9pPr marL="5120025" indent="0">
               <a:buNone/>
               <a:defRPr sz="2200" b="1"/>
             </a:lvl9pPr>
@@ -1680,7 +2118,7 @@
         </p:nvSpPr>
         <p:spPr>
           <a:xfrm>
-            <a:off x="6503036" y="3044825"/>
+            <a:off x="6503037" y="3044825"/>
             <a:ext cx="5658485" cy="5531803"/>
           </a:xfrm>
         </p:spPr>
@@ -1770,7 +2208,7 @@
           <a:p>
             <a:fld id="{26D4ED77-5BAD-4853-9D32-3E8CE03B9A25}" type="datetimeFigureOut">
               <a:rPr lang="de-DE" smtClean="0"/>
-              <a:t>20.11.2017</a:t>
+              <a:t>8/19/18</a:t>
             </a:fld>
             <a:endParaRPr lang="de-DE"/>
           </a:p>
@@ -1812,7 +2250,7 @@
           <a:p>
             <a:fld id="{473E7D0B-BE26-424F-8A2A-9CEC95AFB7F8}" type="slidenum">
               <a:rPr lang="de-DE" smtClean="0"/>
-              <a:t>‹Nr.›</a:t>
+              <a:t>‹#›</a:t>
             </a:fld>
             <a:endParaRPr lang="de-DE"/>
           </a:p>
@@ -1888,7 +2326,7 @@
           <a:p>
             <a:fld id="{26D4ED77-5BAD-4853-9D32-3E8CE03B9A25}" type="datetimeFigureOut">
               <a:rPr lang="de-DE" smtClean="0"/>
-              <a:t>20.11.2017</a:t>
+              <a:t>8/19/18</a:t>
             </a:fld>
             <a:endParaRPr lang="de-DE"/>
           </a:p>
@@ -1930,7 +2368,7 @@
           <a:p>
             <a:fld id="{473E7D0B-BE26-424F-8A2A-9CEC95AFB7F8}" type="slidenum">
               <a:rPr lang="de-DE" smtClean="0"/>
-              <a:t>‹Nr.›</a:t>
+              <a:t>‹#›</a:t>
             </a:fld>
             <a:endParaRPr lang="de-DE"/>
           </a:p>
@@ -1983,7 +2421,7 @@
           <a:p>
             <a:fld id="{26D4ED77-5BAD-4853-9D32-3E8CE03B9A25}" type="datetimeFigureOut">
               <a:rPr lang="de-DE" smtClean="0"/>
-              <a:t>20.11.2017</a:t>
+              <a:t>8/19/18</a:t>
             </a:fld>
             <a:endParaRPr lang="de-DE"/>
           </a:p>
@@ -2025,7 +2463,7 @@
           <a:p>
             <a:fld id="{473E7D0B-BE26-424F-8A2A-9CEC95AFB7F8}" type="slidenum">
               <a:rPr lang="de-DE" smtClean="0"/>
-              <a:t>‹Nr.›</a:t>
+              <a:t>‹#›</a:t>
             </a:fld>
             <a:endParaRPr lang="de-DE"/>
           </a:p>
@@ -2073,7 +2511,7 @@
         </p:nvSpPr>
         <p:spPr>
           <a:xfrm>
-            <a:off x="640081" y="382270"/>
+            <a:off x="640082" y="382270"/>
             <a:ext cx="4211638" cy="1626870"/>
           </a:xfrm>
         </p:spPr>
@@ -2105,7 +2543,7 @@
         </p:nvSpPr>
         <p:spPr>
           <a:xfrm>
-            <a:off x="5005070" y="382271"/>
+            <a:off x="5005070" y="382272"/>
             <a:ext cx="7156450" cy="8194358"/>
           </a:xfrm>
         </p:spPr>
@@ -2190,7 +2628,7 @@
         </p:nvSpPr>
         <p:spPr>
           <a:xfrm>
-            <a:off x="640081" y="2009141"/>
+            <a:off x="640082" y="2009142"/>
             <a:ext cx="4211638" cy="6567488"/>
           </a:xfrm>
         </p:spPr>
@@ -2201,35 +2639,35 @@
               <a:buNone/>
               <a:defRPr sz="2000"/>
             </a:lvl1pPr>
-            <a:lvl2pPr marL="640080" indent="0">
+            <a:lvl2pPr marL="640003" indent="0">
               <a:buNone/>
               <a:defRPr sz="1700"/>
             </a:lvl2pPr>
-            <a:lvl3pPr marL="1280160" indent="0">
+            <a:lvl3pPr marL="1280006" indent="0">
               <a:buNone/>
               <a:defRPr sz="1400"/>
             </a:lvl3pPr>
-            <a:lvl4pPr marL="1920240" indent="0">
+            <a:lvl4pPr marL="1920009" indent="0">
               <a:buNone/>
               <a:defRPr sz="1300"/>
             </a:lvl4pPr>
-            <a:lvl5pPr marL="2560320" indent="0">
+            <a:lvl5pPr marL="2560013" indent="0">
               <a:buNone/>
               <a:defRPr sz="1300"/>
             </a:lvl5pPr>
-            <a:lvl6pPr marL="3200400" indent="0">
+            <a:lvl6pPr marL="3200016" indent="0">
               <a:buNone/>
               <a:defRPr sz="1300"/>
             </a:lvl6pPr>
-            <a:lvl7pPr marL="3840480" indent="0">
+            <a:lvl7pPr marL="3840019" indent="0">
               <a:buNone/>
               <a:defRPr sz="1300"/>
             </a:lvl7pPr>
-            <a:lvl8pPr marL="4480560" indent="0">
+            <a:lvl8pPr marL="4480022" indent="0">
               <a:buNone/>
               <a:defRPr sz="1300"/>
             </a:lvl8pPr>
-            <a:lvl9pPr marL="5120640" indent="0">
+            <a:lvl9pPr marL="5120025" indent="0">
               <a:buNone/>
               <a:defRPr sz="1300"/>
             </a:lvl9pPr>
@@ -2260,7 +2698,7 @@
           <a:p>
             <a:fld id="{26D4ED77-5BAD-4853-9D32-3E8CE03B9A25}" type="datetimeFigureOut">
               <a:rPr lang="de-DE" smtClean="0"/>
-              <a:t>20.11.2017</a:t>
+              <a:t>8/19/18</a:t>
             </a:fld>
             <a:endParaRPr lang="de-DE"/>
           </a:p>
@@ -2302,7 +2740,7 @@
           <a:p>
             <a:fld id="{473E7D0B-BE26-424F-8A2A-9CEC95AFB7F8}" type="slidenum">
               <a:rPr lang="de-DE" smtClean="0"/>
-              <a:t>‹Nr.›</a:t>
+              <a:t>‹#›</a:t>
             </a:fld>
             <a:endParaRPr lang="de-DE"/>
           </a:p>
@@ -2393,35 +2831,35 @@
               <a:buNone/>
               <a:defRPr sz="4500"/>
             </a:lvl1pPr>
-            <a:lvl2pPr marL="640080" indent="0">
+            <a:lvl2pPr marL="640003" indent="0">
               <a:buNone/>
               <a:defRPr sz="3900"/>
             </a:lvl2pPr>
-            <a:lvl3pPr marL="1280160" indent="0">
+            <a:lvl3pPr marL="1280006" indent="0">
               <a:buNone/>
               <a:defRPr sz="3400"/>
             </a:lvl3pPr>
-            <a:lvl4pPr marL="1920240" indent="0">
+            <a:lvl4pPr marL="1920009" indent="0">
               <a:buNone/>
               <a:defRPr sz="2800"/>
             </a:lvl4pPr>
-            <a:lvl5pPr marL="2560320" indent="0">
+            <a:lvl5pPr marL="2560013" indent="0">
               <a:buNone/>
               <a:defRPr sz="2800"/>
             </a:lvl5pPr>
-            <a:lvl6pPr marL="3200400" indent="0">
+            <a:lvl6pPr marL="3200016" indent="0">
               <a:buNone/>
               <a:defRPr sz="2800"/>
             </a:lvl6pPr>
-            <a:lvl7pPr marL="3840480" indent="0">
+            <a:lvl7pPr marL="3840019" indent="0">
               <a:buNone/>
               <a:defRPr sz="2800"/>
             </a:lvl7pPr>
-            <a:lvl8pPr marL="4480560" indent="0">
+            <a:lvl8pPr marL="4480022" indent="0">
               <a:buNone/>
               <a:defRPr sz="2800"/>
             </a:lvl8pPr>
-            <a:lvl9pPr marL="5120640" indent="0">
+            <a:lvl9pPr marL="5120025" indent="0">
               <a:buNone/>
               <a:defRPr sz="2800"/>
             </a:lvl9pPr>
@@ -2454,35 +2892,35 @@
               <a:buNone/>
               <a:defRPr sz="2000"/>
             </a:lvl1pPr>
-            <a:lvl2pPr marL="640080" indent="0">
+            <a:lvl2pPr marL="640003" indent="0">
               <a:buNone/>
               <a:defRPr sz="1700"/>
             </a:lvl2pPr>
-            <a:lvl3pPr marL="1280160" indent="0">
+            <a:lvl3pPr marL="1280006" indent="0">
               <a:buNone/>
               <a:defRPr sz="1400"/>
             </a:lvl3pPr>
-            <a:lvl4pPr marL="1920240" indent="0">
+            <a:lvl4pPr marL="1920009" indent="0">
               <a:buNone/>
               <a:defRPr sz="1300"/>
             </a:lvl4pPr>
-            <a:lvl5pPr marL="2560320" indent="0">
+            <a:lvl5pPr marL="2560013" indent="0">
               <a:buNone/>
               <a:defRPr sz="1300"/>
             </a:lvl5pPr>
-            <a:lvl6pPr marL="3200400" indent="0">
+            <a:lvl6pPr marL="3200016" indent="0">
               <a:buNone/>
               <a:defRPr sz="1300"/>
             </a:lvl6pPr>
-            <a:lvl7pPr marL="3840480" indent="0">
+            <a:lvl7pPr marL="3840019" indent="0">
               <a:buNone/>
               <a:defRPr sz="1300"/>
             </a:lvl7pPr>
-            <a:lvl8pPr marL="4480560" indent="0">
+            <a:lvl8pPr marL="4480022" indent="0">
               <a:buNone/>
               <a:defRPr sz="1300"/>
             </a:lvl8pPr>
-            <a:lvl9pPr marL="5120640" indent="0">
+            <a:lvl9pPr marL="5120025" indent="0">
               <a:buNone/>
               <a:defRPr sz="1300"/>
             </a:lvl9pPr>
@@ -2513,7 +2951,7 @@
           <a:p>
             <a:fld id="{26D4ED77-5BAD-4853-9D32-3E8CE03B9A25}" type="datetimeFigureOut">
               <a:rPr lang="de-DE" smtClean="0"/>
-              <a:t>20.11.2017</a:t>
+              <a:t>8/19/18</a:t>
             </a:fld>
             <a:endParaRPr lang="de-DE"/>
           </a:p>
@@ -2555,7 +2993,7 @@
           <a:p>
             <a:fld id="{473E7D0B-BE26-424F-8A2A-9CEC95AFB7F8}" type="slidenum">
               <a:rPr lang="de-DE" smtClean="0"/>
-              <a:t>‹Nr.›</a:t>
+              <a:t>‹#›</a:t>
             </a:fld>
             <a:endParaRPr lang="de-DE"/>
           </a:p>
@@ -2616,7 +3054,7 @@
           </a:prstGeom>
         </p:spPr>
         <p:txBody>
-          <a:bodyPr vert="horz" lIns="128016" tIns="64008" rIns="128016" bIns="64008" rtlCol="0" anchor="ctr">
+          <a:bodyPr vert="horz" lIns="128001" tIns="64001" rIns="128001" bIns="64001" rtlCol="0" anchor="ctr">
             <a:normAutofit/>
           </a:bodyPr>
           <a:lstStyle/>
@@ -2641,7 +3079,7 @@
         </p:nvSpPr>
         <p:spPr>
           <a:xfrm>
-            <a:off x="640080" y="2240281"/>
+            <a:off x="640080" y="2240282"/>
             <a:ext cx="11521440" cy="6336348"/>
           </a:xfrm>
           <a:prstGeom prst="rect">
@@ -2649,7 +3087,7 @@
           </a:prstGeom>
         </p:spPr>
         <p:txBody>
-          <a:bodyPr vert="horz" lIns="128016" tIns="64008" rIns="128016" bIns="64008" rtlCol="0">
+          <a:bodyPr vert="horz" lIns="128001" tIns="64001" rIns="128001" bIns="64001" rtlCol="0">
             <a:normAutofit/>
           </a:bodyPr>
           <a:lstStyle/>
@@ -2703,7 +3141,7 @@
         </p:nvSpPr>
         <p:spPr>
           <a:xfrm>
-            <a:off x="640080" y="8898891"/>
+            <a:off x="640080" y="8898892"/>
             <a:ext cx="2987040" cy="511175"/>
           </a:xfrm>
           <a:prstGeom prst="rect">
@@ -2711,7 +3149,7 @@
           </a:prstGeom>
         </p:spPr>
         <p:txBody>
-          <a:bodyPr vert="horz" lIns="128016" tIns="64008" rIns="128016" bIns="64008" rtlCol="0" anchor="ctr"/>
+          <a:bodyPr vert="horz" lIns="128001" tIns="64001" rIns="128001" bIns="64001" rtlCol="0" anchor="ctr"/>
           <a:lstStyle>
             <a:lvl1pPr algn="l">
               <a:defRPr sz="1700">
@@ -2726,7 +3164,7 @@
           <a:p>
             <a:fld id="{26D4ED77-5BAD-4853-9D32-3E8CE03B9A25}" type="datetimeFigureOut">
               <a:rPr lang="de-DE" smtClean="0"/>
-              <a:t>20.11.2017</a:t>
+              <a:t>8/19/18</a:t>
             </a:fld>
             <a:endParaRPr lang="de-DE"/>
           </a:p>
@@ -2744,7 +3182,7 @@
         </p:nvSpPr>
         <p:spPr>
           <a:xfrm>
-            <a:off x="4373880" y="8898891"/>
+            <a:off x="4373880" y="8898892"/>
             <a:ext cx="4053840" cy="511175"/>
           </a:xfrm>
           <a:prstGeom prst="rect">
@@ -2752,7 +3190,7 @@
           </a:prstGeom>
         </p:spPr>
         <p:txBody>
-          <a:bodyPr vert="horz" lIns="128016" tIns="64008" rIns="128016" bIns="64008" rtlCol="0" anchor="ctr"/>
+          <a:bodyPr vert="horz" lIns="128001" tIns="64001" rIns="128001" bIns="64001" rtlCol="0" anchor="ctr"/>
           <a:lstStyle>
             <a:lvl1pPr algn="ctr">
               <a:defRPr sz="1700">
@@ -2781,7 +3219,7 @@
         </p:nvSpPr>
         <p:spPr>
           <a:xfrm>
-            <a:off x="9174480" y="8898891"/>
+            <a:off x="9174480" y="8898892"/>
             <a:ext cx="2987040" cy="511175"/>
           </a:xfrm>
           <a:prstGeom prst="rect">
@@ -2789,7 +3227,7 @@
           </a:prstGeom>
         </p:spPr>
         <p:txBody>
-          <a:bodyPr vert="horz" lIns="128016" tIns="64008" rIns="128016" bIns="64008" rtlCol="0" anchor="ctr"/>
+          <a:bodyPr vert="horz" lIns="128001" tIns="64001" rIns="128001" bIns="64001" rtlCol="0" anchor="ctr"/>
           <a:lstStyle>
             <a:lvl1pPr algn="r">
               <a:defRPr sz="1700">
@@ -2804,7 +3242,7 @@
           <a:p>
             <a:fld id="{473E7D0B-BE26-424F-8A2A-9CEC95AFB7F8}" type="slidenum">
               <a:rPr lang="de-DE" smtClean="0"/>
-              <a:t>‹Nr.›</a:t>
+              <a:t>‹#›</a:t>
             </a:fld>
             <a:endParaRPr lang="de-DE"/>
           </a:p>
@@ -2833,7 +3271,7 @@
   </p:sldLayoutIdLst>
   <p:txStyles>
     <p:titleStyle>
-      <a:lvl1pPr algn="ctr" defTabSz="1280160" rtl="0" eaLnBrk="1" latinLnBrk="0" hangingPunct="1">
+      <a:lvl1pPr algn="ctr" defTabSz="1280006" rtl="0" eaLnBrk="1" latinLnBrk="0" hangingPunct="1">
         <a:spcBef>
           <a:spcPct val="0"/>
         </a:spcBef>
@@ -2849,7 +3287,7 @@
       </a:lvl1pPr>
     </p:titleStyle>
     <p:bodyStyle>
-      <a:lvl1pPr marL="480060" indent="-480060" algn="l" defTabSz="1280160" rtl="0" eaLnBrk="1" latinLnBrk="0" hangingPunct="1">
+      <a:lvl1pPr marL="480003" indent="-480003" algn="l" defTabSz="1280006" rtl="0" eaLnBrk="1" latinLnBrk="0" hangingPunct="1">
         <a:spcBef>
           <a:spcPct val="20000"/>
         </a:spcBef>
@@ -2864,7 +3302,7 @@
           <a:cs typeface="+mn-cs"/>
         </a:defRPr>
       </a:lvl1pPr>
-      <a:lvl2pPr marL="1040130" indent="-400050" algn="l" defTabSz="1280160" rtl="0" eaLnBrk="1" latinLnBrk="0" hangingPunct="1">
+      <a:lvl2pPr marL="1040005" indent="-400002" algn="l" defTabSz="1280006" rtl="0" eaLnBrk="1" latinLnBrk="0" hangingPunct="1">
         <a:spcBef>
           <a:spcPct val="20000"/>
         </a:spcBef>
@@ -2879,7 +3317,7 @@
           <a:cs typeface="+mn-cs"/>
         </a:defRPr>
       </a:lvl2pPr>
-      <a:lvl3pPr marL="1600200" indent="-320040" algn="l" defTabSz="1280160" rtl="0" eaLnBrk="1" latinLnBrk="0" hangingPunct="1">
+      <a:lvl3pPr marL="1600008" indent="-320002" algn="l" defTabSz="1280006" rtl="0" eaLnBrk="1" latinLnBrk="0" hangingPunct="1">
         <a:spcBef>
           <a:spcPct val="20000"/>
         </a:spcBef>
@@ -2894,7 +3332,7 @@
           <a:cs typeface="+mn-cs"/>
         </a:defRPr>
       </a:lvl3pPr>
-      <a:lvl4pPr marL="2240280" indent="-320040" algn="l" defTabSz="1280160" rtl="0" eaLnBrk="1" latinLnBrk="0" hangingPunct="1">
+      <a:lvl4pPr marL="2240011" indent="-320002" algn="l" defTabSz="1280006" rtl="0" eaLnBrk="1" latinLnBrk="0" hangingPunct="1">
         <a:spcBef>
           <a:spcPct val="20000"/>
         </a:spcBef>
@@ -2909,7 +3347,7 @@
           <a:cs typeface="+mn-cs"/>
         </a:defRPr>
       </a:lvl4pPr>
-      <a:lvl5pPr marL="2880360" indent="-320040" algn="l" defTabSz="1280160" rtl="0" eaLnBrk="1" latinLnBrk="0" hangingPunct="1">
+      <a:lvl5pPr marL="2880014" indent="-320002" algn="l" defTabSz="1280006" rtl="0" eaLnBrk="1" latinLnBrk="0" hangingPunct="1">
         <a:spcBef>
           <a:spcPct val="20000"/>
         </a:spcBef>
@@ -2924,7 +3362,7 @@
           <a:cs typeface="+mn-cs"/>
         </a:defRPr>
       </a:lvl5pPr>
-      <a:lvl6pPr marL="3520440" indent="-320040" algn="l" defTabSz="1280160" rtl="0" eaLnBrk="1" latinLnBrk="0" hangingPunct="1">
+      <a:lvl6pPr marL="3520017" indent="-320002" algn="l" defTabSz="1280006" rtl="0" eaLnBrk="1" latinLnBrk="0" hangingPunct="1">
         <a:spcBef>
           <a:spcPct val="20000"/>
         </a:spcBef>
@@ -2939,7 +3377,7 @@
           <a:cs typeface="+mn-cs"/>
         </a:defRPr>
       </a:lvl6pPr>
-      <a:lvl7pPr marL="4160520" indent="-320040" algn="l" defTabSz="1280160" rtl="0" eaLnBrk="1" latinLnBrk="0" hangingPunct="1">
+      <a:lvl7pPr marL="4160020" indent="-320002" algn="l" defTabSz="1280006" rtl="0" eaLnBrk="1" latinLnBrk="0" hangingPunct="1">
         <a:spcBef>
           <a:spcPct val="20000"/>
         </a:spcBef>
@@ -2954,7 +3392,7 @@
           <a:cs typeface="+mn-cs"/>
         </a:defRPr>
       </a:lvl7pPr>
-      <a:lvl8pPr marL="4800600" indent="-320040" algn="l" defTabSz="1280160" rtl="0" eaLnBrk="1" latinLnBrk="0" hangingPunct="1">
+      <a:lvl8pPr marL="4800025" indent="-320002" algn="l" defTabSz="1280006" rtl="0" eaLnBrk="1" latinLnBrk="0" hangingPunct="1">
         <a:spcBef>
           <a:spcPct val="20000"/>
         </a:spcBef>
@@ -2969,7 +3407,7 @@
           <a:cs typeface="+mn-cs"/>
         </a:defRPr>
       </a:lvl8pPr>
-      <a:lvl9pPr marL="5440680" indent="-320040" algn="l" defTabSz="1280160" rtl="0" eaLnBrk="1" latinLnBrk="0" hangingPunct="1">
+      <a:lvl9pPr marL="5440028" indent="-320002" algn="l" defTabSz="1280006" rtl="0" eaLnBrk="1" latinLnBrk="0" hangingPunct="1">
         <a:spcBef>
           <a:spcPct val="20000"/>
         </a:spcBef>
@@ -2989,7 +3427,7 @@
       <a:defPPr>
         <a:defRPr lang="de-DE"/>
       </a:defPPr>
-      <a:lvl1pPr marL="0" algn="l" defTabSz="1280160" rtl="0" eaLnBrk="1" latinLnBrk="0" hangingPunct="1">
+      <a:lvl1pPr marL="0" algn="l" defTabSz="1280006" rtl="0" eaLnBrk="1" latinLnBrk="0" hangingPunct="1">
         <a:defRPr sz="2500" kern="1200">
           <a:solidFill>
             <a:schemeClr val="tx1"/>
@@ -2999,7 +3437,7 @@
           <a:cs typeface="+mn-cs"/>
         </a:defRPr>
       </a:lvl1pPr>
-      <a:lvl2pPr marL="640080" algn="l" defTabSz="1280160" rtl="0" eaLnBrk="1" latinLnBrk="0" hangingPunct="1">
+      <a:lvl2pPr marL="640003" algn="l" defTabSz="1280006" rtl="0" eaLnBrk="1" latinLnBrk="0" hangingPunct="1">
         <a:defRPr sz="2500" kern="1200">
           <a:solidFill>
             <a:schemeClr val="tx1"/>
@@ -3009,7 +3447,7 @@
           <a:cs typeface="+mn-cs"/>
         </a:defRPr>
       </a:lvl2pPr>
-      <a:lvl3pPr marL="1280160" algn="l" defTabSz="1280160" rtl="0" eaLnBrk="1" latinLnBrk="0" hangingPunct="1">
+      <a:lvl3pPr marL="1280006" algn="l" defTabSz="1280006" rtl="0" eaLnBrk="1" latinLnBrk="0" hangingPunct="1">
         <a:defRPr sz="2500" kern="1200">
           <a:solidFill>
             <a:schemeClr val="tx1"/>
@@ -3019,7 +3457,7 @@
           <a:cs typeface="+mn-cs"/>
         </a:defRPr>
       </a:lvl3pPr>
-      <a:lvl4pPr marL="1920240" algn="l" defTabSz="1280160" rtl="0" eaLnBrk="1" latinLnBrk="0" hangingPunct="1">
+      <a:lvl4pPr marL="1920009" algn="l" defTabSz="1280006" rtl="0" eaLnBrk="1" latinLnBrk="0" hangingPunct="1">
         <a:defRPr sz="2500" kern="1200">
           <a:solidFill>
             <a:schemeClr val="tx1"/>
@@ -3029,7 +3467,7 @@
           <a:cs typeface="+mn-cs"/>
         </a:defRPr>
       </a:lvl4pPr>
-      <a:lvl5pPr marL="2560320" algn="l" defTabSz="1280160" rtl="0" eaLnBrk="1" latinLnBrk="0" hangingPunct="1">
+      <a:lvl5pPr marL="2560013" algn="l" defTabSz="1280006" rtl="0" eaLnBrk="1" latinLnBrk="0" hangingPunct="1">
         <a:defRPr sz="2500" kern="1200">
           <a:solidFill>
             <a:schemeClr val="tx1"/>
@@ -3039,7 +3477,7 @@
           <a:cs typeface="+mn-cs"/>
         </a:defRPr>
       </a:lvl5pPr>
-      <a:lvl6pPr marL="3200400" algn="l" defTabSz="1280160" rtl="0" eaLnBrk="1" latinLnBrk="0" hangingPunct="1">
+      <a:lvl6pPr marL="3200016" algn="l" defTabSz="1280006" rtl="0" eaLnBrk="1" latinLnBrk="0" hangingPunct="1">
         <a:defRPr sz="2500" kern="1200">
           <a:solidFill>
             <a:schemeClr val="tx1"/>
@@ -3049,7 +3487,7 @@
           <a:cs typeface="+mn-cs"/>
         </a:defRPr>
       </a:lvl6pPr>
-      <a:lvl7pPr marL="3840480" algn="l" defTabSz="1280160" rtl="0" eaLnBrk="1" latinLnBrk="0" hangingPunct="1">
+      <a:lvl7pPr marL="3840019" algn="l" defTabSz="1280006" rtl="0" eaLnBrk="1" latinLnBrk="0" hangingPunct="1">
         <a:defRPr sz="2500" kern="1200">
           <a:solidFill>
             <a:schemeClr val="tx1"/>
@@ -3059,7 +3497,7 @@
           <a:cs typeface="+mn-cs"/>
         </a:defRPr>
       </a:lvl7pPr>
-      <a:lvl8pPr marL="4480560" algn="l" defTabSz="1280160" rtl="0" eaLnBrk="1" latinLnBrk="0" hangingPunct="1">
+      <a:lvl8pPr marL="4480022" algn="l" defTabSz="1280006" rtl="0" eaLnBrk="1" latinLnBrk="0" hangingPunct="1">
         <a:defRPr sz="2500" kern="1200">
           <a:solidFill>
             <a:schemeClr val="tx1"/>
@@ -3069,7 +3507,7 @@
           <a:cs typeface="+mn-cs"/>
         </a:defRPr>
       </a:lvl8pPr>
-      <a:lvl9pPr marL="5120640" algn="l" defTabSz="1280160" rtl="0" eaLnBrk="1" latinLnBrk="0" hangingPunct="1">
+      <a:lvl9pPr marL="5120025" algn="l" defTabSz="1280006" rtl="0" eaLnBrk="1" latinLnBrk="0" hangingPunct="1">
         <a:defRPr sz="2500" kern="1200">
           <a:solidFill>
             <a:schemeClr val="tx1"/>
@@ -3103,14 +3541,3494 @@
       </p:grpSpPr>
       <p:grpSp>
         <p:nvGrpSpPr>
+          <p:cNvPr id="23" name="Group 22"/>
+          <p:cNvGrpSpPr/>
+          <p:nvPr/>
+        </p:nvGrpSpPr>
+        <p:grpSpPr>
+          <a:xfrm>
+            <a:off x="0" y="192088"/>
+            <a:ext cx="12751906" cy="9073008"/>
+            <a:chOff x="0" y="-85355"/>
+            <a:chExt cx="9108504" cy="6480720"/>
+          </a:xfrm>
+        </p:grpSpPr>
+        <p:cxnSp>
+          <p:nvCxnSpPr>
+            <p:cNvPr id="106" name="Gerade Verbindung mit Pfeil 61"/>
+            <p:cNvCxnSpPr>
+              <a:stCxn id="54" idx="0"/>
+            </p:cNvCxnSpPr>
+            <p:nvPr/>
+          </p:nvCxnSpPr>
+          <p:spPr>
+            <a:xfrm flipV="1">
+              <a:off x="2171199" y="1512319"/>
+              <a:ext cx="1367954" cy="3632770"/>
+            </a:xfrm>
+            <a:prstGeom prst="straightConnector1">
+              <a:avLst/>
+            </a:prstGeom>
+            <a:ln w="19050">
+              <a:solidFill>
+                <a:schemeClr val="tx1"/>
+              </a:solidFill>
+              <a:tailEnd type="arrow"/>
+            </a:ln>
+          </p:spPr>
+          <p:style>
+            <a:lnRef idx="1">
+              <a:schemeClr val="accent1"/>
+            </a:lnRef>
+            <a:fillRef idx="0">
+              <a:schemeClr val="accent1"/>
+            </a:fillRef>
+            <a:effectRef idx="0">
+              <a:schemeClr val="accent1"/>
+            </a:effectRef>
+            <a:fontRef idx="minor">
+              <a:schemeClr val="tx1"/>
+            </a:fontRef>
+          </p:style>
+        </p:cxnSp>
+        <p:cxnSp>
+          <p:nvCxnSpPr>
+            <p:cNvPr id="104" name="Gerade Verbindung mit Pfeil 61"/>
+            <p:cNvCxnSpPr>
+              <a:endCxn id="99" idx="2"/>
+            </p:cNvCxnSpPr>
+            <p:nvPr/>
+          </p:nvCxnSpPr>
+          <p:spPr>
+            <a:xfrm flipV="1">
+              <a:off x="2349246" y="2060808"/>
+              <a:ext cx="1624906" cy="3101681"/>
+            </a:xfrm>
+            <a:prstGeom prst="straightConnector1">
+              <a:avLst/>
+            </a:prstGeom>
+            <a:ln w="19050">
+              <a:solidFill>
+                <a:schemeClr val="tx1"/>
+              </a:solidFill>
+              <a:tailEnd type="arrow"/>
+            </a:ln>
+          </p:spPr>
+          <p:style>
+            <a:lnRef idx="1">
+              <a:schemeClr val="accent1"/>
+            </a:lnRef>
+            <a:fillRef idx="0">
+              <a:schemeClr val="accent1"/>
+            </a:fillRef>
+            <a:effectRef idx="0">
+              <a:schemeClr val="accent1"/>
+            </a:effectRef>
+            <a:fontRef idx="minor">
+              <a:schemeClr val="tx1"/>
+            </a:fontRef>
+          </p:style>
+        </p:cxnSp>
+        <p:sp>
+          <p:nvSpPr>
+            <p:cNvPr id="4" name="Ellipse 3"/>
+            <p:cNvSpPr/>
+            <p:nvPr/>
+          </p:nvSpPr>
+          <p:spPr>
+            <a:xfrm>
+              <a:off x="1688174" y="3260014"/>
+              <a:ext cx="972000" cy="360000"/>
+            </a:xfrm>
+            <a:prstGeom prst="ellipse">
+              <a:avLst/>
+            </a:prstGeom>
+            <a:solidFill>
+              <a:schemeClr val="bg2">
+                <a:lumMod val="50000"/>
+              </a:schemeClr>
+            </a:solidFill>
+            <a:ln>
+              <a:noFill/>
+            </a:ln>
+          </p:spPr>
+          <p:style>
+            <a:lnRef idx="2">
+              <a:schemeClr val="accent1">
+                <a:shade val="50000"/>
+              </a:schemeClr>
+            </a:lnRef>
+            <a:fillRef idx="1">
+              <a:schemeClr val="accent1"/>
+            </a:fillRef>
+            <a:effectRef idx="0">
+              <a:schemeClr val="accent1"/>
+            </a:effectRef>
+            <a:fontRef idx="minor">
+              <a:schemeClr val="lt1"/>
+            </a:fontRef>
+          </p:style>
+          <p:txBody>
+            <a:bodyPr rtlCol="0" anchor="ctr"/>
+            <a:lstStyle/>
+            <a:p>
+              <a:pPr algn="ctr"/>
+              <a:r>
+                <a:rPr lang="de-DE" sz="1400" dirty="0" err="1"/>
+                <a:t>b</a:t>
+              </a:r>
+              <a:r>
+                <a:rPr lang="de-DE" sz="1400" dirty="0" err="1"/>
+                <a:t>us_el</a:t>
+              </a:r>
+              <a:endParaRPr lang="de-DE" sz="1400" dirty="0"/>
+            </a:p>
+          </p:txBody>
+        </p:sp>
+        <p:sp>
+          <p:nvSpPr>
+            <p:cNvPr id="5" name="Rechteck 4"/>
+            <p:cNvSpPr/>
+            <p:nvPr/>
+          </p:nvSpPr>
+          <p:spPr>
+            <a:xfrm>
+              <a:off x="86069" y="2564944"/>
+              <a:ext cx="864000" cy="360000"/>
+            </a:xfrm>
+            <a:prstGeom prst="rect">
+              <a:avLst/>
+            </a:prstGeom>
+            <a:solidFill>
+              <a:srgbClr val="FFC000"/>
+            </a:solidFill>
+            <a:ln>
+              <a:noFill/>
+            </a:ln>
+          </p:spPr>
+          <p:style>
+            <a:lnRef idx="2">
+              <a:schemeClr val="accent1">
+                <a:shade val="50000"/>
+              </a:schemeClr>
+            </a:lnRef>
+            <a:fillRef idx="1">
+              <a:schemeClr val="accent1"/>
+            </a:fillRef>
+            <a:effectRef idx="0">
+              <a:schemeClr val="accent1"/>
+            </a:effectRef>
+            <a:fontRef idx="minor">
+              <a:schemeClr val="lt1"/>
+            </a:fontRef>
+          </p:style>
+          <p:txBody>
+            <a:bodyPr rtlCol="0" anchor="ctr"/>
+            <a:lstStyle/>
+            <a:p>
+              <a:pPr algn="ctr"/>
+              <a:r>
+                <a:rPr lang="de-DE" sz="1400" dirty="0" err="1"/>
+                <a:t>Wind_synth</a:t>
+              </a:r>
+              <a:endParaRPr lang="de-DE" sz="1400" dirty="0"/>
+            </a:p>
+          </p:txBody>
+        </p:sp>
+        <p:sp>
+          <p:nvSpPr>
+            <p:cNvPr id="7" name="Rechteck 6"/>
+            <p:cNvSpPr/>
+            <p:nvPr/>
+          </p:nvSpPr>
+          <p:spPr>
+            <a:xfrm>
+              <a:off x="86069" y="4581127"/>
+              <a:ext cx="864000" cy="360000"/>
+            </a:xfrm>
+            <a:prstGeom prst="rect">
+              <a:avLst/>
+            </a:prstGeom>
+            <a:solidFill>
+              <a:schemeClr val="accent3"/>
+            </a:solidFill>
+            <a:ln>
+              <a:noFill/>
+            </a:ln>
+          </p:spPr>
+          <p:style>
+            <a:lnRef idx="2">
+              <a:schemeClr val="accent1">
+                <a:shade val="50000"/>
+              </a:schemeClr>
+            </a:lnRef>
+            <a:fillRef idx="1">
+              <a:schemeClr val="accent1"/>
+            </a:fillRef>
+            <a:effectRef idx="0">
+              <a:schemeClr val="accent1"/>
+            </a:effectRef>
+            <a:fontRef idx="minor">
+              <a:schemeClr val="lt1"/>
+            </a:fontRef>
+          </p:style>
+          <p:txBody>
+            <a:bodyPr rtlCol="0" anchor="ctr"/>
+            <a:lstStyle/>
+            <a:p>
+              <a:pPr algn="ctr"/>
+              <a:r>
+                <a:rPr lang="de-DE" sz="1400" dirty="0" err="1"/>
+                <a:t>Spot_market</a:t>
+              </a:r>
+              <a:endParaRPr lang="de-DE" sz="1400" dirty="0"/>
+            </a:p>
+          </p:txBody>
+        </p:sp>
+        <p:cxnSp>
+          <p:nvCxnSpPr>
+            <p:cNvPr id="15" name="Gerade Verbindung mit Pfeil 14"/>
+            <p:cNvCxnSpPr>
+              <a:stCxn id="5" idx="3"/>
+              <a:endCxn id="4" idx="0"/>
+            </p:cNvCxnSpPr>
+            <p:nvPr/>
+          </p:nvCxnSpPr>
+          <p:spPr>
+            <a:xfrm>
+              <a:off x="950069" y="2744944"/>
+              <a:ext cx="1224105" cy="515070"/>
+            </a:xfrm>
+            <a:prstGeom prst="straightConnector1">
+              <a:avLst/>
+            </a:prstGeom>
+            <a:ln w="19050">
+              <a:solidFill>
+                <a:schemeClr val="tx1"/>
+              </a:solidFill>
+              <a:tailEnd type="arrow"/>
+            </a:ln>
+          </p:spPr>
+          <p:style>
+            <a:lnRef idx="1">
+              <a:schemeClr val="accent1"/>
+            </a:lnRef>
+            <a:fillRef idx="0">
+              <a:schemeClr val="accent1"/>
+            </a:fillRef>
+            <a:effectRef idx="0">
+              <a:schemeClr val="accent1"/>
+            </a:effectRef>
+            <a:fontRef idx="minor">
+              <a:schemeClr val="tx1"/>
+            </a:fontRef>
+          </p:style>
+        </p:cxnSp>
+        <p:cxnSp>
+          <p:nvCxnSpPr>
+            <p:cNvPr id="26" name="Gerade Verbindung mit Pfeil 25"/>
+            <p:cNvCxnSpPr>
+              <a:stCxn id="4" idx="4"/>
+              <a:endCxn id="7" idx="3"/>
+            </p:cNvCxnSpPr>
+            <p:nvPr/>
+          </p:nvCxnSpPr>
+          <p:spPr>
+            <a:xfrm flipH="1">
+              <a:off x="950069" y="3620014"/>
+              <a:ext cx="1224105" cy="1141113"/>
+            </a:xfrm>
+            <a:prstGeom prst="straightConnector1">
+              <a:avLst/>
+            </a:prstGeom>
+            <a:ln w="19050">
+              <a:solidFill>
+                <a:schemeClr val="tx1"/>
+              </a:solidFill>
+              <a:tailEnd type="arrow"/>
+            </a:ln>
+          </p:spPr>
+          <p:style>
+            <a:lnRef idx="1">
+              <a:schemeClr val="accent1"/>
+            </a:lnRef>
+            <a:fillRef idx="0">
+              <a:schemeClr val="accent1"/>
+            </a:fillRef>
+            <a:effectRef idx="0">
+              <a:schemeClr val="accent1"/>
+            </a:effectRef>
+            <a:fontRef idx="minor">
+              <a:schemeClr val="tx1"/>
+            </a:fontRef>
+          </p:style>
+        </p:cxnSp>
+        <p:sp>
+          <p:nvSpPr>
+            <p:cNvPr id="69" name="Rechteck 68"/>
+            <p:cNvSpPr/>
+            <p:nvPr/>
+          </p:nvSpPr>
+          <p:spPr>
+            <a:xfrm>
+              <a:off x="5576925" y="2132856"/>
+              <a:ext cx="684000" cy="360000"/>
+            </a:xfrm>
+            <a:prstGeom prst="rect">
+              <a:avLst/>
+            </a:prstGeom>
+            <a:ln>
+              <a:noFill/>
+            </a:ln>
+          </p:spPr>
+          <p:style>
+            <a:lnRef idx="2">
+              <a:schemeClr val="accent1">
+                <a:shade val="50000"/>
+              </a:schemeClr>
+            </a:lnRef>
+            <a:fillRef idx="1">
+              <a:schemeClr val="accent1"/>
+            </a:fillRef>
+            <a:effectRef idx="0">
+              <a:schemeClr val="accent1"/>
+            </a:effectRef>
+            <a:fontRef idx="minor">
+              <a:schemeClr val="lt1"/>
+            </a:fontRef>
+          </p:style>
+          <p:txBody>
+            <a:bodyPr rtlCol="0" anchor="ctr"/>
+            <a:lstStyle/>
+            <a:p>
+              <a:pPr algn="ctr"/>
+              <a:r>
+                <a:rPr lang="de-DE" sz="1400" dirty="0"/>
+                <a:t>P2H_pr</a:t>
+              </a:r>
+              <a:endParaRPr lang="de-DE" sz="1400" dirty="0"/>
+            </a:p>
+          </p:txBody>
+        </p:sp>
+        <p:sp>
+          <p:nvSpPr>
+            <p:cNvPr id="70" name="Ellipse 69"/>
+            <p:cNvSpPr/>
+            <p:nvPr/>
+          </p:nvSpPr>
+          <p:spPr>
+            <a:xfrm>
+              <a:off x="5444789" y="5133573"/>
+              <a:ext cx="972000" cy="360000"/>
+            </a:xfrm>
+            <a:prstGeom prst="ellipse">
+              <a:avLst/>
+            </a:prstGeom>
+            <a:solidFill>
+              <a:schemeClr val="bg2">
+                <a:lumMod val="50000"/>
+              </a:schemeClr>
+            </a:solidFill>
+            <a:ln>
+              <a:noFill/>
+            </a:ln>
+          </p:spPr>
+          <p:style>
+            <a:lnRef idx="2">
+              <a:schemeClr val="accent1">
+                <a:shade val="50000"/>
+              </a:schemeClr>
+            </a:lnRef>
+            <a:fillRef idx="1">
+              <a:schemeClr val="accent1"/>
+            </a:fillRef>
+            <a:effectRef idx="0">
+              <a:schemeClr val="accent1"/>
+            </a:effectRef>
+            <a:fontRef idx="minor">
+              <a:schemeClr val="lt1"/>
+            </a:fontRef>
+          </p:style>
+          <p:txBody>
+            <a:bodyPr rtlCol="0" anchor="ctr"/>
+            <a:lstStyle/>
+            <a:p>
+              <a:pPr algn="ctr"/>
+              <a:r>
+                <a:rPr lang="de-DE" sz="1400" dirty="0" err="1"/>
+                <a:t>bus_th_sch</a:t>
+              </a:r>
+              <a:endParaRPr lang="de-DE" sz="1400" dirty="0"/>
+            </a:p>
+          </p:txBody>
+        </p:sp>
+        <p:sp>
+          <p:nvSpPr>
+            <p:cNvPr id="72" name="Rechteck 71"/>
+            <p:cNvSpPr/>
+            <p:nvPr/>
+          </p:nvSpPr>
+          <p:spPr>
+            <a:xfrm>
+              <a:off x="6879826" y="5133573"/>
+              <a:ext cx="864000" cy="360000"/>
+            </a:xfrm>
+            <a:prstGeom prst="rect">
+              <a:avLst/>
+            </a:prstGeom>
+            <a:solidFill>
+              <a:schemeClr val="accent4"/>
+            </a:solidFill>
+            <a:ln>
+              <a:noFill/>
+            </a:ln>
+          </p:spPr>
+          <p:style>
+            <a:lnRef idx="2">
+              <a:schemeClr val="accent1">
+                <a:shade val="50000"/>
+              </a:schemeClr>
+            </a:lnRef>
+            <a:fillRef idx="1">
+              <a:schemeClr val="accent1"/>
+            </a:fillRef>
+            <a:effectRef idx="0">
+              <a:schemeClr val="accent1"/>
+            </a:effectRef>
+            <a:fontRef idx="minor">
+              <a:schemeClr val="lt1"/>
+            </a:fontRef>
+          </p:style>
+          <p:txBody>
+            <a:bodyPr rtlCol="0" anchor="ctr"/>
+            <a:lstStyle/>
+            <a:p>
+              <a:pPr algn="ctr"/>
+              <a:r>
+                <a:rPr lang="de-DE" sz="1400" dirty="0" err="1"/>
+                <a:t>Storage_th_sch</a:t>
+              </a:r>
+              <a:endParaRPr lang="de-DE" sz="1400" dirty="0"/>
+            </a:p>
+          </p:txBody>
+        </p:sp>
+        <p:sp>
+          <p:nvSpPr>
+            <p:cNvPr id="73" name="Rechteck 72"/>
+            <p:cNvSpPr/>
+            <p:nvPr/>
+          </p:nvSpPr>
+          <p:spPr>
+            <a:xfrm>
+              <a:off x="5488579" y="6021288"/>
+              <a:ext cx="864000" cy="360000"/>
+            </a:xfrm>
+            <a:prstGeom prst="rect">
+              <a:avLst/>
+            </a:prstGeom>
+            <a:solidFill>
+              <a:schemeClr val="accent3"/>
+            </a:solidFill>
+            <a:ln>
+              <a:noFill/>
+            </a:ln>
+          </p:spPr>
+          <p:style>
+            <a:lnRef idx="2">
+              <a:schemeClr val="accent1">
+                <a:shade val="50000"/>
+              </a:schemeClr>
+            </a:lnRef>
+            <a:fillRef idx="1">
+              <a:schemeClr val="accent1"/>
+            </a:fillRef>
+            <a:effectRef idx="0">
+              <a:schemeClr val="accent1"/>
+            </a:effectRef>
+            <a:fontRef idx="minor">
+              <a:schemeClr val="lt1"/>
+            </a:fontRef>
+          </p:style>
+          <p:txBody>
+            <a:bodyPr rtlCol="0" anchor="ctr"/>
+            <a:lstStyle/>
+            <a:p>
+              <a:pPr algn="ctr"/>
+              <a:r>
+                <a:rPr lang="de-DE" sz="1400" dirty="0" err="1"/>
+                <a:t>Dist_heat_sch</a:t>
+              </a:r>
+              <a:endParaRPr lang="de-DE" sz="1400" dirty="0"/>
+            </a:p>
+          </p:txBody>
+        </p:sp>
+        <p:sp>
+          <p:nvSpPr>
+            <p:cNvPr id="74" name="Rechteck 73"/>
+            <p:cNvSpPr/>
+            <p:nvPr/>
+          </p:nvSpPr>
+          <p:spPr>
+            <a:xfrm>
+              <a:off x="3720199" y="6021750"/>
+              <a:ext cx="864000" cy="360000"/>
+            </a:xfrm>
+            <a:prstGeom prst="rect">
+              <a:avLst/>
+            </a:prstGeom>
+            <a:solidFill>
+              <a:srgbClr val="FFC000"/>
+            </a:solidFill>
+            <a:ln>
+              <a:noFill/>
+            </a:ln>
+          </p:spPr>
+          <p:style>
+            <a:lnRef idx="2">
+              <a:schemeClr val="accent1">
+                <a:shade val="50000"/>
+              </a:schemeClr>
+            </a:lnRef>
+            <a:fillRef idx="1">
+              <a:schemeClr val="accent1"/>
+            </a:fillRef>
+            <a:effectRef idx="0">
+              <a:schemeClr val="accent1"/>
+            </a:effectRef>
+            <a:fontRef idx="minor">
+              <a:schemeClr val="lt1"/>
+            </a:fontRef>
+          </p:style>
+          <p:txBody>
+            <a:bodyPr rtlCol="0" anchor="ctr"/>
+            <a:lstStyle/>
+            <a:p>
+              <a:pPr algn="ctr"/>
+              <a:r>
+                <a:rPr lang="de-DE" sz="1400" dirty="0" err="1"/>
+                <a:t>Shortage_sch</a:t>
+              </a:r>
+              <a:endParaRPr lang="de-DE" sz="1400" dirty="0"/>
+            </a:p>
+          </p:txBody>
+        </p:sp>
+        <p:cxnSp>
+          <p:nvCxnSpPr>
+            <p:cNvPr id="78" name="Gerade Verbindung mit Pfeil 77"/>
+            <p:cNvCxnSpPr>
+              <a:stCxn id="88" idx="2"/>
+              <a:endCxn id="70" idx="0"/>
+            </p:cNvCxnSpPr>
+            <p:nvPr/>
+          </p:nvCxnSpPr>
+          <p:spPr>
+            <a:xfrm>
+              <a:off x="5918874" y="4509080"/>
+              <a:ext cx="11915" cy="624493"/>
+            </a:xfrm>
+            <a:prstGeom prst="straightConnector1">
+              <a:avLst/>
+            </a:prstGeom>
+            <a:ln w="19050">
+              <a:solidFill>
+                <a:schemeClr val="tx1"/>
+              </a:solidFill>
+              <a:tailEnd type="arrow"/>
+            </a:ln>
+          </p:spPr>
+          <p:style>
+            <a:lnRef idx="1">
+              <a:schemeClr val="accent1"/>
+            </a:lnRef>
+            <a:fillRef idx="0">
+              <a:schemeClr val="accent1"/>
+            </a:fillRef>
+            <a:effectRef idx="0">
+              <a:schemeClr val="accent1"/>
+            </a:effectRef>
+            <a:fontRef idx="minor">
+              <a:schemeClr val="tx1"/>
+            </a:fontRef>
+          </p:style>
+        </p:cxnSp>
+        <p:cxnSp>
+          <p:nvCxnSpPr>
+            <p:cNvPr id="81" name="Gerade Verbindung mit Pfeil 80"/>
+            <p:cNvCxnSpPr>
+              <a:stCxn id="70" idx="4"/>
+              <a:endCxn id="73" idx="0"/>
+            </p:cNvCxnSpPr>
+            <p:nvPr/>
+          </p:nvCxnSpPr>
+          <p:spPr>
+            <a:xfrm flipH="1">
+              <a:off x="5920579" y="5493573"/>
+              <a:ext cx="10210" cy="527715"/>
+            </a:xfrm>
+            <a:prstGeom prst="straightConnector1">
+              <a:avLst/>
+            </a:prstGeom>
+            <a:ln w="19050">
+              <a:solidFill>
+                <a:schemeClr val="tx1"/>
+              </a:solidFill>
+              <a:tailEnd type="arrow"/>
+            </a:ln>
+          </p:spPr>
+          <p:style>
+            <a:lnRef idx="1">
+              <a:schemeClr val="accent1"/>
+            </a:lnRef>
+            <a:fillRef idx="0">
+              <a:schemeClr val="accent1"/>
+            </a:fillRef>
+            <a:effectRef idx="0">
+              <a:schemeClr val="accent1"/>
+            </a:effectRef>
+            <a:fontRef idx="minor">
+              <a:schemeClr val="tx1"/>
+            </a:fontRef>
+          </p:style>
+        </p:cxnSp>
+        <p:cxnSp>
+          <p:nvCxnSpPr>
+            <p:cNvPr id="84" name="Gerade Verbindung mit Pfeil 83"/>
+            <p:cNvCxnSpPr>
+              <a:stCxn id="74" idx="3"/>
+              <a:endCxn id="70" idx="3"/>
+            </p:cNvCxnSpPr>
+            <p:nvPr/>
+          </p:nvCxnSpPr>
+          <p:spPr>
+            <a:xfrm flipV="1">
+              <a:off x="4584199" y="5440852"/>
+              <a:ext cx="1002936" cy="760898"/>
+            </a:xfrm>
+            <a:prstGeom prst="straightConnector1">
+              <a:avLst/>
+            </a:prstGeom>
+            <a:ln w="19050">
+              <a:solidFill>
+                <a:schemeClr val="tx1"/>
+              </a:solidFill>
+              <a:tailEnd type="arrow"/>
+            </a:ln>
+          </p:spPr>
+          <p:style>
+            <a:lnRef idx="1">
+              <a:schemeClr val="accent1"/>
+            </a:lnRef>
+            <a:fillRef idx="0">
+              <a:schemeClr val="accent1"/>
+            </a:fillRef>
+            <a:effectRef idx="0">
+              <a:schemeClr val="accent1"/>
+            </a:effectRef>
+            <a:fontRef idx="minor">
+              <a:schemeClr val="tx1"/>
+            </a:fontRef>
+          </p:style>
+        </p:cxnSp>
+        <p:cxnSp>
+          <p:nvCxnSpPr>
+            <p:cNvPr id="87" name="Gerade Verbindung mit Pfeil 86"/>
+            <p:cNvCxnSpPr>
+              <a:stCxn id="70" idx="6"/>
+              <a:endCxn id="72" idx="1"/>
+            </p:cNvCxnSpPr>
+            <p:nvPr/>
+          </p:nvCxnSpPr>
+          <p:spPr>
+            <a:xfrm>
+              <a:off x="6416789" y="5313573"/>
+              <a:ext cx="463037" cy="0"/>
+            </a:xfrm>
+            <a:prstGeom prst="straightConnector1">
+              <a:avLst/>
+            </a:prstGeom>
+            <a:ln w="19050">
+              <a:solidFill>
+                <a:schemeClr val="tx1"/>
+              </a:solidFill>
+              <a:tailEnd type="arrow"/>
+            </a:ln>
+          </p:spPr>
+          <p:style>
+            <a:lnRef idx="1">
+              <a:schemeClr val="accent1"/>
+            </a:lnRef>
+            <a:fillRef idx="0">
+              <a:schemeClr val="accent1"/>
+            </a:fillRef>
+            <a:effectRef idx="0">
+              <a:schemeClr val="accent1"/>
+            </a:effectRef>
+            <a:fontRef idx="minor">
+              <a:schemeClr val="tx1"/>
+            </a:fontRef>
+          </p:style>
+        </p:cxnSp>
+        <p:sp>
+          <p:nvSpPr>
+            <p:cNvPr id="58" name="Rechteck 57"/>
+            <p:cNvSpPr/>
+            <p:nvPr/>
+          </p:nvSpPr>
+          <p:spPr>
+            <a:xfrm>
+              <a:off x="86069" y="3933056"/>
+              <a:ext cx="864000" cy="360000"/>
+            </a:xfrm>
+            <a:prstGeom prst="rect">
+              <a:avLst/>
+            </a:prstGeom>
+            <a:solidFill>
+              <a:schemeClr val="accent3"/>
+            </a:solidFill>
+            <a:ln>
+              <a:noFill/>
+            </a:ln>
+          </p:spPr>
+          <p:style>
+            <a:lnRef idx="2">
+              <a:schemeClr val="accent1">
+                <a:shade val="50000"/>
+              </a:schemeClr>
+            </a:lnRef>
+            <a:fillRef idx="1">
+              <a:schemeClr val="accent1"/>
+            </a:fillRef>
+            <a:effectRef idx="0">
+              <a:schemeClr val="accent1"/>
+            </a:effectRef>
+            <a:fontRef idx="minor">
+              <a:schemeClr val="lt1"/>
+            </a:fontRef>
+          </p:style>
+          <p:txBody>
+            <a:bodyPr rtlCol="0" anchor="ctr"/>
+            <a:lstStyle/>
+            <a:p>
+              <a:pPr algn="ctr"/>
+              <a:r>
+                <a:rPr lang="de-DE" sz="1400" dirty="0" err="1"/>
+                <a:t>excess</a:t>
+              </a:r>
+              <a:endParaRPr lang="de-DE" sz="1400" dirty="0"/>
+            </a:p>
+          </p:txBody>
+        </p:sp>
+        <p:cxnSp>
+          <p:nvCxnSpPr>
+            <p:cNvPr id="60" name="Gerade Verbindung mit Pfeil 59"/>
+            <p:cNvCxnSpPr>
+              <a:stCxn id="4" idx="3"/>
+              <a:endCxn id="58" idx="3"/>
+            </p:cNvCxnSpPr>
+            <p:nvPr/>
+          </p:nvCxnSpPr>
+          <p:spPr>
+            <a:xfrm flipH="1">
+              <a:off x="950069" y="3567293"/>
+              <a:ext cx="880451" cy="545763"/>
+            </a:xfrm>
+            <a:prstGeom prst="straightConnector1">
+              <a:avLst/>
+            </a:prstGeom>
+            <a:ln w="19050">
+              <a:solidFill>
+                <a:schemeClr val="tx1"/>
+              </a:solidFill>
+              <a:prstDash val="lgDash"/>
+              <a:tailEnd type="arrow"/>
+            </a:ln>
+          </p:spPr>
+          <p:style>
+            <a:lnRef idx="1">
+              <a:schemeClr val="accent1"/>
+            </a:lnRef>
+            <a:fillRef idx="0">
+              <a:schemeClr val="accent1"/>
+            </a:fillRef>
+            <a:effectRef idx="0">
+              <a:schemeClr val="accent1"/>
+            </a:effectRef>
+            <a:fontRef idx="minor">
+              <a:schemeClr val="tx1"/>
+            </a:fontRef>
+          </p:style>
+        </p:cxnSp>
+        <p:sp>
+          <p:nvSpPr>
+            <p:cNvPr id="85" name="Rechteck 84"/>
+            <p:cNvSpPr/>
+            <p:nvPr/>
+          </p:nvSpPr>
+          <p:spPr>
+            <a:xfrm>
+              <a:off x="3712215" y="5133573"/>
+              <a:ext cx="864000" cy="360000"/>
+            </a:xfrm>
+            <a:prstGeom prst="rect">
+              <a:avLst/>
+            </a:prstGeom>
+            <a:solidFill>
+              <a:srgbClr val="0070C0"/>
+            </a:solidFill>
+            <a:ln>
+              <a:noFill/>
+            </a:ln>
+          </p:spPr>
+          <p:style>
+            <a:lnRef idx="2">
+              <a:schemeClr val="accent1">
+                <a:shade val="50000"/>
+              </a:schemeClr>
+            </a:lnRef>
+            <a:fillRef idx="1">
+              <a:schemeClr val="accent1"/>
+            </a:fillRef>
+            <a:effectRef idx="0">
+              <a:schemeClr val="accent1"/>
+            </a:effectRef>
+            <a:fontRef idx="minor">
+              <a:schemeClr val="lt1"/>
+            </a:fontRef>
+          </p:style>
+          <p:txBody>
+            <a:bodyPr rtlCol="0" anchor="ctr"/>
+            <a:lstStyle/>
+            <a:p>
+              <a:pPr algn="ctr"/>
+              <a:r>
+                <a:rPr lang="de-DE" sz="1400" dirty="0" err="1"/>
+                <a:t>Boiler_sch</a:t>
+              </a:r>
+              <a:endParaRPr lang="de-DE" sz="1400" dirty="0"/>
+            </a:p>
+          </p:txBody>
+        </p:sp>
+        <p:cxnSp>
+          <p:nvCxnSpPr>
+            <p:cNvPr id="86" name="Gerade Verbindung mit Pfeil 85"/>
+            <p:cNvCxnSpPr>
+              <a:stCxn id="85" idx="3"/>
+              <a:endCxn id="70" idx="2"/>
+            </p:cNvCxnSpPr>
+            <p:nvPr/>
+          </p:nvCxnSpPr>
+          <p:spPr>
+            <a:xfrm>
+              <a:off x="4576215" y="5313573"/>
+              <a:ext cx="868574" cy="0"/>
+            </a:xfrm>
+            <a:prstGeom prst="straightConnector1">
+              <a:avLst/>
+            </a:prstGeom>
+            <a:ln w="19050">
+              <a:solidFill>
+                <a:schemeClr val="tx1"/>
+              </a:solidFill>
+              <a:tailEnd type="arrow"/>
+            </a:ln>
+          </p:spPr>
+          <p:style>
+            <a:lnRef idx="1">
+              <a:schemeClr val="accent1"/>
+            </a:lnRef>
+            <a:fillRef idx="0">
+              <a:schemeClr val="accent1"/>
+            </a:fillRef>
+            <a:effectRef idx="0">
+              <a:schemeClr val="accent1"/>
+            </a:effectRef>
+            <a:fontRef idx="minor">
+              <a:schemeClr val="tx1"/>
+            </a:fontRef>
+          </p:style>
+        </p:cxnSp>
+        <p:sp>
+          <p:nvSpPr>
+            <p:cNvPr id="109" name="Ellipse 108"/>
+            <p:cNvSpPr/>
+            <p:nvPr/>
+          </p:nvSpPr>
+          <p:spPr>
+            <a:xfrm>
+              <a:off x="5434579" y="1152319"/>
+              <a:ext cx="972000" cy="360000"/>
+            </a:xfrm>
+            <a:prstGeom prst="ellipse">
+              <a:avLst/>
+            </a:prstGeom>
+            <a:solidFill>
+              <a:schemeClr val="bg2">
+                <a:lumMod val="50000"/>
+              </a:schemeClr>
+            </a:solidFill>
+            <a:ln>
+              <a:noFill/>
+            </a:ln>
+          </p:spPr>
+          <p:style>
+            <a:lnRef idx="2">
+              <a:schemeClr val="accent1">
+                <a:shade val="50000"/>
+              </a:schemeClr>
+            </a:lnRef>
+            <a:fillRef idx="1">
+              <a:schemeClr val="accent1"/>
+            </a:fillRef>
+            <a:effectRef idx="0">
+              <a:schemeClr val="accent1"/>
+            </a:effectRef>
+            <a:fontRef idx="minor">
+              <a:schemeClr val="lt1"/>
+            </a:fontRef>
+          </p:style>
+          <p:txBody>
+            <a:bodyPr rtlCol="0" anchor="ctr"/>
+            <a:lstStyle/>
+            <a:p>
+              <a:pPr algn="ctr"/>
+              <a:r>
+                <a:rPr lang="de-DE" sz="1400" dirty="0" err="1"/>
+                <a:t>bus_th_pr</a:t>
+              </a:r>
+              <a:endParaRPr lang="de-DE" sz="1400" dirty="0"/>
+            </a:p>
+          </p:txBody>
+        </p:sp>
+        <p:sp>
+          <p:nvSpPr>
+            <p:cNvPr id="110" name="Rechteck 109"/>
+            <p:cNvSpPr/>
+            <p:nvPr/>
+          </p:nvSpPr>
+          <p:spPr>
+            <a:xfrm>
+              <a:off x="6877050" y="1143390"/>
+              <a:ext cx="864000" cy="360000"/>
+            </a:xfrm>
+            <a:prstGeom prst="rect">
+              <a:avLst/>
+            </a:prstGeom>
+            <a:solidFill>
+              <a:schemeClr val="accent4"/>
+            </a:solidFill>
+            <a:ln>
+              <a:noFill/>
+            </a:ln>
+          </p:spPr>
+          <p:style>
+            <a:lnRef idx="2">
+              <a:schemeClr val="accent1">
+                <a:shade val="50000"/>
+              </a:schemeClr>
+            </a:lnRef>
+            <a:fillRef idx="1">
+              <a:schemeClr val="accent1"/>
+            </a:fillRef>
+            <a:effectRef idx="0">
+              <a:schemeClr val="accent1"/>
+            </a:effectRef>
+            <a:fontRef idx="minor">
+              <a:schemeClr val="lt1"/>
+            </a:fontRef>
+          </p:style>
+          <p:txBody>
+            <a:bodyPr rtlCol="0" anchor="ctr"/>
+            <a:lstStyle/>
+            <a:p>
+              <a:pPr algn="ctr"/>
+              <a:r>
+                <a:rPr lang="de-DE" sz="1400" dirty="0" err="1"/>
+                <a:t>Storage_th_pr</a:t>
+              </a:r>
+              <a:endParaRPr lang="de-DE" sz="1400" dirty="0"/>
+            </a:p>
+          </p:txBody>
+        </p:sp>
+        <p:sp>
+          <p:nvSpPr>
+            <p:cNvPr id="111" name="Rechteck 110"/>
+            <p:cNvSpPr/>
+            <p:nvPr/>
+          </p:nvSpPr>
+          <p:spPr>
+            <a:xfrm>
+              <a:off x="5488579" y="231243"/>
+              <a:ext cx="864000" cy="360000"/>
+            </a:xfrm>
+            <a:prstGeom prst="rect">
+              <a:avLst/>
+            </a:prstGeom>
+            <a:solidFill>
+              <a:schemeClr val="accent3"/>
+            </a:solidFill>
+            <a:ln>
+              <a:noFill/>
+            </a:ln>
+          </p:spPr>
+          <p:style>
+            <a:lnRef idx="2">
+              <a:schemeClr val="accent1">
+                <a:shade val="50000"/>
+              </a:schemeClr>
+            </a:lnRef>
+            <a:fillRef idx="1">
+              <a:schemeClr val="accent1"/>
+            </a:fillRef>
+            <a:effectRef idx="0">
+              <a:schemeClr val="accent1"/>
+            </a:effectRef>
+            <a:fontRef idx="minor">
+              <a:schemeClr val="lt1"/>
+            </a:fontRef>
+          </p:style>
+          <p:txBody>
+            <a:bodyPr rtlCol="0" anchor="ctr"/>
+            <a:lstStyle/>
+            <a:p>
+              <a:pPr algn="ctr"/>
+              <a:r>
+                <a:rPr lang="de-DE" sz="1400" dirty="0" err="1"/>
+                <a:t>Dist_heat_pr</a:t>
+              </a:r>
+              <a:endParaRPr lang="de-DE" sz="1400" dirty="0"/>
+            </a:p>
+          </p:txBody>
+        </p:sp>
+        <p:sp>
+          <p:nvSpPr>
+            <p:cNvPr id="112" name="Rechteck 111"/>
+            <p:cNvSpPr/>
+            <p:nvPr/>
+          </p:nvSpPr>
+          <p:spPr>
+            <a:xfrm>
+              <a:off x="3539153" y="231243"/>
+              <a:ext cx="864000" cy="360000"/>
+            </a:xfrm>
+            <a:prstGeom prst="rect">
+              <a:avLst/>
+            </a:prstGeom>
+            <a:solidFill>
+              <a:srgbClr val="FFC000"/>
+            </a:solidFill>
+            <a:ln>
+              <a:noFill/>
+            </a:ln>
+          </p:spPr>
+          <p:style>
+            <a:lnRef idx="2">
+              <a:schemeClr val="accent1">
+                <a:shade val="50000"/>
+              </a:schemeClr>
+            </a:lnRef>
+            <a:fillRef idx="1">
+              <a:schemeClr val="accent1"/>
+            </a:fillRef>
+            <a:effectRef idx="0">
+              <a:schemeClr val="accent1"/>
+            </a:effectRef>
+            <a:fontRef idx="minor">
+              <a:schemeClr val="lt1"/>
+            </a:fontRef>
+          </p:style>
+          <p:txBody>
+            <a:bodyPr rtlCol="0" anchor="ctr"/>
+            <a:lstStyle/>
+            <a:p>
+              <a:pPr algn="ctr"/>
+              <a:r>
+                <a:rPr lang="de-DE" sz="1400" dirty="0" err="1"/>
+                <a:t>Shortage_pr</a:t>
+              </a:r>
+              <a:r>
+                <a:rPr lang="de-DE" sz="1400" dirty="0"/>
+                <a:t> </a:t>
+              </a:r>
+              <a:endParaRPr lang="de-DE" sz="1400" dirty="0"/>
+            </a:p>
+          </p:txBody>
+        </p:sp>
+        <p:cxnSp>
+          <p:nvCxnSpPr>
+            <p:cNvPr id="113" name="Gerade Verbindung mit Pfeil 112"/>
+            <p:cNvCxnSpPr>
+              <a:stCxn id="109" idx="0"/>
+              <a:endCxn id="111" idx="2"/>
+            </p:cNvCxnSpPr>
+            <p:nvPr/>
+          </p:nvCxnSpPr>
+          <p:spPr>
+            <a:xfrm flipV="1">
+              <a:off x="5920579" y="591243"/>
+              <a:ext cx="0" cy="561076"/>
+            </a:xfrm>
+            <a:prstGeom prst="straightConnector1">
+              <a:avLst/>
+            </a:prstGeom>
+            <a:ln w="19050">
+              <a:solidFill>
+                <a:schemeClr val="tx1"/>
+              </a:solidFill>
+              <a:tailEnd type="arrow"/>
+            </a:ln>
+          </p:spPr>
+          <p:style>
+            <a:lnRef idx="1">
+              <a:schemeClr val="accent1"/>
+            </a:lnRef>
+            <a:fillRef idx="0">
+              <a:schemeClr val="accent1"/>
+            </a:fillRef>
+            <a:effectRef idx="0">
+              <a:schemeClr val="accent1"/>
+            </a:effectRef>
+            <a:fontRef idx="minor">
+              <a:schemeClr val="tx1"/>
+            </a:fontRef>
+          </p:style>
+        </p:cxnSp>
+        <p:cxnSp>
+          <p:nvCxnSpPr>
+            <p:cNvPr id="114" name="Gerade Verbindung mit Pfeil 113"/>
+            <p:cNvCxnSpPr>
+              <a:stCxn id="112" idx="3"/>
+            </p:cNvCxnSpPr>
+            <p:nvPr/>
+          </p:nvCxnSpPr>
+          <p:spPr>
+            <a:xfrm>
+              <a:off x="4403153" y="411243"/>
+              <a:ext cx="1443159" cy="741076"/>
+            </a:xfrm>
+            <a:prstGeom prst="straightConnector1">
+              <a:avLst/>
+            </a:prstGeom>
+            <a:ln w="19050">
+              <a:solidFill>
+                <a:schemeClr val="tx1"/>
+              </a:solidFill>
+              <a:tailEnd type="arrow"/>
+            </a:ln>
+          </p:spPr>
+          <p:style>
+            <a:lnRef idx="1">
+              <a:schemeClr val="accent1"/>
+            </a:lnRef>
+            <a:fillRef idx="0">
+              <a:schemeClr val="accent1"/>
+            </a:fillRef>
+            <a:effectRef idx="0">
+              <a:schemeClr val="accent1"/>
+            </a:effectRef>
+            <a:fontRef idx="minor">
+              <a:schemeClr val="tx1"/>
+            </a:fontRef>
+          </p:style>
+        </p:cxnSp>
+        <p:cxnSp>
+          <p:nvCxnSpPr>
+            <p:cNvPr id="115" name="Gerade Verbindung mit Pfeil 114"/>
+            <p:cNvCxnSpPr>
+              <a:stCxn id="109" idx="6"/>
+              <a:endCxn id="110" idx="1"/>
+            </p:cNvCxnSpPr>
+            <p:nvPr/>
+          </p:nvCxnSpPr>
+          <p:spPr>
+            <a:xfrm flipV="1">
+              <a:off x="6406579" y="1323390"/>
+              <a:ext cx="470471" cy="8929"/>
+            </a:xfrm>
+            <a:prstGeom prst="straightConnector1">
+              <a:avLst/>
+            </a:prstGeom>
+            <a:ln w="19050">
+              <a:solidFill>
+                <a:schemeClr val="tx1"/>
+              </a:solidFill>
+              <a:tailEnd type="arrow"/>
+            </a:ln>
+          </p:spPr>
+          <p:style>
+            <a:lnRef idx="1">
+              <a:schemeClr val="accent1"/>
+            </a:lnRef>
+            <a:fillRef idx="0">
+              <a:schemeClr val="accent1"/>
+            </a:fillRef>
+            <a:effectRef idx="0">
+              <a:schemeClr val="accent1"/>
+            </a:effectRef>
+            <a:fontRef idx="minor">
+              <a:schemeClr val="tx1"/>
+            </a:fontRef>
+          </p:style>
+        </p:cxnSp>
+        <p:cxnSp>
+          <p:nvCxnSpPr>
+            <p:cNvPr id="118" name="Gerade Verbindung mit Pfeil 117"/>
+            <p:cNvCxnSpPr>
+              <a:stCxn id="99" idx="3"/>
+              <a:endCxn id="109" idx="3"/>
+            </p:cNvCxnSpPr>
+            <p:nvPr/>
+          </p:nvCxnSpPr>
+          <p:spPr>
+            <a:xfrm flipV="1">
+              <a:off x="4406152" y="1459598"/>
+              <a:ext cx="1170773" cy="421210"/>
+            </a:xfrm>
+            <a:prstGeom prst="straightConnector1">
+              <a:avLst/>
+            </a:prstGeom>
+            <a:ln w="19050">
+              <a:solidFill>
+                <a:schemeClr val="tx1"/>
+              </a:solidFill>
+              <a:tailEnd type="arrow"/>
+            </a:ln>
+          </p:spPr>
+          <p:style>
+            <a:lnRef idx="1">
+              <a:schemeClr val="accent1"/>
+            </a:lnRef>
+            <a:fillRef idx="0">
+              <a:schemeClr val="accent1"/>
+            </a:fillRef>
+            <a:effectRef idx="0">
+              <a:schemeClr val="accent1"/>
+            </a:effectRef>
+            <a:fontRef idx="minor">
+              <a:schemeClr val="tx1"/>
+            </a:fontRef>
+          </p:style>
+        </p:cxnSp>
+        <p:cxnSp>
+          <p:nvCxnSpPr>
+            <p:cNvPr id="132" name="Gerade Verbindung mit Pfeil 131"/>
+            <p:cNvCxnSpPr>
+              <a:endCxn id="70" idx="7"/>
+            </p:cNvCxnSpPr>
+            <p:nvPr/>
+          </p:nvCxnSpPr>
+          <p:spPr>
+            <a:xfrm flipH="1" flipV="1">
+              <a:off x="6274443" y="5186294"/>
+              <a:ext cx="574346" cy="3882"/>
+            </a:xfrm>
+            <a:prstGeom prst="straightConnector1">
+              <a:avLst/>
+            </a:prstGeom>
+            <a:ln w="19050">
+              <a:solidFill>
+                <a:schemeClr val="tx1"/>
+              </a:solidFill>
+              <a:tailEnd type="arrow"/>
+            </a:ln>
+          </p:spPr>
+          <p:style>
+            <a:lnRef idx="1">
+              <a:schemeClr val="accent1"/>
+            </a:lnRef>
+            <a:fillRef idx="0">
+              <a:schemeClr val="accent1"/>
+            </a:fillRef>
+            <a:effectRef idx="0">
+              <a:schemeClr val="accent1"/>
+            </a:effectRef>
+            <a:fontRef idx="minor">
+              <a:schemeClr val="tx1"/>
+            </a:fontRef>
+          </p:style>
+        </p:cxnSp>
+        <p:cxnSp>
+          <p:nvCxnSpPr>
+            <p:cNvPr id="162" name="Gerade Verbindung mit Pfeil 161"/>
+            <p:cNvCxnSpPr>
+              <a:endCxn id="109" idx="5"/>
+            </p:cNvCxnSpPr>
+            <p:nvPr/>
+          </p:nvCxnSpPr>
+          <p:spPr>
+            <a:xfrm flipH="1">
+              <a:off x="6264233" y="1459598"/>
+              <a:ext cx="615593" cy="0"/>
+            </a:xfrm>
+            <a:prstGeom prst="straightConnector1">
+              <a:avLst/>
+            </a:prstGeom>
+            <a:ln w="19050">
+              <a:solidFill>
+                <a:schemeClr val="tx1"/>
+              </a:solidFill>
+              <a:tailEnd type="arrow"/>
+            </a:ln>
+          </p:spPr>
+          <p:style>
+            <a:lnRef idx="1">
+              <a:schemeClr val="accent1"/>
+            </a:lnRef>
+            <a:fillRef idx="0">
+              <a:schemeClr val="accent1"/>
+            </a:fillRef>
+            <a:effectRef idx="0">
+              <a:schemeClr val="accent1"/>
+            </a:effectRef>
+            <a:fontRef idx="minor">
+              <a:schemeClr val="tx1"/>
+            </a:fontRef>
+          </p:style>
+        </p:cxnSp>
+        <p:cxnSp>
+          <p:nvCxnSpPr>
+            <p:cNvPr id="166" name="Gerade Verbindung mit Pfeil 165"/>
+            <p:cNvCxnSpPr>
+              <a:stCxn id="69" idx="0"/>
+              <a:endCxn id="109" idx="4"/>
+            </p:cNvCxnSpPr>
+            <p:nvPr/>
+          </p:nvCxnSpPr>
+          <p:spPr>
+            <a:xfrm flipV="1">
+              <a:off x="5918925" y="1512319"/>
+              <a:ext cx="1654" cy="620537"/>
+            </a:xfrm>
+            <a:prstGeom prst="straightConnector1">
+              <a:avLst/>
+            </a:prstGeom>
+            <a:ln w="19050">
+              <a:solidFill>
+                <a:schemeClr val="tx1"/>
+              </a:solidFill>
+              <a:tailEnd type="arrow"/>
+            </a:ln>
+          </p:spPr>
+          <p:style>
+            <a:lnRef idx="1">
+              <a:schemeClr val="accent1"/>
+            </a:lnRef>
+            <a:fillRef idx="0">
+              <a:schemeClr val="accent1"/>
+            </a:fillRef>
+            <a:effectRef idx="0">
+              <a:schemeClr val="accent1"/>
+            </a:effectRef>
+            <a:fontRef idx="minor">
+              <a:schemeClr val="tx1"/>
+            </a:fontRef>
+          </p:style>
+        </p:cxnSp>
+        <p:sp>
+          <p:nvSpPr>
+            <p:cNvPr id="54" name="Ellipse 53"/>
+            <p:cNvSpPr/>
+            <p:nvPr/>
+          </p:nvSpPr>
+          <p:spPr>
+            <a:xfrm>
+              <a:off x="1685199" y="5145089"/>
+              <a:ext cx="972000" cy="360000"/>
+            </a:xfrm>
+            <a:prstGeom prst="ellipse">
+              <a:avLst/>
+            </a:prstGeom>
+            <a:solidFill>
+              <a:schemeClr val="bg2">
+                <a:lumMod val="50000"/>
+              </a:schemeClr>
+            </a:solidFill>
+            <a:ln>
+              <a:noFill/>
+            </a:ln>
+          </p:spPr>
+          <p:style>
+            <a:lnRef idx="2">
+              <a:schemeClr val="accent1">
+                <a:shade val="50000"/>
+              </a:schemeClr>
+            </a:lnRef>
+            <a:fillRef idx="1">
+              <a:schemeClr val="accent1"/>
+            </a:fillRef>
+            <a:effectRef idx="0">
+              <a:schemeClr val="accent1"/>
+            </a:effectRef>
+            <a:fontRef idx="minor">
+              <a:schemeClr val="lt1"/>
+            </a:fontRef>
+          </p:style>
+          <p:txBody>
+            <a:bodyPr rtlCol="0" anchor="ctr"/>
+            <a:lstStyle/>
+            <a:p>
+              <a:pPr algn="ctr"/>
+              <a:r>
+                <a:rPr lang="de-DE" sz="1400" dirty="0" err="1"/>
+                <a:t>Bus_gas</a:t>
+              </a:r>
+              <a:endParaRPr lang="de-DE" sz="1400" dirty="0"/>
+            </a:p>
+          </p:txBody>
+        </p:sp>
+        <p:cxnSp>
+          <p:nvCxnSpPr>
+            <p:cNvPr id="55" name="Gerade Verbindung mit Pfeil 54"/>
+            <p:cNvCxnSpPr>
+              <a:stCxn id="54" idx="6"/>
+              <a:endCxn id="85" idx="1"/>
+            </p:cNvCxnSpPr>
+            <p:nvPr/>
+          </p:nvCxnSpPr>
+          <p:spPr>
+            <a:xfrm flipV="1">
+              <a:off x="2657199" y="5313573"/>
+              <a:ext cx="1055016" cy="11516"/>
+            </a:xfrm>
+            <a:prstGeom prst="straightConnector1">
+              <a:avLst/>
+            </a:prstGeom>
+            <a:ln w="19050">
+              <a:solidFill>
+                <a:schemeClr val="tx1"/>
+              </a:solidFill>
+              <a:tailEnd type="arrow"/>
+            </a:ln>
+          </p:spPr>
+          <p:style>
+            <a:lnRef idx="1">
+              <a:schemeClr val="accent1"/>
+            </a:lnRef>
+            <a:fillRef idx="0">
+              <a:schemeClr val="accent1"/>
+            </a:fillRef>
+            <a:effectRef idx="0">
+              <a:schemeClr val="accent1"/>
+            </a:effectRef>
+            <a:fontRef idx="minor">
+              <a:schemeClr val="tx1"/>
+            </a:fontRef>
+          </p:style>
+        </p:cxnSp>
+        <p:sp>
+          <p:nvSpPr>
+            <p:cNvPr id="59" name="Rechteck 58"/>
+            <p:cNvSpPr/>
+            <p:nvPr/>
+          </p:nvSpPr>
+          <p:spPr>
+            <a:xfrm>
+              <a:off x="3720199" y="4509080"/>
+              <a:ext cx="864000" cy="360000"/>
+            </a:xfrm>
+            <a:prstGeom prst="rect">
+              <a:avLst/>
+            </a:prstGeom>
+            <a:solidFill>
+              <a:srgbClr val="0070C0"/>
+            </a:solidFill>
+            <a:ln>
+              <a:noFill/>
+            </a:ln>
+          </p:spPr>
+          <p:style>
+            <a:lnRef idx="2">
+              <a:schemeClr val="accent1">
+                <a:shade val="50000"/>
+              </a:schemeClr>
+            </a:lnRef>
+            <a:fillRef idx="1">
+              <a:schemeClr val="accent1"/>
+            </a:fillRef>
+            <a:effectRef idx="0">
+              <a:schemeClr val="accent1"/>
+            </a:effectRef>
+            <a:fontRef idx="minor">
+              <a:schemeClr val="lt1"/>
+            </a:fontRef>
+          </p:style>
+          <p:txBody>
+            <a:bodyPr rtlCol="0" anchor="ctr"/>
+            <a:lstStyle/>
+            <a:p>
+              <a:pPr algn="ctr"/>
+              <a:r>
+                <a:rPr lang="de-DE" sz="1400" dirty="0" err="1"/>
+                <a:t>Heat_chp_sch</a:t>
+              </a:r>
+              <a:endParaRPr lang="de-DE" sz="1400" dirty="0"/>
+            </a:p>
+          </p:txBody>
+        </p:sp>
+        <p:cxnSp>
+          <p:nvCxnSpPr>
+            <p:cNvPr id="61" name="Gerade Verbindung mit Pfeil 60"/>
+            <p:cNvCxnSpPr>
+              <a:stCxn id="59" idx="3"/>
+              <a:endCxn id="70" idx="1"/>
+            </p:cNvCxnSpPr>
+            <p:nvPr/>
+          </p:nvCxnSpPr>
+          <p:spPr>
+            <a:xfrm>
+              <a:off x="4584199" y="4689080"/>
+              <a:ext cx="1002936" cy="497214"/>
+            </a:xfrm>
+            <a:prstGeom prst="straightConnector1">
+              <a:avLst/>
+            </a:prstGeom>
+            <a:ln w="19050">
+              <a:solidFill>
+                <a:schemeClr val="tx1"/>
+              </a:solidFill>
+              <a:tailEnd type="arrow"/>
+            </a:ln>
+          </p:spPr>
+          <p:style>
+            <a:lnRef idx="1">
+              <a:schemeClr val="accent1"/>
+            </a:lnRef>
+            <a:fillRef idx="0">
+              <a:schemeClr val="accent1"/>
+            </a:fillRef>
+            <a:effectRef idx="0">
+              <a:schemeClr val="accent1"/>
+            </a:effectRef>
+            <a:fontRef idx="minor">
+              <a:schemeClr val="tx1"/>
+            </a:fontRef>
+          </p:style>
+        </p:cxnSp>
+        <p:cxnSp>
+          <p:nvCxnSpPr>
+            <p:cNvPr id="62" name="Gerade Verbindung mit Pfeil 61"/>
+            <p:cNvCxnSpPr>
+              <a:stCxn id="54" idx="7"/>
+              <a:endCxn id="59" idx="1"/>
+            </p:cNvCxnSpPr>
+            <p:nvPr/>
+          </p:nvCxnSpPr>
+          <p:spPr>
+            <a:xfrm flipV="1">
+              <a:off x="2514853" y="4689080"/>
+              <a:ext cx="1205346" cy="508730"/>
+            </a:xfrm>
+            <a:prstGeom prst="straightConnector1">
+              <a:avLst/>
+            </a:prstGeom>
+            <a:ln w="19050">
+              <a:solidFill>
+                <a:schemeClr val="tx1"/>
+              </a:solidFill>
+              <a:tailEnd type="arrow"/>
+            </a:ln>
+          </p:spPr>
+          <p:style>
+            <a:lnRef idx="1">
+              <a:schemeClr val="accent1"/>
+            </a:lnRef>
+            <a:fillRef idx="0">
+              <a:schemeClr val="accent1"/>
+            </a:fillRef>
+            <a:effectRef idx="0">
+              <a:schemeClr val="accent1"/>
+            </a:effectRef>
+            <a:fontRef idx="minor">
+              <a:schemeClr val="tx1"/>
+            </a:fontRef>
+          </p:style>
+        </p:cxnSp>
+        <p:cxnSp>
+          <p:nvCxnSpPr>
+            <p:cNvPr id="65" name="Gerade Verbindung mit Pfeil 64"/>
+            <p:cNvCxnSpPr>
+              <a:stCxn id="59" idx="0"/>
+              <a:endCxn id="4" idx="5"/>
+            </p:cNvCxnSpPr>
+            <p:nvPr/>
+          </p:nvCxnSpPr>
+          <p:spPr>
+            <a:xfrm flipH="1" flipV="1">
+              <a:off x="2517828" y="3567293"/>
+              <a:ext cx="1634371" cy="941787"/>
+            </a:xfrm>
+            <a:prstGeom prst="straightConnector1">
+              <a:avLst/>
+            </a:prstGeom>
+            <a:ln w="19050">
+              <a:solidFill>
+                <a:schemeClr val="tx1"/>
+              </a:solidFill>
+              <a:prstDash val="solid"/>
+              <a:tailEnd type="arrow"/>
+            </a:ln>
+          </p:spPr>
+          <p:style>
+            <a:lnRef idx="1">
+              <a:schemeClr val="accent1"/>
+            </a:lnRef>
+            <a:fillRef idx="0">
+              <a:schemeClr val="accent1"/>
+            </a:fillRef>
+            <a:effectRef idx="0">
+              <a:schemeClr val="accent1"/>
+            </a:effectRef>
+            <a:fontRef idx="minor">
+              <a:schemeClr val="tx1"/>
+            </a:fontRef>
+          </p:style>
+        </p:cxnSp>
+        <p:sp>
+          <p:nvSpPr>
+            <p:cNvPr id="68" name="Rechteck 67"/>
+            <p:cNvSpPr/>
+            <p:nvPr/>
+          </p:nvSpPr>
+          <p:spPr>
+            <a:xfrm>
+              <a:off x="3542152" y="3027727"/>
+              <a:ext cx="1152128" cy="360000"/>
+            </a:xfrm>
+            <a:prstGeom prst="rect">
+              <a:avLst/>
+            </a:prstGeom>
+            <a:ln>
+              <a:noFill/>
+            </a:ln>
+          </p:spPr>
+          <p:style>
+            <a:lnRef idx="2">
+              <a:schemeClr val="accent1">
+                <a:shade val="50000"/>
+              </a:schemeClr>
+            </a:lnRef>
+            <a:fillRef idx="1">
+              <a:schemeClr val="accent1"/>
+            </a:fillRef>
+            <a:effectRef idx="0">
+              <a:schemeClr val="accent1"/>
+            </a:effectRef>
+            <a:fontRef idx="minor">
+              <a:schemeClr val="lt1"/>
+            </a:fontRef>
+          </p:style>
+          <p:txBody>
+            <a:bodyPr rtlCol="0" anchor="ctr"/>
+            <a:lstStyle/>
+            <a:p>
+              <a:pPr algn="ctr"/>
+              <a:r>
+                <a:rPr lang="de-DE" sz="1700" dirty="0" err="1"/>
+                <a:t>Curtailment</a:t>
+              </a:r>
+              <a:endParaRPr lang="de-DE" sz="1700" dirty="0"/>
+            </a:p>
+          </p:txBody>
+        </p:sp>
+        <p:sp>
+          <p:nvSpPr>
+            <p:cNvPr id="76" name="Rechteck 75"/>
+            <p:cNvSpPr/>
+            <p:nvPr/>
+          </p:nvSpPr>
+          <p:spPr>
+            <a:xfrm>
+              <a:off x="3542152" y="3429000"/>
+              <a:ext cx="1152128" cy="360000"/>
+            </a:xfrm>
+            <a:prstGeom prst="rect">
+              <a:avLst/>
+            </a:prstGeom>
+            <a:ln>
+              <a:noFill/>
+            </a:ln>
+          </p:spPr>
+          <p:style>
+            <a:lnRef idx="2">
+              <a:schemeClr val="accent1">
+                <a:shade val="50000"/>
+              </a:schemeClr>
+            </a:lnRef>
+            <a:fillRef idx="1">
+              <a:schemeClr val="accent1"/>
+            </a:fillRef>
+            <a:effectRef idx="0">
+              <a:schemeClr val="accent1"/>
+            </a:effectRef>
+            <a:fontRef idx="minor">
+              <a:schemeClr val="lt1"/>
+            </a:fontRef>
+          </p:style>
+          <p:txBody>
+            <a:bodyPr rtlCol="0" anchor="ctr"/>
+            <a:lstStyle/>
+            <a:p>
+              <a:pPr algn="ctr"/>
+              <a:r>
+                <a:rPr lang="de-DE" sz="1700" dirty="0" err="1"/>
+                <a:t>Negative_spot</a:t>
+              </a:r>
+              <a:endParaRPr lang="de-DE" sz="1700" dirty="0"/>
+            </a:p>
+          </p:txBody>
+        </p:sp>
+        <p:sp>
+          <p:nvSpPr>
+            <p:cNvPr id="77" name="Ellipse 76"/>
+            <p:cNvSpPr/>
+            <p:nvPr/>
+          </p:nvSpPr>
+          <p:spPr>
+            <a:xfrm>
+              <a:off x="5444789" y="3272147"/>
+              <a:ext cx="972000" cy="360000"/>
+            </a:xfrm>
+            <a:prstGeom prst="ellipse">
+              <a:avLst/>
+            </a:prstGeom>
+            <a:solidFill>
+              <a:schemeClr val="bg2">
+                <a:lumMod val="50000"/>
+              </a:schemeClr>
+            </a:solidFill>
+            <a:ln>
+              <a:noFill/>
+            </a:ln>
+          </p:spPr>
+          <p:style>
+            <a:lnRef idx="2">
+              <a:schemeClr val="accent1">
+                <a:shade val="50000"/>
+              </a:schemeClr>
+            </a:lnRef>
+            <a:fillRef idx="1">
+              <a:schemeClr val="accent1"/>
+            </a:fillRef>
+            <a:effectRef idx="0">
+              <a:schemeClr val="accent1"/>
+            </a:effectRef>
+            <a:fontRef idx="minor">
+              <a:schemeClr val="lt1"/>
+            </a:fontRef>
+          </p:style>
+          <p:txBody>
+            <a:bodyPr rtlCol="0" anchor="ctr"/>
+            <a:lstStyle/>
+            <a:p>
+              <a:pPr algn="ctr"/>
+              <a:r>
+                <a:rPr lang="de-DE" sz="1700" dirty="0" err="1"/>
+                <a:t>Bus_surplus</a:t>
+              </a:r>
+              <a:endParaRPr lang="de-DE" sz="1700" dirty="0"/>
+            </a:p>
+          </p:txBody>
+        </p:sp>
+        <p:cxnSp>
+          <p:nvCxnSpPr>
+            <p:cNvPr id="79" name="Gerade Verbindung mit Pfeil 78"/>
+            <p:cNvCxnSpPr>
+              <a:stCxn id="68" idx="3"/>
+              <a:endCxn id="77" idx="1"/>
+            </p:cNvCxnSpPr>
+            <p:nvPr/>
+          </p:nvCxnSpPr>
+          <p:spPr>
+            <a:xfrm>
+              <a:off x="4694280" y="3207727"/>
+              <a:ext cx="892855" cy="117141"/>
+            </a:xfrm>
+            <a:prstGeom prst="straightConnector1">
+              <a:avLst/>
+            </a:prstGeom>
+            <a:ln w="19050">
+              <a:solidFill>
+                <a:schemeClr val="tx1"/>
+              </a:solidFill>
+              <a:tailEnd type="arrow"/>
+            </a:ln>
+          </p:spPr>
+          <p:style>
+            <a:lnRef idx="1">
+              <a:schemeClr val="accent1"/>
+            </a:lnRef>
+            <a:fillRef idx="0">
+              <a:schemeClr val="accent1"/>
+            </a:fillRef>
+            <a:effectRef idx="0">
+              <a:schemeClr val="accent1"/>
+            </a:effectRef>
+            <a:fontRef idx="minor">
+              <a:schemeClr val="tx1"/>
+            </a:fontRef>
+          </p:style>
+        </p:cxnSp>
+        <p:cxnSp>
+          <p:nvCxnSpPr>
+            <p:cNvPr id="80" name="Gerade Verbindung mit Pfeil 79"/>
+            <p:cNvCxnSpPr>
+              <a:stCxn id="76" idx="3"/>
+              <a:endCxn id="77" idx="3"/>
+            </p:cNvCxnSpPr>
+            <p:nvPr/>
+          </p:nvCxnSpPr>
+          <p:spPr>
+            <a:xfrm flipV="1">
+              <a:off x="4694280" y="3579426"/>
+              <a:ext cx="892855" cy="29574"/>
+            </a:xfrm>
+            <a:prstGeom prst="straightConnector1">
+              <a:avLst/>
+            </a:prstGeom>
+            <a:ln w="19050">
+              <a:solidFill>
+                <a:schemeClr val="tx1"/>
+              </a:solidFill>
+              <a:tailEnd type="arrow"/>
+            </a:ln>
+          </p:spPr>
+          <p:style>
+            <a:lnRef idx="1">
+              <a:schemeClr val="accent1"/>
+            </a:lnRef>
+            <a:fillRef idx="0">
+              <a:schemeClr val="accent1"/>
+            </a:fillRef>
+            <a:effectRef idx="0">
+              <a:schemeClr val="accent1"/>
+            </a:effectRef>
+            <a:fontRef idx="minor">
+              <a:schemeClr val="tx1"/>
+            </a:fontRef>
+          </p:style>
+        </p:cxnSp>
+        <p:sp>
+          <p:nvSpPr>
+            <p:cNvPr id="88" name="Rechteck 87"/>
+            <p:cNvSpPr/>
+            <p:nvPr/>
+          </p:nvSpPr>
+          <p:spPr>
+            <a:xfrm>
+              <a:off x="5576874" y="4149080"/>
+              <a:ext cx="684000" cy="360000"/>
+            </a:xfrm>
+            <a:prstGeom prst="rect">
+              <a:avLst/>
+            </a:prstGeom>
+            <a:ln>
+              <a:noFill/>
+            </a:ln>
+          </p:spPr>
+          <p:style>
+            <a:lnRef idx="2">
+              <a:schemeClr val="accent1">
+                <a:shade val="50000"/>
+              </a:schemeClr>
+            </a:lnRef>
+            <a:fillRef idx="1">
+              <a:schemeClr val="accent1"/>
+            </a:fillRef>
+            <a:effectRef idx="0">
+              <a:schemeClr val="accent1"/>
+            </a:effectRef>
+            <a:fontRef idx="minor">
+              <a:schemeClr val="lt1"/>
+            </a:fontRef>
+          </p:style>
+          <p:txBody>
+            <a:bodyPr rtlCol="0" anchor="ctr"/>
+            <a:lstStyle/>
+            <a:p>
+              <a:pPr algn="ctr"/>
+              <a:r>
+                <a:rPr lang="de-DE" sz="1400" dirty="0"/>
+                <a:t>P2H_sch</a:t>
+              </a:r>
+              <a:endParaRPr lang="de-DE" sz="1400" dirty="0"/>
+            </a:p>
+          </p:txBody>
+        </p:sp>
+        <p:sp>
+          <p:nvSpPr>
+            <p:cNvPr id="63" name="Rechteck 5"/>
+            <p:cNvSpPr/>
+            <p:nvPr/>
+          </p:nvSpPr>
+          <p:spPr>
+            <a:xfrm>
+              <a:off x="86069" y="3232632"/>
+              <a:ext cx="864000" cy="360000"/>
+            </a:xfrm>
+            <a:prstGeom prst="rect">
+              <a:avLst/>
+            </a:prstGeom>
+            <a:solidFill>
+              <a:srgbClr val="FFC000"/>
+            </a:solidFill>
+            <a:ln>
+              <a:noFill/>
+            </a:ln>
+          </p:spPr>
+          <p:style>
+            <a:lnRef idx="2">
+              <a:schemeClr val="accent1">
+                <a:shade val="50000"/>
+              </a:schemeClr>
+            </a:lnRef>
+            <a:fillRef idx="1">
+              <a:schemeClr val="accent1"/>
+            </a:fillRef>
+            <a:effectRef idx="0">
+              <a:schemeClr val="accent1"/>
+            </a:effectRef>
+            <a:fontRef idx="minor">
+              <a:schemeClr val="lt1"/>
+            </a:fontRef>
+          </p:style>
+          <p:txBody>
+            <a:bodyPr rtlCol="0" anchor="ctr"/>
+            <a:lstStyle/>
+            <a:p>
+              <a:pPr algn="ctr"/>
+              <a:r>
+                <a:rPr lang="de-DE" sz="1400" dirty="0" err="1"/>
+                <a:t>Shortage_el</a:t>
+              </a:r>
+              <a:endParaRPr lang="de-DE" sz="1400" dirty="0"/>
+            </a:p>
+          </p:txBody>
+        </p:sp>
+        <p:cxnSp>
+          <p:nvCxnSpPr>
+            <p:cNvPr id="64" name="Gerade Verbindung mit Pfeil 16"/>
+            <p:cNvCxnSpPr>
+              <a:stCxn id="63" idx="3"/>
+              <a:endCxn id="4" idx="2"/>
+            </p:cNvCxnSpPr>
+            <p:nvPr/>
+          </p:nvCxnSpPr>
+          <p:spPr>
+            <a:xfrm>
+              <a:off x="950069" y="3412632"/>
+              <a:ext cx="738105" cy="27382"/>
+            </a:xfrm>
+            <a:prstGeom prst="straightConnector1">
+              <a:avLst/>
+            </a:prstGeom>
+            <a:ln w="19050">
+              <a:solidFill>
+                <a:schemeClr val="tx1"/>
+              </a:solidFill>
+              <a:prstDash val="dash"/>
+              <a:tailEnd type="arrow"/>
+            </a:ln>
+          </p:spPr>
+          <p:style>
+            <a:lnRef idx="1">
+              <a:schemeClr val="accent1"/>
+            </a:lnRef>
+            <a:fillRef idx="0">
+              <a:schemeClr val="accent1"/>
+            </a:fillRef>
+            <a:effectRef idx="0">
+              <a:schemeClr val="accent1"/>
+            </a:effectRef>
+            <a:fontRef idx="minor">
+              <a:schemeClr val="tx1"/>
+            </a:fontRef>
+          </p:style>
+        </p:cxnSp>
+        <p:sp>
+          <p:nvSpPr>
+            <p:cNvPr id="89" name="Rechteck 57"/>
+            <p:cNvSpPr/>
+            <p:nvPr/>
+          </p:nvSpPr>
+          <p:spPr>
+            <a:xfrm>
+              <a:off x="6566386" y="231243"/>
+              <a:ext cx="864000" cy="360000"/>
+            </a:xfrm>
+            <a:prstGeom prst="rect">
+              <a:avLst/>
+            </a:prstGeom>
+            <a:solidFill>
+              <a:schemeClr val="accent3"/>
+            </a:solidFill>
+            <a:ln>
+              <a:noFill/>
+            </a:ln>
+          </p:spPr>
+          <p:style>
+            <a:lnRef idx="2">
+              <a:schemeClr val="accent1">
+                <a:shade val="50000"/>
+              </a:schemeClr>
+            </a:lnRef>
+            <a:fillRef idx="1">
+              <a:schemeClr val="accent1"/>
+            </a:fillRef>
+            <a:effectRef idx="0">
+              <a:schemeClr val="accent1"/>
+            </a:effectRef>
+            <a:fontRef idx="minor">
+              <a:schemeClr val="lt1"/>
+            </a:fontRef>
+          </p:style>
+          <p:txBody>
+            <a:bodyPr rtlCol="0" anchor="ctr"/>
+            <a:lstStyle/>
+            <a:p>
+              <a:pPr algn="ctr"/>
+              <a:r>
+                <a:rPr lang="de-DE" sz="1400" dirty="0" err="1"/>
+                <a:t>excess</a:t>
+              </a:r>
+              <a:endParaRPr lang="de-DE" sz="1400" dirty="0"/>
+            </a:p>
+          </p:txBody>
+        </p:sp>
+        <p:cxnSp>
+          <p:nvCxnSpPr>
+            <p:cNvPr id="90" name="Gerade Verbindung mit Pfeil 112"/>
+            <p:cNvCxnSpPr>
+              <a:stCxn id="109" idx="7"/>
+              <a:endCxn id="89" idx="2"/>
+            </p:cNvCxnSpPr>
+            <p:nvPr/>
+          </p:nvCxnSpPr>
+          <p:spPr>
+            <a:xfrm flipV="1">
+              <a:off x="6264233" y="591243"/>
+              <a:ext cx="734153" cy="613797"/>
+            </a:xfrm>
+            <a:prstGeom prst="straightConnector1">
+              <a:avLst/>
+            </a:prstGeom>
+            <a:ln w="19050">
+              <a:solidFill>
+                <a:schemeClr val="tx1"/>
+              </a:solidFill>
+              <a:tailEnd type="arrow"/>
+            </a:ln>
+          </p:spPr>
+          <p:style>
+            <a:lnRef idx="1">
+              <a:schemeClr val="accent1"/>
+            </a:lnRef>
+            <a:fillRef idx="0">
+              <a:schemeClr val="accent1"/>
+            </a:fillRef>
+            <a:effectRef idx="0">
+              <a:schemeClr val="accent1"/>
+            </a:effectRef>
+            <a:fontRef idx="minor">
+              <a:schemeClr val="tx1"/>
+            </a:fontRef>
+          </p:style>
+        </p:cxnSp>
+        <p:sp>
+          <p:nvSpPr>
+            <p:cNvPr id="91" name="Rechteck 57"/>
+            <p:cNvSpPr/>
+            <p:nvPr/>
+          </p:nvSpPr>
+          <p:spPr>
+            <a:xfrm>
+              <a:off x="6588349" y="6021288"/>
+              <a:ext cx="864000" cy="360000"/>
+            </a:xfrm>
+            <a:prstGeom prst="rect">
+              <a:avLst/>
+            </a:prstGeom>
+            <a:solidFill>
+              <a:schemeClr val="accent3"/>
+            </a:solidFill>
+            <a:ln>
+              <a:noFill/>
+            </a:ln>
+          </p:spPr>
+          <p:style>
+            <a:lnRef idx="2">
+              <a:schemeClr val="accent1">
+                <a:shade val="50000"/>
+              </a:schemeClr>
+            </a:lnRef>
+            <a:fillRef idx="1">
+              <a:schemeClr val="accent1"/>
+            </a:fillRef>
+            <a:effectRef idx="0">
+              <a:schemeClr val="accent1"/>
+            </a:effectRef>
+            <a:fontRef idx="minor">
+              <a:schemeClr val="lt1"/>
+            </a:fontRef>
+          </p:style>
+          <p:txBody>
+            <a:bodyPr rtlCol="0" anchor="ctr"/>
+            <a:lstStyle/>
+            <a:p>
+              <a:pPr algn="ctr"/>
+              <a:r>
+                <a:rPr lang="de-DE" sz="1400" dirty="0" err="1"/>
+                <a:t>excess</a:t>
+              </a:r>
+              <a:endParaRPr lang="de-DE" sz="1400" dirty="0"/>
+            </a:p>
+          </p:txBody>
+        </p:sp>
+        <p:cxnSp>
+          <p:nvCxnSpPr>
+            <p:cNvPr id="92" name="Gerade Verbindung mit Pfeil 112"/>
+            <p:cNvCxnSpPr>
+              <a:stCxn id="70" idx="5"/>
+              <a:endCxn id="91" idx="0"/>
+            </p:cNvCxnSpPr>
+            <p:nvPr/>
+          </p:nvCxnSpPr>
+          <p:spPr>
+            <a:xfrm>
+              <a:off x="6274443" y="5440852"/>
+              <a:ext cx="745906" cy="580436"/>
+            </a:xfrm>
+            <a:prstGeom prst="straightConnector1">
+              <a:avLst/>
+            </a:prstGeom>
+            <a:ln w="19050">
+              <a:solidFill>
+                <a:schemeClr val="tx1"/>
+              </a:solidFill>
+              <a:tailEnd type="arrow"/>
+            </a:ln>
+          </p:spPr>
+          <p:style>
+            <a:lnRef idx="1">
+              <a:schemeClr val="accent1"/>
+            </a:lnRef>
+            <a:fillRef idx="0">
+              <a:schemeClr val="accent1"/>
+            </a:fillRef>
+            <a:effectRef idx="0">
+              <a:schemeClr val="accent1"/>
+            </a:effectRef>
+            <a:fontRef idx="minor">
+              <a:schemeClr val="tx1"/>
+            </a:fontRef>
+          </p:style>
+        </p:cxnSp>
+        <p:sp>
+          <p:nvSpPr>
+            <p:cNvPr id="93" name="Rechteck 5"/>
+            <p:cNvSpPr/>
+            <p:nvPr/>
+          </p:nvSpPr>
+          <p:spPr>
+            <a:xfrm>
+              <a:off x="1739199" y="6035365"/>
+              <a:ext cx="864000" cy="360000"/>
+            </a:xfrm>
+            <a:prstGeom prst="rect">
+              <a:avLst/>
+            </a:prstGeom>
+            <a:solidFill>
+              <a:srgbClr val="FFC000"/>
+            </a:solidFill>
+            <a:ln>
+              <a:noFill/>
+            </a:ln>
+          </p:spPr>
+          <p:style>
+            <a:lnRef idx="2">
+              <a:schemeClr val="accent1">
+                <a:shade val="50000"/>
+              </a:schemeClr>
+            </a:lnRef>
+            <a:fillRef idx="1">
+              <a:schemeClr val="accent1"/>
+            </a:fillRef>
+            <a:effectRef idx="0">
+              <a:schemeClr val="accent1"/>
+            </a:effectRef>
+            <a:fontRef idx="minor">
+              <a:schemeClr val="lt1"/>
+            </a:fontRef>
+          </p:style>
+          <p:txBody>
+            <a:bodyPr rtlCol="0" anchor="ctr"/>
+            <a:lstStyle/>
+            <a:p>
+              <a:pPr algn="ctr"/>
+              <a:r>
+                <a:rPr lang="de-DE" sz="1400" dirty="0" err="1"/>
+                <a:t>Cs_gas</a:t>
+              </a:r>
+              <a:endParaRPr lang="de-DE" sz="1400" dirty="0"/>
+            </a:p>
+          </p:txBody>
+        </p:sp>
+        <p:cxnSp>
+          <p:nvCxnSpPr>
+            <p:cNvPr id="94" name="Gerade Verbindung mit Pfeil 14"/>
+            <p:cNvCxnSpPr>
+              <a:stCxn id="93" idx="0"/>
+              <a:endCxn id="54" idx="4"/>
+            </p:cNvCxnSpPr>
+            <p:nvPr/>
+          </p:nvCxnSpPr>
+          <p:spPr>
+            <a:xfrm flipV="1">
+              <a:off x="2171199" y="5505089"/>
+              <a:ext cx="0" cy="530276"/>
+            </a:xfrm>
+            <a:prstGeom prst="straightConnector1">
+              <a:avLst/>
+            </a:prstGeom>
+            <a:ln w="19050">
+              <a:solidFill>
+                <a:schemeClr val="tx1"/>
+              </a:solidFill>
+              <a:tailEnd type="arrow"/>
+            </a:ln>
+          </p:spPr>
+          <p:style>
+            <a:lnRef idx="1">
+              <a:schemeClr val="accent1"/>
+            </a:lnRef>
+            <a:fillRef idx="0">
+              <a:schemeClr val="accent1"/>
+            </a:fillRef>
+            <a:effectRef idx="0">
+              <a:schemeClr val="accent1"/>
+            </a:effectRef>
+            <a:fontRef idx="minor">
+              <a:schemeClr val="tx1"/>
+            </a:fontRef>
+          </p:style>
+        </p:cxnSp>
+        <p:sp>
+          <p:nvSpPr>
+            <p:cNvPr id="99" name="Rechteck 84"/>
+            <p:cNvSpPr/>
+            <p:nvPr/>
+          </p:nvSpPr>
+          <p:spPr>
+            <a:xfrm>
+              <a:off x="3542152" y="1700808"/>
+              <a:ext cx="864000" cy="360000"/>
+            </a:xfrm>
+            <a:prstGeom prst="rect">
+              <a:avLst/>
+            </a:prstGeom>
+            <a:solidFill>
+              <a:srgbClr val="0070C0"/>
+            </a:solidFill>
+            <a:ln>
+              <a:noFill/>
+            </a:ln>
+          </p:spPr>
+          <p:style>
+            <a:lnRef idx="2">
+              <a:schemeClr val="accent1">
+                <a:shade val="50000"/>
+              </a:schemeClr>
+            </a:lnRef>
+            <a:fillRef idx="1">
+              <a:schemeClr val="accent1"/>
+            </a:fillRef>
+            <a:effectRef idx="0">
+              <a:schemeClr val="accent1"/>
+            </a:effectRef>
+            <a:fontRef idx="minor">
+              <a:schemeClr val="lt1"/>
+            </a:fontRef>
+          </p:style>
+          <p:txBody>
+            <a:bodyPr rtlCol="0" anchor="ctr"/>
+            <a:lstStyle/>
+            <a:p>
+              <a:pPr algn="ctr"/>
+              <a:r>
+                <a:rPr lang="de-DE" sz="1400" dirty="0" err="1"/>
+                <a:t>Boiler_pr</a:t>
+              </a:r>
+              <a:endParaRPr lang="de-DE" sz="1400" dirty="0"/>
+            </a:p>
+          </p:txBody>
+        </p:sp>
+        <p:sp>
+          <p:nvSpPr>
+            <p:cNvPr id="100" name="Rechteck 58"/>
+            <p:cNvSpPr/>
+            <p:nvPr/>
+          </p:nvSpPr>
+          <p:spPr>
+            <a:xfrm>
+              <a:off x="3542152" y="1152319"/>
+              <a:ext cx="864000" cy="360000"/>
+            </a:xfrm>
+            <a:prstGeom prst="rect">
+              <a:avLst/>
+            </a:prstGeom>
+            <a:solidFill>
+              <a:srgbClr val="0070C0"/>
+            </a:solidFill>
+            <a:ln>
+              <a:noFill/>
+            </a:ln>
+          </p:spPr>
+          <p:style>
+            <a:lnRef idx="2">
+              <a:schemeClr val="accent1">
+                <a:shade val="50000"/>
+              </a:schemeClr>
+            </a:lnRef>
+            <a:fillRef idx="1">
+              <a:schemeClr val="accent1"/>
+            </a:fillRef>
+            <a:effectRef idx="0">
+              <a:schemeClr val="accent1"/>
+            </a:effectRef>
+            <a:fontRef idx="minor">
+              <a:schemeClr val="lt1"/>
+            </a:fontRef>
+          </p:style>
+          <p:txBody>
+            <a:bodyPr rtlCol="0" anchor="ctr"/>
+            <a:lstStyle/>
+            <a:p>
+              <a:pPr algn="ctr"/>
+              <a:r>
+                <a:rPr lang="de-DE" sz="1400" dirty="0" err="1"/>
+                <a:t>Heat_chp_pr</a:t>
+              </a:r>
+              <a:endParaRPr lang="de-DE" sz="1400" dirty="0"/>
+            </a:p>
+          </p:txBody>
+        </p:sp>
+        <p:cxnSp>
+          <p:nvCxnSpPr>
+            <p:cNvPr id="116" name="Gerade Verbindung mit Pfeil 117"/>
+            <p:cNvCxnSpPr>
+              <a:stCxn id="100" idx="3"/>
+              <a:endCxn id="109" idx="2"/>
+            </p:cNvCxnSpPr>
+            <p:nvPr/>
+          </p:nvCxnSpPr>
+          <p:spPr>
+            <a:xfrm>
+              <a:off x="4406152" y="1332319"/>
+              <a:ext cx="1028427" cy="0"/>
+            </a:xfrm>
+            <a:prstGeom prst="straightConnector1">
+              <a:avLst/>
+            </a:prstGeom>
+            <a:ln w="19050">
+              <a:solidFill>
+                <a:schemeClr val="tx1"/>
+              </a:solidFill>
+              <a:tailEnd type="arrow"/>
+            </a:ln>
+          </p:spPr>
+          <p:style>
+            <a:lnRef idx="1">
+              <a:schemeClr val="accent1"/>
+            </a:lnRef>
+            <a:fillRef idx="0">
+              <a:schemeClr val="accent1"/>
+            </a:fillRef>
+            <a:effectRef idx="0">
+              <a:schemeClr val="accent1"/>
+            </a:effectRef>
+            <a:fontRef idx="minor">
+              <a:schemeClr val="tx1"/>
+            </a:fontRef>
+          </p:style>
+        </p:cxnSp>
+        <p:cxnSp>
+          <p:nvCxnSpPr>
+            <p:cNvPr id="95" name="Gerade Verbindung mit Pfeil 64"/>
+            <p:cNvCxnSpPr>
+              <a:stCxn id="100" idx="1"/>
+              <a:endCxn id="4" idx="7"/>
+            </p:cNvCxnSpPr>
+            <p:nvPr/>
+          </p:nvCxnSpPr>
+          <p:spPr>
+            <a:xfrm flipH="1">
+              <a:off x="2517828" y="1332319"/>
+              <a:ext cx="1024324" cy="1980416"/>
+            </a:xfrm>
+            <a:prstGeom prst="straightConnector1">
+              <a:avLst/>
+            </a:prstGeom>
+            <a:ln w="19050">
+              <a:solidFill>
+                <a:schemeClr val="tx1"/>
+              </a:solidFill>
+              <a:prstDash val="solid"/>
+              <a:tailEnd type="arrow"/>
+            </a:ln>
+          </p:spPr>
+          <p:style>
+            <a:lnRef idx="1">
+              <a:schemeClr val="accent1"/>
+            </a:lnRef>
+            <a:fillRef idx="0">
+              <a:schemeClr val="accent1"/>
+            </a:fillRef>
+            <a:effectRef idx="0">
+              <a:schemeClr val="accent1"/>
+            </a:effectRef>
+            <a:fontRef idx="minor">
+              <a:schemeClr val="tx1"/>
+            </a:fontRef>
+          </p:style>
+        </p:cxnSp>
+        <p:cxnSp>
+          <p:nvCxnSpPr>
+            <p:cNvPr id="117" name="Gerade Verbindung mit Pfeil 19"/>
+            <p:cNvCxnSpPr>
+              <a:stCxn id="4" idx="7"/>
+              <a:endCxn id="68" idx="1"/>
+            </p:cNvCxnSpPr>
+            <p:nvPr/>
+          </p:nvCxnSpPr>
+          <p:spPr>
+            <a:xfrm flipV="1">
+              <a:off x="2517828" y="3207727"/>
+              <a:ext cx="1024324" cy="105008"/>
+            </a:xfrm>
+            <a:prstGeom prst="straightConnector1">
+              <a:avLst/>
+            </a:prstGeom>
+            <a:ln w="19050">
+              <a:solidFill>
+                <a:schemeClr val="tx1"/>
+              </a:solidFill>
+              <a:tailEnd type="arrow"/>
+            </a:ln>
+          </p:spPr>
+          <p:style>
+            <a:lnRef idx="1">
+              <a:schemeClr val="accent1"/>
+            </a:lnRef>
+            <a:fillRef idx="0">
+              <a:schemeClr val="accent1"/>
+            </a:fillRef>
+            <a:effectRef idx="0">
+              <a:schemeClr val="accent1"/>
+            </a:effectRef>
+            <a:fontRef idx="minor">
+              <a:schemeClr val="tx1"/>
+            </a:fontRef>
+          </p:style>
+        </p:cxnSp>
+        <p:cxnSp>
+          <p:nvCxnSpPr>
+            <p:cNvPr id="119" name="Gerade Verbindung mit Pfeil 19"/>
+            <p:cNvCxnSpPr>
+              <a:stCxn id="4" idx="6"/>
+              <a:endCxn id="76" idx="1"/>
+            </p:cNvCxnSpPr>
+            <p:nvPr/>
+          </p:nvCxnSpPr>
+          <p:spPr>
+            <a:xfrm>
+              <a:off x="2660174" y="3440014"/>
+              <a:ext cx="881978" cy="168986"/>
+            </a:xfrm>
+            <a:prstGeom prst="straightConnector1">
+              <a:avLst/>
+            </a:prstGeom>
+            <a:ln w="19050">
+              <a:solidFill>
+                <a:schemeClr val="tx1"/>
+              </a:solidFill>
+              <a:tailEnd type="arrow"/>
+            </a:ln>
+          </p:spPr>
+          <p:style>
+            <a:lnRef idx="1">
+              <a:schemeClr val="accent1"/>
+            </a:lnRef>
+            <a:fillRef idx="0">
+              <a:schemeClr val="accent1"/>
+            </a:fillRef>
+            <a:effectRef idx="0">
+              <a:schemeClr val="accent1"/>
+            </a:effectRef>
+            <a:fontRef idx="minor">
+              <a:schemeClr val="tx1"/>
+            </a:fontRef>
+          </p:style>
+        </p:cxnSp>
+        <p:cxnSp>
+          <p:nvCxnSpPr>
+            <p:cNvPr id="130" name="Gerade Verbindung mit Pfeil 78"/>
+            <p:cNvCxnSpPr>
+              <a:stCxn id="77" idx="0"/>
+              <a:endCxn id="69" idx="2"/>
+            </p:cNvCxnSpPr>
+            <p:nvPr/>
+          </p:nvCxnSpPr>
+          <p:spPr>
+            <a:xfrm flipH="1" flipV="1">
+              <a:off x="5918925" y="2492856"/>
+              <a:ext cx="11864" cy="779291"/>
+            </a:xfrm>
+            <a:prstGeom prst="straightConnector1">
+              <a:avLst/>
+            </a:prstGeom>
+            <a:ln w="19050">
+              <a:solidFill>
+                <a:schemeClr val="tx1"/>
+              </a:solidFill>
+              <a:tailEnd type="arrow"/>
+            </a:ln>
+          </p:spPr>
+          <p:style>
+            <a:lnRef idx="1">
+              <a:schemeClr val="accent1"/>
+            </a:lnRef>
+            <a:fillRef idx="0">
+              <a:schemeClr val="accent1"/>
+            </a:fillRef>
+            <a:effectRef idx="0">
+              <a:schemeClr val="accent1"/>
+            </a:effectRef>
+            <a:fontRef idx="minor">
+              <a:schemeClr val="tx1"/>
+            </a:fontRef>
+          </p:style>
+        </p:cxnSp>
+        <p:cxnSp>
+          <p:nvCxnSpPr>
+            <p:cNvPr id="131" name="Gerade Verbindung mit Pfeil 79"/>
+            <p:cNvCxnSpPr>
+              <a:stCxn id="77" idx="4"/>
+              <a:endCxn id="88" idx="0"/>
+            </p:cNvCxnSpPr>
+            <p:nvPr/>
+          </p:nvCxnSpPr>
+          <p:spPr>
+            <a:xfrm flipH="1">
+              <a:off x="5918874" y="3632147"/>
+              <a:ext cx="11915" cy="516933"/>
+            </a:xfrm>
+            <a:prstGeom prst="straightConnector1">
+              <a:avLst/>
+            </a:prstGeom>
+            <a:ln w="19050">
+              <a:solidFill>
+                <a:schemeClr val="tx1"/>
+              </a:solidFill>
+              <a:tailEnd type="arrow"/>
+            </a:ln>
+          </p:spPr>
+          <p:style>
+            <a:lnRef idx="1">
+              <a:schemeClr val="accent1"/>
+            </a:lnRef>
+            <a:fillRef idx="0">
+              <a:schemeClr val="accent1"/>
+            </a:fillRef>
+            <a:effectRef idx="0">
+              <a:schemeClr val="accent1"/>
+            </a:effectRef>
+            <a:fontRef idx="minor">
+              <a:schemeClr val="tx1"/>
+            </a:fontRef>
+          </p:style>
+        </p:cxnSp>
+        <p:sp>
+          <p:nvSpPr>
+            <p:cNvPr id="145" name="Rechteck 57"/>
+            <p:cNvSpPr/>
+            <p:nvPr/>
+          </p:nvSpPr>
+          <p:spPr>
+            <a:xfrm>
+              <a:off x="7020349" y="3272147"/>
+              <a:ext cx="864000" cy="360000"/>
+            </a:xfrm>
+            <a:prstGeom prst="rect">
+              <a:avLst/>
+            </a:prstGeom>
+            <a:solidFill>
+              <a:schemeClr val="accent3"/>
+            </a:solidFill>
+            <a:ln>
+              <a:noFill/>
+            </a:ln>
+          </p:spPr>
+          <p:style>
+            <a:lnRef idx="2">
+              <a:schemeClr val="accent1">
+                <a:shade val="50000"/>
+              </a:schemeClr>
+            </a:lnRef>
+            <a:fillRef idx="1">
+              <a:schemeClr val="accent1"/>
+            </a:fillRef>
+            <a:effectRef idx="0">
+              <a:schemeClr val="accent1"/>
+            </a:effectRef>
+            <a:fontRef idx="minor">
+              <a:schemeClr val="lt1"/>
+            </a:fontRef>
+          </p:style>
+          <p:txBody>
+            <a:bodyPr rtlCol="0" anchor="ctr"/>
+            <a:lstStyle/>
+            <a:p>
+              <a:pPr algn="ctr"/>
+              <a:r>
+                <a:rPr lang="de-DE" sz="1400" dirty="0" err="1"/>
+                <a:t>excess</a:t>
+              </a:r>
+              <a:endParaRPr lang="de-DE" sz="1400" dirty="0"/>
+            </a:p>
+          </p:txBody>
+        </p:sp>
+        <p:cxnSp>
+          <p:nvCxnSpPr>
+            <p:cNvPr id="149" name="Gerade Verbindung mit Pfeil 78"/>
+            <p:cNvCxnSpPr>
+              <a:stCxn id="77" idx="6"/>
+              <a:endCxn id="145" idx="1"/>
+            </p:cNvCxnSpPr>
+            <p:nvPr/>
+          </p:nvCxnSpPr>
+          <p:spPr>
+            <a:xfrm>
+              <a:off x="6416789" y="3452147"/>
+              <a:ext cx="603560" cy="0"/>
+            </a:xfrm>
+            <a:prstGeom prst="straightConnector1">
+              <a:avLst/>
+            </a:prstGeom>
+            <a:ln w="19050">
+              <a:solidFill>
+                <a:schemeClr val="tx1"/>
+              </a:solidFill>
+              <a:tailEnd type="arrow"/>
+            </a:ln>
+          </p:spPr>
+          <p:style>
+            <a:lnRef idx="1">
+              <a:schemeClr val="accent1"/>
+            </a:lnRef>
+            <a:fillRef idx="0">
+              <a:schemeClr val="accent1"/>
+            </a:fillRef>
+            <a:effectRef idx="0">
+              <a:schemeClr val="accent1"/>
+            </a:effectRef>
+            <a:fontRef idx="minor">
+              <a:schemeClr val="tx1"/>
+            </a:fontRef>
+          </p:style>
+        </p:cxnSp>
+        <p:sp>
+          <p:nvSpPr>
+            <p:cNvPr id="3" name="Rectangle 2"/>
+            <p:cNvSpPr/>
+            <p:nvPr/>
+          </p:nvSpPr>
+          <p:spPr>
+            <a:xfrm>
+              <a:off x="0" y="-85355"/>
+              <a:ext cx="1781013" cy="366073"/>
+            </a:xfrm>
+            <a:prstGeom prst="rect">
+              <a:avLst/>
+            </a:prstGeom>
+          </p:spPr>
+          <p:style>
+            <a:lnRef idx="1">
+              <a:schemeClr val="accent1"/>
+            </a:lnRef>
+            <a:fillRef idx="3">
+              <a:schemeClr val="accent1"/>
+            </a:fillRef>
+            <a:effectRef idx="2">
+              <a:schemeClr val="accent1"/>
+            </a:effectRef>
+            <a:fontRef idx="minor">
+              <a:schemeClr val="lt1"/>
+            </a:fontRef>
+          </p:style>
+          <p:txBody>
+            <a:bodyPr rtlCol="0" anchor="ctr"/>
+            <a:lstStyle/>
+            <a:p>
+              <a:pPr algn="ctr"/>
+              <a:r>
+                <a:rPr lang="en-US" dirty="0" smtClean="0"/>
+                <a:t>20 AGO 2018</a:t>
+              </a:r>
+              <a:endParaRPr lang="en-US" dirty="0"/>
+            </a:p>
+          </p:txBody>
+        </p:sp>
+        <p:sp>
+          <p:nvSpPr>
+            <p:cNvPr id="75" name="Ellipse 53"/>
+            <p:cNvSpPr/>
+            <p:nvPr/>
+          </p:nvSpPr>
+          <p:spPr>
+            <a:xfrm>
+              <a:off x="8136504" y="2348880"/>
+              <a:ext cx="972000" cy="360000"/>
+            </a:xfrm>
+            <a:prstGeom prst="ellipse">
+              <a:avLst/>
+            </a:prstGeom>
+            <a:solidFill>
+              <a:schemeClr val="bg2">
+                <a:lumMod val="50000"/>
+              </a:schemeClr>
+            </a:solidFill>
+            <a:ln>
+              <a:noFill/>
+            </a:ln>
+          </p:spPr>
+          <p:style>
+            <a:lnRef idx="2">
+              <a:schemeClr val="accent1">
+                <a:shade val="50000"/>
+              </a:schemeClr>
+            </a:lnRef>
+            <a:fillRef idx="1">
+              <a:schemeClr val="accent1"/>
+            </a:fillRef>
+            <a:effectRef idx="0">
+              <a:schemeClr val="accent1"/>
+            </a:effectRef>
+            <a:fontRef idx="minor">
+              <a:schemeClr val="lt1"/>
+            </a:fontRef>
+          </p:style>
+          <p:txBody>
+            <a:bodyPr rtlCol="0" anchor="ctr"/>
+            <a:lstStyle/>
+            <a:p>
+              <a:pPr algn="ctr"/>
+              <a:r>
+                <a:rPr lang="de-DE" sz="1400" dirty="0" err="1"/>
+                <a:t>Bus_cs_el</a:t>
+              </a:r>
+              <a:endParaRPr lang="de-DE" sz="1400" dirty="0"/>
+            </a:p>
+          </p:txBody>
+        </p:sp>
+        <p:sp>
+          <p:nvSpPr>
+            <p:cNvPr id="83" name="Rechteck 5"/>
+            <p:cNvSpPr/>
+            <p:nvPr/>
+          </p:nvSpPr>
+          <p:spPr>
+            <a:xfrm>
+              <a:off x="8190504" y="1691261"/>
+              <a:ext cx="864000" cy="360000"/>
+            </a:xfrm>
+            <a:prstGeom prst="rect">
+              <a:avLst/>
+            </a:prstGeom>
+            <a:solidFill>
+              <a:srgbClr val="FFC000"/>
+            </a:solidFill>
+            <a:ln>
+              <a:noFill/>
+            </a:ln>
+          </p:spPr>
+          <p:style>
+            <a:lnRef idx="2">
+              <a:schemeClr val="accent1">
+                <a:shade val="50000"/>
+              </a:schemeClr>
+            </a:lnRef>
+            <a:fillRef idx="1">
+              <a:schemeClr val="accent1"/>
+            </a:fillRef>
+            <a:effectRef idx="0">
+              <a:schemeClr val="accent1"/>
+            </a:effectRef>
+            <a:fontRef idx="minor">
+              <a:schemeClr val="lt1"/>
+            </a:fontRef>
+          </p:style>
+          <p:txBody>
+            <a:bodyPr rtlCol="0" anchor="ctr"/>
+            <a:lstStyle/>
+            <a:p>
+              <a:pPr algn="ctr"/>
+              <a:r>
+                <a:rPr lang="de-DE" sz="1400" dirty="0" err="1"/>
+                <a:t>Cs_el</a:t>
+              </a:r>
+              <a:endParaRPr lang="de-DE" sz="1400" dirty="0"/>
+            </a:p>
+          </p:txBody>
+        </p:sp>
+        <p:cxnSp>
+          <p:nvCxnSpPr>
+            <p:cNvPr id="96" name="Gerade Verbindung mit Pfeil 14"/>
+            <p:cNvCxnSpPr>
+              <a:stCxn id="83" idx="2"/>
+              <a:endCxn id="75" idx="0"/>
+            </p:cNvCxnSpPr>
+            <p:nvPr/>
+          </p:nvCxnSpPr>
+          <p:spPr>
+            <a:xfrm>
+              <a:off x="8622504" y="2051261"/>
+              <a:ext cx="0" cy="297619"/>
+            </a:xfrm>
+            <a:prstGeom prst="straightConnector1">
+              <a:avLst/>
+            </a:prstGeom>
+            <a:ln w="19050">
+              <a:solidFill>
+                <a:schemeClr val="tx1"/>
+              </a:solidFill>
+              <a:tailEnd type="arrow"/>
+            </a:ln>
+          </p:spPr>
+          <p:style>
+            <a:lnRef idx="1">
+              <a:schemeClr val="accent1"/>
+            </a:lnRef>
+            <a:fillRef idx="0">
+              <a:schemeClr val="accent1"/>
+            </a:fillRef>
+            <a:effectRef idx="0">
+              <a:schemeClr val="accent1"/>
+            </a:effectRef>
+            <a:fontRef idx="minor">
+              <a:schemeClr val="tx1"/>
+            </a:fontRef>
+          </p:style>
+        </p:cxnSp>
+        <p:sp>
+          <p:nvSpPr>
+            <p:cNvPr id="97" name="Rechteck 68"/>
+            <p:cNvSpPr/>
+            <p:nvPr/>
+          </p:nvSpPr>
+          <p:spPr>
+            <a:xfrm>
+              <a:off x="7110349" y="2348880"/>
+              <a:ext cx="684000" cy="360000"/>
+            </a:xfrm>
+            <a:prstGeom prst="rect">
+              <a:avLst/>
+            </a:prstGeom>
+            <a:ln>
+              <a:noFill/>
+            </a:ln>
+          </p:spPr>
+          <p:style>
+            <a:lnRef idx="2">
+              <a:schemeClr val="accent1">
+                <a:shade val="50000"/>
+              </a:schemeClr>
+            </a:lnRef>
+            <a:fillRef idx="1">
+              <a:schemeClr val="accent1"/>
+            </a:fillRef>
+            <a:effectRef idx="0">
+              <a:schemeClr val="accent1"/>
+            </a:effectRef>
+            <a:fontRef idx="minor">
+              <a:schemeClr val="lt1"/>
+            </a:fontRef>
+          </p:style>
+          <p:txBody>
+            <a:bodyPr rtlCol="0" anchor="ctr"/>
+            <a:lstStyle/>
+            <a:p>
+              <a:pPr algn="ctr"/>
+              <a:r>
+                <a:rPr lang="de-DE" sz="1400" dirty="0"/>
+                <a:t>P2H_spot</a:t>
+              </a:r>
+              <a:endParaRPr lang="de-DE" sz="1400" dirty="0"/>
+            </a:p>
+          </p:txBody>
+        </p:sp>
+        <p:cxnSp>
+          <p:nvCxnSpPr>
+            <p:cNvPr id="98" name="Gerade Verbindung mit Pfeil 14"/>
+            <p:cNvCxnSpPr>
+              <a:stCxn id="75" idx="2"/>
+              <a:endCxn id="97" idx="3"/>
+            </p:cNvCxnSpPr>
+            <p:nvPr/>
+          </p:nvCxnSpPr>
+          <p:spPr>
+            <a:xfrm flipH="1">
+              <a:off x="7794349" y="2528880"/>
+              <a:ext cx="342155" cy="0"/>
+            </a:xfrm>
+            <a:prstGeom prst="straightConnector1">
+              <a:avLst/>
+            </a:prstGeom>
+            <a:ln w="19050">
+              <a:solidFill>
+                <a:schemeClr val="tx1"/>
+              </a:solidFill>
+              <a:tailEnd type="arrow"/>
+            </a:ln>
+          </p:spPr>
+          <p:style>
+            <a:lnRef idx="1">
+              <a:schemeClr val="accent1"/>
+            </a:lnRef>
+            <a:fillRef idx="0">
+              <a:schemeClr val="accent1"/>
+            </a:fillRef>
+            <a:effectRef idx="0">
+              <a:schemeClr val="accent1"/>
+            </a:effectRef>
+            <a:fontRef idx="minor">
+              <a:schemeClr val="tx1"/>
+            </a:fontRef>
+          </p:style>
+        </p:cxnSp>
+        <p:cxnSp>
+          <p:nvCxnSpPr>
+            <p:cNvPr id="101" name="Gerade Verbindung mit Pfeil 78"/>
+            <p:cNvCxnSpPr>
+              <a:stCxn id="97" idx="1"/>
+              <a:endCxn id="77" idx="7"/>
+            </p:cNvCxnSpPr>
+            <p:nvPr/>
+          </p:nvCxnSpPr>
+          <p:spPr>
+            <a:xfrm flipH="1">
+              <a:off x="6274443" y="2528880"/>
+              <a:ext cx="835906" cy="795988"/>
+            </a:xfrm>
+            <a:prstGeom prst="straightConnector1">
+              <a:avLst/>
+            </a:prstGeom>
+            <a:ln w="19050">
+              <a:solidFill>
+                <a:schemeClr val="tx1"/>
+              </a:solidFill>
+              <a:tailEnd type="arrow"/>
+            </a:ln>
+          </p:spPr>
+          <p:style>
+            <a:lnRef idx="1">
+              <a:schemeClr val="accent1"/>
+            </a:lnRef>
+            <a:fillRef idx="0">
+              <a:schemeClr val="accent1"/>
+            </a:fillRef>
+            <a:effectRef idx="0">
+              <a:schemeClr val="accent1"/>
+            </a:effectRef>
+            <a:fontRef idx="minor">
+              <a:schemeClr val="tx1"/>
+            </a:fontRef>
+          </p:style>
+        </p:cxnSp>
+        <p:sp>
+          <p:nvSpPr>
+            <p:cNvPr id="123" name="Rechteck 29"/>
+            <p:cNvSpPr/>
+            <p:nvPr/>
+          </p:nvSpPr>
+          <p:spPr>
+            <a:xfrm>
+              <a:off x="143509" y="492798"/>
+              <a:ext cx="2459690" cy="1280018"/>
+            </a:xfrm>
+            <a:prstGeom prst="rect">
+              <a:avLst/>
+            </a:prstGeom>
+            <a:noFill/>
+            <a:ln>
+              <a:solidFill>
+                <a:schemeClr val="bg1">
+                  <a:lumMod val="75000"/>
+                </a:schemeClr>
+              </a:solidFill>
+            </a:ln>
+          </p:spPr>
+          <p:style>
+            <a:lnRef idx="2">
+              <a:schemeClr val="accent1">
+                <a:shade val="50000"/>
+              </a:schemeClr>
+            </a:lnRef>
+            <a:fillRef idx="1">
+              <a:schemeClr val="accent1"/>
+            </a:fillRef>
+            <a:effectRef idx="0">
+              <a:schemeClr val="accent1"/>
+            </a:effectRef>
+            <a:fontRef idx="minor">
+              <a:schemeClr val="lt1"/>
+            </a:fontRef>
+          </p:style>
+          <p:txBody>
+            <a:bodyPr rtlCol="0" anchor="ctr"/>
+            <a:lstStyle/>
+            <a:p>
+              <a:pPr algn="ctr"/>
+              <a:endParaRPr lang="de-DE" sz="1400"/>
+            </a:p>
+          </p:txBody>
+        </p:sp>
+        <p:sp>
+          <p:nvSpPr>
+            <p:cNvPr id="124" name="Rechteck 9"/>
+            <p:cNvSpPr/>
+            <p:nvPr/>
+          </p:nvSpPr>
+          <p:spPr>
+            <a:xfrm>
+              <a:off x="1547715" y="572077"/>
+              <a:ext cx="801531" cy="274181"/>
+            </a:xfrm>
+            <a:prstGeom prst="rect">
+              <a:avLst/>
+            </a:prstGeom>
+            <a:ln>
+              <a:noFill/>
+            </a:ln>
+          </p:spPr>
+          <p:style>
+            <a:lnRef idx="2">
+              <a:schemeClr val="accent1">
+                <a:shade val="50000"/>
+              </a:schemeClr>
+            </a:lnRef>
+            <a:fillRef idx="1">
+              <a:schemeClr val="accent1"/>
+            </a:fillRef>
+            <a:effectRef idx="0">
+              <a:schemeClr val="accent1"/>
+            </a:effectRef>
+            <a:fontRef idx="minor">
+              <a:schemeClr val="lt1"/>
+            </a:fontRef>
+          </p:style>
+          <p:txBody>
+            <a:bodyPr rtlCol="0" anchor="ctr"/>
+            <a:lstStyle/>
+            <a:p>
+              <a:pPr algn="ctr"/>
+              <a:r>
+                <a:rPr lang="de-DE" sz="1400" dirty="0" err="1"/>
+                <a:t>t</a:t>
+              </a:r>
+              <a:r>
+                <a:rPr lang="de-DE" sz="1400" dirty="0" err="1"/>
+                <a:t>ransformer</a:t>
+              </a:r>
+              <a:endParaRPr lang="de-DE" sz="1400" dirty="0"/>
+            </a:p>
+          </p:txBody>
+        </p:sp>
+        <p:sp>
+          <p:nvSpPr>
+            <p:cNvPr id="125" name="Rechteck 10"/>
+            <p:cNvSpPr/>
+            <p:nvPr/>
+          </p:nvSpPr>
+          <p:spPr>
+            <a:xfrm>
+              <a:off x="845348" y="594907"/>
+              <a:ext cx="654273" cy="251351"/>
+            </a:xfrm>
+            <a:prstGeom prst="rect">
+              <a:avLst/>
+            </a:prstGeom>
+            <a:solidFill>
+              <a:schemeClr val="accent3"/>
+            </a:solidFill>
+            <a:ln>
+              <a:noFill/>
+            </a:ln>
+          </p:spPr>
+          <p:style>
+            <a:lnRef idx="2">
+              <a:schemeClr val="accent1">
+                <a:shade val="50000"/>
+              </a:schemeClr>
+            </a:lnRef>
+            <a:fillRef idx="1">
+              <a:schemeClr val="accent1"/>
+            </a:fillRef>
+            <a:effectRef idx="0">
+              <a:schemeClr val="accent1"/>
+            </a:effectRef>
+            <a:fontRef idx="minor">
+              <a:schemeClr val="lt1"/>
+            </a:fontRef>
+          </p:style>
+          <p:txBody>
+            <a:bodyPr rtlCol="0" anchor="ctr"/>
+            <a:lstStyle/>
+            <a:p>
+              <a:pPr algn="ctr"/>
+              <a:r>
+                <a:rPr lang="de-DE" sz="1400" dirty="0"/>
+                <a:t>s</a:t>
+              </a:r>
+              <a:r>
+                <a:rPr lang="de-DE" sz="1400" dirty="0"/>
+                <a:t>ink</a:t>
+              </a:r>
+              <a:endParaRPr lang="de-DE" sz="1400" dirty="0"/>
+            </a:p>
+          </p:txBody>
+        </p:sp>
+        <p:sp>
+          <p:nvSpPr>
+            <p:cNvPr id="126" name="Rechteck 11"/>
+            <p:cNvSpPr/>
+            <p:nvPr/>
+          </p:nvSpPr>
+          <p:spPr>
+            <a:xfrm>
+              <a:off x="1547715" y="1035545"/>
+              <a:ext cx="801531" cy="251351"/>
+            </a:xfrm>
+            <a:prstGeom prst="rect">
+              <a:avLst/>
+            </a:prstGeom>
+            <a:solidFill>
+              <a:srgbClr val="FFC000"/>
+            </a:solidFill>
+            <a:ln>
+              <a:noFill/>
+            </a:ln>
+          </p:spPr>
+          <p:style>
+            <a:lnRef idx="2">
+              <a:schemeClr val="accent1">
+                <a:shade val="50000"/>
+              </a:schemeClr>
+            </a:lnRef>
+            <a:fillRef idx="1">
+              <a:schemeClr val="accent1"/>
+            </a:fillRef>
+            <a:effectRef idx="0">
+              <a:schemeClr val="accent1"/>
+            </a:effectRef>
+            <a:fontRef idx="minor">
+              <a:schemeClr val="lt1"/>
+            </a:fontRef>
+          </p:style>
+          <p:txBody>
+            <a:bodyPr rtlCol="0" anchor="ctr"/>
+            <a:lstStyle/>
+            <a:p>
+              <a:pPr algn="ctr"/>
+              <a:r>
+                <a:rPr lang="de-DE" sz="1400" dirty="0" err="1"/>
+                <a:t>s</a:t>
+              </a:r>
+              <a:r>
+                <a:rPr lang="de-DE" sz="1400" dirty="0" err="1"/>
+                <a:t>ource</a:t>
+              </a:r>
+              <a:endParaRPr lang="de-DE" sz="1400" dirty="0"/>
+            </a:p>
+          </p:txBody>
+        </p:sp>
+        <p:sp>
+          <p:nvSpPr>
+            <p:cNvPr id="127" name="Ellipse 12"/>
+            <p:cNvSpPr/>
+            <p:nvPr/>
+          </p:nvSpPr>
+          <p:spPr>
+            <a:xfrm>
+              <a:off x="937459" y="1053833"/>
+              <a:ext cx="562162" cy="252048"/>
+            </a:xfrm>
+            <a:prstGeom prst="ellipse">
+              <a:avLst/>
+            </a:prstGeom>
+            <a:solidFill>
+              <a:schemeClr val="bg2">
+                <a:lumMod val="50000"/>
+              </a:schemeClr>
+            </a:solidFill>
+            <a:ln>
+              <a:noFill/>
+            </a:ln>
+          </p:spPr>
+          <p:style>
+            <a:lnRef idx="2">
+              <a:schemeClr val="accent1">
+                <a:shade val="50000"/>
+              </a:schemeClr>
+            </a:lnRef>
+            <a:fillRef idx="1">
+              <a:schemeClr val="accent1"/>
+            </a:fillRef>
+            <a:effectRef idx="0">
+              <a:schemeClr val="accent1"/>
+            </a:effectRef>
+            <a:fontRef idx="minor">
+              <a:schemeClr val="lt1"/>
+            </a:fontRef>
+          </p:style>
+          <p:txBody>
+            <a:bodyPr rtlCol="0" anchor="ctr"/>
+            <a:lstStyle/>
+            <a:p>
+              <a:pPr algn="ctr"/>
+              <a:r>
+                <a:rPr lang="de-DE" sz="1400" dirty="0" err="1"/>
+                <a:t>bus</a:t>
+              </a:r>
+              <a:endParaRPr lang="de-DE" sz="1400" dirty="0"/>
+            </a:p>
+          </p:txBody>
+        </p:sp>
+        <p:sp>
+          <p:nvSpPr>
+            <p:cNvPr id="128" name="Rechteck 70"/>
+            <p:cNvSpPr/>
+            <p:nvPr/>
+          </p:nvSpPr>
+          <p:spPr>
+            <a:xfrm>
+              <a:off x="219876" y="1053833"/>
+              <a:ext cx="639775" cy="243119"/>
+            </a:xfrm>
+            <a:prstGeom prst="rect">
+              <a:avLst/>
+            </a:prstGeom>
+            <a:solidFill>
+              <a:schemeClr val="accent4"/>
+            </a:solidFill>
+            <a:ln>
+              <a:noFill/>
+            </a:ln>
+          </p:spPr>
+          <p:style>
+            <a:lnRef idx="2">
+              <a:schemeClr val="accent1">
+                <a:shade val="50000"/>
+              </a:schemeClr>
+            </a:lnRef>
+            <a:fillRef idx="1">
+              <a:schemeClr val="accent1"/>
+            </a:fillRef>
+            <a:effectRef idx="0">
+              <a:schemeClr val="accent1"/>
+            </a:effectRef>
+            <a:fontRef idx="minor">
+              <a:schemeClr val="lt1"/>
+            </a:fontRef>
+          </p:style>
+          <p:txBody>
+            <a:bodyPr rtlCol="0" anchor="ctr"/>
+            <a:lstStyle/>
+            <a:p>
+              <a:pPr algn="ctr"/>
+              <a:r>
+                <a:rPr lang="de-DE" sz="1400" dirty="0" err="1"/>
+                <a:t>storage</a:t>
+              </a:r>
+              <a:endParaRPr lang="de-DE" sz="1400" dirty="0"/>
+            </a:p>
+          </p:txBody>
+        </p:sp>
+        <p:sp>
+          <p:nvSpPr>
+            <p:cNvPr id="129" name="TextBox 128"/>
+            <p:cNvSpPr txBox="1"/>
+            <p:nvPr/>
+          </p:nvSpPr>
+          <p:spPr>
+            <a:xfrm>
+              <a:off x="219876" y="1413105"/>
+              <a:ext cx="2129370" cy="219841"/>
+            </a:xfrm>
+            <a:prstGeom prst="rect">
+              <a:avLst/>
+            </a:prstGeom>
+            <a:noFill/>
+          </p:spPr>
+          <p:txBody>
+            <a:bodyPr wrap="square" rtlCol="0">
+              <a:spAutoFit/>
+            </a:bodyPr>
+            <a:lstStyle/>
+            <a:p>
+              <a:r>
+                <a:rPr lang="en-US" sz="1400" dirty="0" err="1"/>
+                <a:t>Sch</a:t>
+              </a:r>
+              <a:r>
+                <a:rPr lang="en-US" sz="1400" dirty="0"/>
+                <a:t>=Schwedt       </a:t>
+              </a:r>
+              <a:r>
+                <a:rPr lang="en-US" sz="1400" dirty="0" err="1"/>
+                <a:t>Pr</a:t>
+              </a:r>
+              <a:r>
+                <a:rPr lang="en-US" sz="1400" dirty="0"/>
+                <a:t>=</a:t>
+              </a:r>
+              <a:r>
+                <a:rPr lang="en-US" sz="1400" dirty="0" err="1"/>
+                <a:t>Prenzlau</a:t>
+              </a:r>
+              <a:endParaRPr lang="en-US" sz="1400" dirty="0"/>
+            </a:p>
+          </p:txBody>
+        </p:sp>
+        <p:sp>
+          <p:nvSpPr>
+            <p:cNvPr id="133" name="Textfeld 28"/>
+            <p:cNvSpPr txBox="1"/>
+            <p:nvPr/>
+          </p:nvSpPr>
+          <p:spPr>
+            <a:xfrm>
+              <a:off x="168328" y="621694"/>
+              <a:ext cx="587248" cy="219841"/>
+            </a:xfrm>
+            <a:prstGeom prst="rect">
+              <a:avLst/>
+            </a:prstGeom>
+            <a:noFill/>
+          </p:spPr>
+          <p:txBody>
+            <a:bodyPr wrap="square" rtlCol="0">
+              <a:spAutoFit/>
+            </a:bodyPr>
+            <a:lstStyle/>
+            <a:p>
+              <a:r>
+                <a:rPr lang="de-DE" sz="1400" b="1" dirty="0"/>
+                <a:t>legend</a:t>
+              </a:r>
+              <a:endParaRPr lang="de-DE" sz="1400" b="1" dirty="0"/>
+            </a:p>
+          </p:txBody>
+        </p:sp>
+      </p:grpSp>
+      <p:sp>
+        <p:nvSpPr>
+          <p:cNvPr id="82" name="Textfeld 74"/>
+          <p:cNvSpPr txBox="1"/>
+          <p:nvPr/>
+        </p:nvSpPr>
+        <p:spPr>
+          <a:xfrm>
+            <a:off x="2656384" y="0"/>
+            <a:ext cx="4950169" cy="584763"/>
+          </a:xfrm>
+          <a:prstGeom prst="rect">
+            <a:avLst/>
+          </a:prstGeom>
+          <a:noFill/>
+        </p:spPr>
+        <p:txBody>
+          <a:bodyPr wrap="none" lIns="91428" tIns="45714" rIns="91428" bIns="45714" rtlCol="0">
+            <a:spAutoFit/>
+          </a:bodyPr>
+          <a:lstStyle/>
+          <a:p>
+            <a:r>
+              <a:rPr lang="de-DE" sz="3200" dirty="0" smtClean="0">
+                <a:latin typeface="Roboto Light" panose="02000000000000000000" pitchFamily="2" charset="0"/>
+                <a:ea typeface="Roboto Light" panose="02000000000000000000" pitchFamily="2" charset="0"/>
+                <a:cs typeface="Roboto Light" panose="02000000000000000000" pitchFamily="2" charset="0"/>
+              </a:rPr>
+              <a:t>Model </a:t>
+            </a:r>
+            <a:r>
+              <a:rPr lang="de-DE" sz="3200" dirty="0" err="1" smtClean="0">
+                <a:latin typeface="Roboto Light" panose="02000000000000000000" pitchFamily="2" charset="0"/>
+                <a:ea typeface="Roboto Light" panose="02000000000000000000" pitchFamily="2" charset="0"/>
+                <a:cs typeface="Roboto Light" panose="02000000000000000000" pitchFamily="2" charset="0"/>
+              </a:rPr>
+              <a:t>WindNODE</a:t>
+            </a:r>
+            <a:r>
+              <a:rPr lang="de-DE" sz="3200" dirty="0" smtClean="0">
+                <a:latin typeface="Roboto Light" panose="02000000000000000000" pitchFamily="2" charset="0"/>
+                <a:ea typeface="Roboto Light" panose="02000000000000000000" pitchFamily="2" charset="0"/>
+                <a:cs typeface="Roboto Light" panose="02000000000000000000" pitchFamily="2" charset="0"/>
+              </a:rPr>
+              <a:t> KWUM</a:t>
+            </a:r>
+            <a:endParaRPr lang="de-DE" sz="2400" dirty="0">
+              <a:latin typeface="Roboto Light" panose="02000000000000000000" pitchFamily="2" charset="0"/>
+              <a:ea typeface="Roboto Light" panose="02000000000000000000" pitchFamily="2" charset="0"/>
+              <a:cs typeface="Roboto Light" panose="02000000000000000000" pitchFamily="2" charset="0"/>
+            </a:endParaRPr>
+          </a:p>
+        </p:txBody>
+      </p:sp>
+    </p:spTree>
+    <p:extLst>
+      <p:ext uri="{BB962C8B-B14F-4D97-AF65-F5344CB8AC3E}">
+        <p14:creationId xmlns:p14="http://schemas.microsoft.com/office/powerpoint/2010/main" val="2300827944"/>
+      </p:ext>
+    </p:extLst>
+  </p:cSld>
+  <p:clrMapOvr>
+    <a:masterClrMapping/>
+  </p:clrMapOvr>
+  <p:timing>
+    <p:tnLst>
+      <p:par>
+        <p:cTn xmlns:p14="http://schemas.microsoft.com/office/powerpoint/2010/main" id="1" dur="indefinite" restart="never" nodeType="tmRoot"/>
+      </p:par>
+    </p:tnLst>
+  </p:timing>
+</p:sld>
+</file>
+
+<file path=ppt/slides/slide2.xml><?xml version="1.0" encoding="utf-8"?>
+<p:sld xmlns:a="http://schemas.openxmlformats.org/drawingml/2006/main" xmlns:r="http://schemas.openxmlformats.org/officeDocument/2006/relationships" xmlns:p="http://schemas.openxmlformats.org/presentationml/2006/main">
+  <p:cSld>
+    <p:spTree>
+      <p:nvGrpSpPr>
+        <p:cNvPr id="1" name=""/>
+        <p:cNvGrpSpPr/>
+        <p:nvPr/>
+      </p:nvGrpSpPr>
+      <p:grpSpPr>
+        <a:xfrm>
+          <a:off x="0" y="0"/>
+          <a:ext cx="0" cy="0"/>
+          <a:chOff x="0" y="0"/>
+          <a:chExt cx="0" cy="0"/>
+        </a:xfrm>
+      </p:grpSpPr>
+      <p:grpSp>
+        <p:nvGrpSpPr>
           <p:cNvPr id="41" name="Gruppieren 40"/>
           <p:cNvGrpSpPr/>
           <p:nvPr/>
         </p:nvGrpSpPr>
         <p:grpSpPr>
           <a:xfrm>
-            <a:off x="3971730" y="3481953"/>
-            <a:ext cx="1308176" cy="477054"/>
+            <a:off x="3971731" y="3481953"/>
+            <a:ext cx="1308175" cy="477054"/>
             <a:chOff x="1720280" y="3675474"/>
             <a:chExt cx="1308176" cy="477054"/>
           </a:xfrm>
@@ -3169,8 +7087,8 @@
           </p:nvSpPr>
           <p:spPr>
             <a:xfrm>
-              <a:off x="2056813" y="3713946"/>
-              <a:ext cx="635110" cy="400110"/>
+              <a:off x="2056814" y="3713946"/>
+              <a:ext cx="633632" cy="400110"/>
             </a:xfrm>
             <a:prstGeom prst="rect">
               <a:avLst/>
@@ -3188,7 +7106,7 @@
                 <a:t>b</a:t>
               </a:r>
               <a:r>
-                <a:rPr lang="de-DE" sz="2000" dirty="0" err="1" smtClean="0"/>
+                <a:rPr lang="de-DE" sz="2000" dirty="0" err="1"/>
                 <a:t>_el</a:t>
               </a:r>
               <a:endParaRPr lang="de-DE" sz="2000" dirty="0"/>
@@ -3204,7 +7122,7 @@
         </p:nvCxnSpPr>
         <p:spPr>
           <a:xfrm>
-            <a:off x="10223800" y="4566681"/>
+            <a:off x="10223799" y="4566681"/>
             <a:ext cx="666000" cy="0"/>
           </a:xfrm>
           <a:prstGeom prst="straightConnector1">
@@ -3243,7 +7161,7 @@
         </p:nvCxnSpPr>
         <p:spPr>
           <a:xfrm>
-            <a:off x="5279906" y="3720480"/>
+            <a:off x="5279908" y="3720481"/>
             <a:ext cx="1438123" cy="479132"/>
           </a:xfrm>
           <a:prstGeom prst="straightConnector1">
@@ -3279,8 +7197,8 @@
         </p:nvCxnSpPr>
         <p:spPr>
           <a:xfrm>
-            <a:off x="712168" y="5776771"/>
-            <a:ext cx="15586" cy="940966"/>
+            <a:off x="712168" y="5776772"/>
+            <a:ext cx="15586" cy="940967"/>
           </a:xfrm>
           <a:prstGeom prst="straightConnector1">
             <a:avLst/>
@@ -3316,7 +7234,7 @@
         </p:nvCxnSpPr>
         <p:spPr>
           <a:xfrm flipV="1">
-            <a:off x="483381" y="5727242"/>
+            <a:off x="483381" y="5727243"/>
             <a:ext cx="0" cy="946726"/>
           </a:xfrm>
           <a:prstGeom prst="straightConnector1">
@@ -3353,8 +7271,8 @@
         </p:nvSpPr>
         <p:spPr>
           <a:xfrm>
-            <a:off x="492965" y="336104"/>
-            <a:ext cx="864096" cy="432486"/>
+            <a:off x="492966" y="336104"/>
+            <a:ext cx="864095" cy="432487"/>
           </a:xfrm>
           <a:prstGeom prst="rect">
             <a:avLst/>
@@ -3383,12 +7301,12 @@
           </a:fontRef>
         </p:style>
         <p:txBody>
-          <a:bodyPr rtlCol="0" anchor="ctr"/>
+          <a:bodyPr lIns="91428" tIns="45714" rIns="91428" bIns="45714" rtlCol="0" anchor="ctr"/>
           <a:lstStyle/>
           <a:p>
             <a:pPr algn="ctr"/>
             <a:r>
-              <a:rPr lang="de-DE" sz="1600" b="1" dirty="0" smtClean="0">
+              <a:rPr lang="de-DE" sz="1500" b="1" dirty="0">
                 <a:solidFill>
                   <a:schemeClr val="tx1"/>
                 </a:solidFill>
@@ -3398,7 +7316,7 @@
               </a:rPr>
               <a:t>SENKE</a:t>
             </a:r>
-            <a:endParaRPr lang="de-DE" sz="1600" b="1" dirty="0">
+            <a:endParaRPr lang="de-DE" sz="1500" b="1" dirty="0">
               <a:solidFill>
                 <a:schemeClr val="tx1"/>
               </a:solidFill>
@@ -3417,8 +7335,8 @@
         </p:nvSpPr>
         <p:spPr>
           <a:xfrm>
-            <a:off x="492965" y="821061"/>
-            <a:ext cx="864096" cy="432486"/>
+            <a:off x="492966" y="821061"/>
+            <a:ext cx="864095" cy="432487"/>
           </a:xfrm>
           <a:prstGeom prst="rect">
             <a:avLst/>
@@ -3447,12 +7365,12 @@
           </a:fontRef>
         </p:style>
         <p:txBody>
-          <a:bodyPr rtlCol="0" anchor="ctr"/>
+          <a:bodyPr lIns="91428" tIns="45714" rIns="91428" bIns="45714" rtlCol="0" anchor="ctr"/>
           <a:lstStyle/>
           <a:p>
             <a:pPr algn="ctr"/>
             <a:r>
-              <a:rPr lang="de-DE" sz="1400" b="1" dirty="0" smtClean="0">
+              <a:rPr lang="de-DE" sz="1400" b="1" dirty="0">
                 <a:solidFill>
                   <a:schemeClr val="tx1"/>
                 </a:solidFill>
@@ -3481,8 +7399,8 @@
         </p:nvSpPr>
         <p:spPr>
           <a:xfrm>
-            <a:off x="492965" y="1281955"/>
-            <a:ext cx="864096" cy="432486"/>
+            <a:off x="492966" y="1281955"/>
+            <a:ext cx="864095" cy="432487"/>
           </a:xfrm>
           <a:prstGeom prst="rect">
             <a:avLst/>
@@ -3511,12 +7429,12 @@
           </a:fontRef>
         </p:style>
         <p:txBody>
-          <a:bodyPr rtlCol="0" anchor="ctr"/>
+          <a:bodyPr lIns="91428" tIns="45714" rIns="91428" bIns="45714" rtlCol="0" anchor="ctr"/>
           <a:lstStyle/>
           <a:p>
             <a:pPr algn="ctr"/>
             <a:r>
-              <a:rPr lang="de-DE" sz="1400" b="1" dirty="0" smtClean="0">
+              <a:rPr lang="de-DE" sz="1400" b="1" dirty="0">
                 <a:solidFill>
                   <a:schemeClr val="tx1"/>
                 </a:solidFill>
@@ -3545,8 +7463,8 @@
         </p:nvSpPr>
         <p:spPr>
           <a:xfrm>
-            <a:off x="503147" y="1775826"/>
-            <a:ext cx="864096" cy="432486"/>
+            <a:off x="503148" y="1775826"/>
+            <a:ext cx="864095" cy="432487"/>
           </a:xfrm>
           <a:prstGeom prst="rect">
             <a:avLst/>
@@ -3575,12 +7493,12 @@
           </a:fontRef>
         </p:style>
         <p:txBody>
-          <a:bodyPr rtlCol="0" anchor="ctr"/>
+          <a:bodyPr lIns="91428" tIns="45714" rIns="91428" bIns="45714" rtlCol="0" anchor="ctr"/>
           <a:lstStyle/>
           <a:p>
             <a:pPr algn="ctr"/>
             <a:r>
-              <a:rPr lang="de-DE" sz="1400" b="1" dirty="0" smtClean="0">
+              <a:rPr lang="de-DE" sz="1400" b="1" dirty="0">
                 <a:solidFill>
                   <a:schemeClr val="tx1"/>
                 </a:solidFill>
@@ -3609,8 +7527,8 @@
         </p:nvSpPr>
         <p:spPr>
           <a:xfrm>
-            <a:off x="503147" y="2279882"/>
-            <a:ext cx="864096" cy="432486"/>
+            <a:off x="503148" y="2279882"/>
+            <a:ext cx="864095" cy="432487"/>
           </a:xfrm>
           <a:prstGeom prst="rect">
             <a:avLst/>
@@ -3639,12 +7557,12 @@
           </a:fontRef>
         </p:style>
         <p:txBody>
-          <a:bodyPr rtlCol="0" anchor="ctr"/>
+          <a:bodyPr lIns="91428" tIns="45714" rIns="91428" bIns="45714" rtlCol="0" anchor="ctr"/>
           <a:lstStyle/>
           <a:p>
             <a:pPr algn="ctr"/>
             <a:r>
-              <a:rPr lang="de-DE" sz="1600" b="1" dirty="0" smtClean="0">
+              <a:rPr lang="de-DE" sz="1500" b="1" dirty="0">
                 <a:solidFill>
                   <a:schemeClr val="tx1"/>
                 </a:solidFill>
@@ -3654,7 +7572,7 @@
               </a:rPr>
               <a:t>TRAFO</a:t>
             </a:r>
-            <a:endParaRPr lang="de-DE" sz="1600" b="1" dirty="0">
+            <a:endParaRPr lang="de-DE" sz="1500" b="1" dirty="0">
               <a:solidFill>
                 <a:schemeClr val="tx1"/>
               </a:solidFill>
@@ -3673,7 +7591,7 @@
         </p:nvSpPr>
         <p:spPr>
           <a:xfrm>
-            <a:off x="1367243" y="861940"/>
+            <a:off x="1367245" y="861942"/>
             <a:ext cx="678391" cy="307777"/>
           </a:xfrm>
           <a:prstGeom prst="rect">
@@ -3682,13 +7600,13 @@
           <a:noFill/>
         </p:spPr>
         <p:txBody>
-          <a:bodyPr wrap="none" rtlCol="0">
+          <a:bodyPr wrap="none" lIns="91428" tIns="45714" rIns="91428" bIns="45714" rtlCol="0">
             <a:spAutoFit/>
           </a:bodyPr>
           <a:lstStyle/>
           <a:p>
             <a:r>
-              <a:rPr lang="de-DE" sz="1400" dirty="0" smtClean="0">
+              <a:rPr lang="de-DE" sz="1400" dirty="0">
                 <a:latin typeface="Roboto Light" panose="02000000000000000000" pitchFamily="2" charset="0"/>
                 <a:ea typeface="Roboto Light" panose="02000000000000000000" pitchFamily="2" charset="0"/>
                 <a:cs typeface="Roboto Light" panose="02000000000000000000" pitchFamily="2" charset="0"/>
@@ -3696,7 +7614,7 @@
               <a:t>(</a:t>
             </a:r>
             <a:r>
-              <a:rPr lang="de-DE" sz="1400" dirty="0" err="1" smtClean="0">
+              <a:rPr lang="de-DE" sz="1400" dirty="0" err="1">
                 <a:latin typeface="Roboto Light" panose="02000000000000000000" pitchFamily="2" charset="0"/>
                 <a:ea typeface="Roboto Light" panose="02000000000000000000" pitchFamily="2" charset="0"/>
                 <a:cs typeface="Roboto Light" panose="02000000000000000000" pitchFamily="2" charset="0"/>
@@ -3704,7 +7622,7 @@
               <a:t>fixed</a:t>
             </a:r>
             <a:r>
-              <a:rPr lang="de-DE" sz="1400" dirty="0" smtClean="0">
+              <a:rPr lang="de-DE" sz="1400" dirty="0">
                 <a:latin typeface="Roboto Light" panose="02000000000000000000" pitchFamily="2" charset="0"/>
                 <a:ea typeface="Roboto Light" panose="02000000000000000000" pitchFamily="2" charset="0"/>
                 <a:cs typeface="Roboto Light" panose="02000000000000000000" pitchFamily="2" charset="0"/>
@@ -3727,7 +7645,7 @@
         </p:nvSpPr>
         <p:spPr>
           <a:xfrm>
-            <a:off x="1360240" y="1324471"/>
+            <a:off x="1360241" y="1324472"/>
             <a:ext cx="678391" cy="307777"/>
           </a:xfrm>
           <a:prstGeom prst="rect">
@@ -3736,13 +7654,13 @@
           <a:noFill/>
         </p:spPr>
         <p:txBody>
-          <a:bodyPr wrap="none" rtlCol="0">
+          <a:bodyPr wrap="none" lIns="91428" tIns="45714" rIns="91428" bIns="45714" rtlCol="0">
             <a:spAutoFit/>
           </a:bodyPr>
           <a:lstStyle/>
           <a:p>
             <a:r>
-              <a:rPr lang="de-DE" sz="1400" dirty="0" smtClean="0">
+              <a:rPr lang="de-DE" sz="1400" dirty="0">
                 <a:latin typeface="Roboto Light" panose="02000000000000000000" pitchFamily="2" charset="0"/>
                 <a:ea typeface="Roboto Light" panose="02000000000000000000" pitchFamily="2" charset="0"/>
                 <a:cs typeface="Roboto Light" panose="02000000000000000000" pitchFamily="2" charset="0"/>
@@ -3750,7 +7668,7 @@
               <a:t>(</a:t>
             </a:r>
             <a:r>
-              <a:rPr lang="de-DE" sz="1400" dirty="0" err="1" smtClean="0">
+              <a:rPr lang="de-DE" sz="1400" dirty="0" err="1">
                 <a:latin typeface="Roboto Light" panose="02000000000000000000" pitchFamily="2" charset="0"/>
                 <a:ea typeface="Roboto Light" panose="02000000000000000000" pitchFamily="2" charset="0"/>
                 <a:cs typeface="Roboto Light" panose="02000000000000000000" pitchFamily="2" charset="0"/>
@@ -3758,7 +7676,7 @@
               <a:t>fixed</a:t>
             </a:r>
             <a:r>
-              <a:rPr lang="de-DE" sz="1400" dirty="0" smtClean="0">
+              <a:rPr lang="de-DE" sz="1400" dirty="0">
                 <a:latin typeface="Roboto Light" panose="02000000000000000000" pitchFamily="2" charset="0"/>
                 <a:ea typeface="Roboto Light" panose="02000000000000000000" pitchFamily="2" charset="0"/>
                 <a:cs typeface="Roboto Light" panose="02000000000000000000" pitchFamily="2" charset="0"/>
@@ -3781,8 +7699,8 @@
         </p:nvSpPr>
         <p:spPr>
           <a:xfrm>
-            <a:off x="492965" y="2784963"/>
-            <a:ext cx="864096" cy="432486"/>
+            <a:off x="492966" y="2784963"/>
+            <a:ext cx="864095" cy="432487"/>
           </a:xfrm>
           <a:prstGeom prst="rect">
             <a:avLst/>
@@ -3814,12 +7732,12 @@
           </a:fontRef>
         </p:style>
         <p:txBody>
-          <a:bodyPr rtlCol="0" anchor="ctr"/>
+          <a:bodyPr lIns="91428" tIns="45714" rIns="91428" bIns="45714" rtlCol="0" anchor="ctr"/>
           <a:lstStyle/>
           <a:p>
             <a:pPr algn="ctr"/>
             <a:r>
-              <a:rPr lang="de-DE" sz="1600" b="1" dirty="0" smtClean="0">
+              <a:rPr lang="de-DE" sz="1500" b="1" dirty="0">
                 <a:solidFill>
                   <a:schemeClr val="tx1"/>
                 </a:solidFill>
@@ -3829,7 +7747,7 @@
               </a:rPr>
               <a:t>BAT</a:t>
             </a:r>
-            <a:endParaRPr lang="de-DE" sz="1600" b="1" dirty="0">
+            <a:endParaRPr lang="de-DE" sz="1500" b="1" dirty="0">
               <a:solidFill>
                 <a:schemeClr val="tx1"/>
               </a:solidFill>
@@ -3848,8 +7766,8 @@
         </p:nvSpPr>
         <p:spPr>
           <a:xfrm>
-            <a:off x="4249244" y="336104"/>
-            <a:ext cx="4937570" cy="646331"/>
+            <a:off x="4249244" y="336106"/>
+            <a:ext cx="7034098" cy="646319"/>
           </a:xfrm>
           <a:prstGeom prst="rect">
             <a:avLst/>
@@ -3857,18 +7775,42 @@
           <a:noFill/>
         </p:spPr>
         <p:txBody>
-          <a:bodyPr wrap="none" rtlCol="0">
+          <a:bodyPr wrap="none" lIns="91428" tIns="45714" rIns="91428" bIns="45714" rtlCol="0">
             <a:spAutoFit/>
           </a:bodyPr>
           <a:lstStyle/>
           <a:p>
+            <a:r>
+              <a:rPr lang="de-DE" sz="3600" dirty="0">
+                <a:latin typeface="Roboto Light" panose="02000000000000000000" pitchFamily="2" charset="0"/>
+                <a:ea typeface="Roboto Light" panose="02000000000000000000" pitchFamily="2" charset="0"/>
+                <a:cs typeface="Roboto Light" panose="02000000000000000000" pitchFamily="2" charset="0"/>
+              </a:rPr>
+              <a:t>Modell Kraftwerk </a:t>
+            </a:r>
             <a:r>
               <a:rPr lang="de-DE" sz="3600" dirty="0" smtClean="0">
                 <a:latin typeface="Roboto Light" panose="02000000000000000000" pitchFamily="2" charset="0"/>
                 <a:ea typeface="Roboto Light" panose="02000000000000000000" pitchFamily="2" charset="0"/>
                 <a:cs typeface="Roboto Light" panose="02000000000000000000" pitchFamily="2" charset="0"/>
               </a:rPr>
-              <a:t>Modell Kraftwerk Uckermark</a:t>
+              <a:t>Uckermark (</a:t>
+            </a:r>
+            <a:r>
+              <a:rPr lang="de-DE" sz="3600" dirty="0" err="1" smtClean="0">
+                <a:latin typeface="Roboto Light" panose="02000000000000000000" pitchFamily="2" charset="0"/>
+                <a:ea typeface="Roboto Light" panose="02000000000000000000" pitchFamily="2" charset="0"/>
+                <a:cs typeface="Roboto Light" panose="02000000000000000000" pitchFamily="2" charset="0"/>
+              </a:rPr>
+              <a:t>old</a:t>
+            </a:r>
+            <a:r>
+              <a:rPr lang="de-DE" sz="3600" dirty="0" smtClean="0">
+                <a:latin typeface="Roboto Light" panose="02000000000000000000" pitchFamily="2" charset="0"/>
+                <a:ea typeface="Roboto Light" panose="02000000000000000000" pitchFamily="2" charset="0"/>
+                <a:cs typeface="Roboto Light" panose="02000000000000000000" pitchFamily="2" charset="0"/>
+              </a:rPr>
+              <a:t>)</a:t>
             </a:r>
             <a:endParaRPr lang="de-DE" sz="2800" dirty="0">
               <a:latin typeface="Roboto Light" panose="02000000000000000000" pitchFamily="2" charset="0"/>
@@ -3886,8 +7828,8 @@
         </p:nvGrpSpPr>
         <p:grpSpPr>
           <a:xfrm>
-            <a:off x="8991544" y="4415855"/>
-            <a:ext cx="1308176" cy="477054"/>
+            <a:off x="8991546" y="4415856"/>
+            <a:ext cx="1308175" cy="477054"/>
             <a:chOff x="1720280" y="3675474"/>
             <a:chExt cx="1308176" cy="477054"/>
           </a:xfrm>
@@ -3947,7 +7889,7 @@
           <p:spPr>
             <a:xfrm>
               <a:off x="1936304" y="3713946"/>
-              <a:ext cx="918072" cy="400110"/>
+              <a:ext cx="918291" cy="400110"/>
             </a:xfrm>
             <a:prstGeom prst="rect">
               <a:avLst/>
@@ -3961,7 +7903,7 @@
             <a:lstStyle/>
             <a:p>
               <a:r>
-                <a:rPr lang="de-DE" sz="2000" dirty="0" err="1" smtClean="0"/>
+                <a:rPr lang="de-DE" sz="2000" dirty="0" err="1"/>
                 <a:t>b_heat</a:t>
               </a:r>
               <a:endParaRPr lang="de-DE" sz="2000" dirty="0"/>
@@ -3977,8 +7919,8 @@
         </p:nvSpPr>
         <p:spPr>
           <a:xfrm>
-            <a:off x="3743870" y="2676406"/>
-            <a:ext cx="864096" cy="432486"/>
+            <a:off x="3743871" y="2676406"/>
+            <a:ext cx="864095" cy="432487"/>
           </a:xfrm>
           <a:prstGeom prst="rect">
             <a:avLst/>
@@ -4007,12 +7949,12 @@
           </a:fontRef>
         </p:style>
         <p:txBody>
-          <a:bodyPr rtlCol="0" anchor="ctr"/>
+          <a:bodyPr lIns="91428" tIns="45714" rIns="91428" bIns="45714" rtlCol="0" anchor="ctr"/>
           <a:lstStyle/>
           <a:p>
             <a:pPr algn="ctr"/>
             <a:r>
-              <a:rPr lang="de-DE" sz="1600" b="1" dirty="0" smtClean="0">
+              <a:rPr lang="de-DE" sz="1500" b="1" dirty="0">
                 <a:solidFill>
                   <a:schemeClr val="tx1"/>
                 </a:solidFill>
@@ -4022,7 +7964,7 @@
               </a:rPr>
               <a:t>WIND</a:t>
             </a:r>
-            <a:endParaRPr lang="de-DE" sz="1600" b="1" dirty="0">
+            <a:endParaRPr lang="de-DE" sz="1500" b="1" dirty="0">
               <a:solidFill>
                 <a:schemeClr val="tx1"/>
               </a:solidFill>
@@ -4041,8 +7983,8 @@
         </p:nvSpPr>
         <p:spPr>
           <a:xfrm>
-            <a:off x="4671866" y="2676406"/>
-            <a:ext cx="864096" cy="432486"/>
+            <a:off x="4671867" y="2676406"/>
+            <a:ext cx="864095" cy="432487"/>
           </a:xfrm>
           <a:prstGeom prst="rect">
             <a:avLst/>
@@ -4071,12 +8013,12 @@
           </a:fontRef>
         </p:style>
         <p:txBody>
-          <a:bodyPr rtlCol="0" anchor="ctr"/>
+          <a:bodyPr lIns="91428" tIns="45714" rIns="91428" bIns="45714" rtlCol="0" anchor="ctr"/>
           <a:lstStyle/>
           <a:p>
             <a:pPr algn="ctr"/>
             <a:r>
-              <a:rPr lang="de-DE" sz="1600" b="1" dirty="0" smtClean="0">
+              <a:rPr lang="de-DE" sz="1500" b="1" dirty="0">
                 <a:solidFill>
                   <a:schemeClr val="tx1"/>
                 </a:solidFill>
@@ -4086,7 +8028,7 @@
               </a:rPr>
               <a:t>PV</a:t>
             </a:r>
-            <a:endParaRPr lang="de-DE" sz="1600" b="1" dirty="0">
+            <a:endParaRPr lang="de-DE" sz="1500" b="1" dirty="0">
               <a:solidFill>
                 <a:schemeClr val="tx1"/>
               </a:solidFill>
@@ -4107,8 +8049,8 @@
         </p:nvCxnSpPr>
         <p:spPr>
           <a:xfrm>
-            <a:off x="4175918" y="3108892"/>
-            <a:ext cx="0" cy="429903"/>
+            <a:off x="4175919" y="3108892"/>
+            <a:ext cx="0" cy="429904"/>
           </a:xfrm>
           <a:prstGeom prst="straightConnector1">
             <a:avLst/>
@@ -4146,7 +8088,7 @@
         <p:spPr>
           <a:xfrm flipH="1">
             <a:off x="5100938" y="3108892"/>
-            <a:ext cx="2976" cy="429903"/>
+            <a:ext cx="2976" cy="429904"/>
           </a:xfrm>
           <a:prstGeom prst="straightConnector1">
             <a:avLst/>
@@ -4181,8 +8123,8 @@
         </p:nvSpPr>
         <p:spPr>
           <a:xfrm>
-            <a:off x="2456918" y="3520395"/>
-            <a:ext cx="864096" cy="432486"/>
+            <a:off x="2456920" y="3520396"/>
+            <a:ext cx="864095" cy="432487"/>
           </a:xfrm>
           <a:prstGeom prst="rect">
             <a:avLst/>
@@ -4211,12 +8153,12 @@
           </a:fontRef>
         </p:style>
         <p:txBody>
-          <a:bodyPr rtlCol="0" anchor="ctr"/>
+          <a:bodyPr lIns="91428" tIns="45714" rIns="91428" bIns="45714" rtlCol="0" anchor="ctr"/>
           <a:lstStyle/>
           <a:p>
             <a:pPr algn="ctr"/>
             <a:r>
-              <a:rPr lang="de-DE" sz="1600" b="1" dirty="0" smtClean="0">
+              <a:rPr lang="de-DE" sz="1500" b="1" dirty="0">
                 <a:solidFill>
                   <a:schemeClr val="tx1"/>
                 </a:solidFill>
@@ -4226,7 +8168,7 @@
               </a:rPr>
               <a:t>MARKT</a:t>
             </a:r>
-            <a:endParaRPr lang="de-DE" sz="1600" b="1" dirty="0">
+            <a:endParaRPr lang="de-DE" sz="1500" b="1" dirty="0">
               <a:solidFill>
                 <a:schemeClr val="tx1"/>
               </a:solidFill>
@@ -4283,8 +8225,8 @@
         </p:nvCxnSpPr>
         <p:spPr>
           <a:xfrm>
-            <a:off x="4175918" y="3920535"/>
-            <a:ext cx="0" cy="429903"/>
+            <a:off x="4175919" y="3920535"/>
+            <a:ext cx="0" cy="429904"/>
           </a:xfrm>
           <a:prstGeom prst="straightConnector1">
             <a:avLst/>
@@ -4319,8 +8261,8 @@
         </p:nvSpPr>
         <p:spPr>
           <a:xfrm>
-            <a:off x="6718029" y="3983369"/>
-            <a:ext cx="864096" cy="432486"/>
+            <a:off x="6718030" y="3983369"/>
+            <a:ext cx="864095" cy="432487"/>
           </a:xfrm>
           <a:prstGeom prst="rect">
             <a:avLst/>
@@ -4349,12 +8291,12 @@
           </a:fontRef>
         </p:style>
         <p:txBody>
-          <a:bodyPr rtlCol="0" anchor="ctr"/>
+          <a:bodyPr lIns="91428" tIns="45714" rIns="91428" bIns="45714" rtlCol="0" anchor="ctr"/>
           <a:lstStyle/>
           <a:p>
             <a:pPr algn="ctr"/>
             <a:r>
-              <a:rPr lang="de-DE" sz="1600" b="1" dirty="0" smtClean="0">
+              <a:rPr lang="de-DE" sz="1500" b="1" dirty="0">
                 <a:solidFill>
                   <a:schemeClr val="tx1"/>
                 </a:solidFill>
@@ -4364,7 +8306,7 @@
               </a:rPr>
               <a:t>P2H</a:t>
             </a:r>
-            <a:endParaRPr lang="de-DE" sz="1600" b="1" dirty="0">
+            <a:endParaRPr lang="de-DE" sz="1500" b="1" dirty="0">
               <a:solidFill>
                 <a:schemeClr val="tx1"/>
               </a:solidFill>
@@ -4385,7 +8327,7 @@
         </p:nvCxnSpPr>
         <p:spPr>
           <a:xfrm>
-            <a:off x="7582125" y="4199612"/>
+            <a:off x="7582126" y="4199613"/>
             <a:ext cx="1409419" cy="479132"/>
           </a:xfrm>
           <a:prstGeom prst="straightConnector1">
@@ -4422,7 +8364,7 @@
         <p:spPr>
           <a:xfrm>
             <a:off x="10098652" y="4864853"/>
-            <a:ext cx="0" cy="429903"/>
+            <a:ext cx="0" cy="429904"/>
           </a:xfrm>
           <a:prstGeom prst="straightConnector1">
             <a:avLst/>
@@ -4457,8 +8399,8 @@
         </p:nvSpPr>
         <p:spPr>
           <a:xfrm>
-            <a:off x="9666604" y="5294756"/>
-            <a:ext cx="864096" cy="432486"/>
+            <a:off x="9666605" y="5294756"/>
+            <a:ext cx="864095" cy="432487"/>
           </a:xfrm>
           <a:prstGeom prst="rect">
             <a:avLst/>
@@ -4487,12 +8429,12 @@
           </a:fontRef>
         </p:style>
         <p:txBody>
-          <a:bodyPr rtlCol="0" anchor="ctr"/>
+          <a:bodyPr lIns="91428" tIns="45714" rIns="91428" bIns="45714" rtlCol="0" anchor="ctr"/>
           <a:lstStyle/>
           <a:p>
             <a:pPr algn="ctr"/>
             <a:r>
-              <a:rPr lang="de-DE" sz="1600" b="1" dirty="0" smtClean="0">
+              <a:rPr lang="de-DE" sz="1500" b="1" dirty="0">
                 <a:solidFill>
                   <a:schemeClr val="tx1"/>
                 </a:solidFill>
@@ -4502,7 +8444,7 @@
               </a:rPr>
               <a:t>WÄRMESENKE</a:t>
             </a:r>
-            <a:endParaRPr lang="de-DE" sz="1600" b="1" dirty="0">
+            <a:endParaRPr lang="de-DE" sz="1500" b="1" dirty="0">
               <a:solidFill>
                 <a:schemeClr val="tx1"/>
               </a:solidFill>
@@ -4521,8 +8463,8 @@
         </p:nvSpPr>
         <p:spPr>
           <a:xfrm>
-            <a:off x="10889800" y="4429512"/>
-            <a:ext cx="864096" cy="432486"/>
+            <a:off x="10889802" y="4429512"/>
+            <a:ext cx="864095" cy="432487"/>
           </a:xfrm>
           <a:prstGeom prst="rect">
             <a:avLst/>
@@ -4554,12 +8496,12 @@
           </a:fontRef>
         </p:style>
         <p:txBody>
-          <a:bodyPr rtlCol="0" anchor="ctr"/>
+          <a:bodyPr lIns="91428" tIns="45714" rIns="91428" bIns="45714" rtlCol="0" anchor="ctr"/>
           <a:lstStyle/>
           <a:p>
             <a:pPr algn="ctr"/>
             <a:r>
-              <a:rPr lang="de-DE" sz="1600" b="1" dirty="0" smtClean="0">
+              <a:rPr lang="de-DE" sz="1500" b="1" dirty="0">
                 <a:solidFill>
                   <a:schemeClr val="tx1"/>
                 </a:solidFill>
@@ -4569,7 +8511,7 @@
               </a:rPr>
               <a:t>SPEICHER</a:t>
             </a:r>
-            <a:endParaRPr lang="de-DE" sz="1600" b="1" dirty="0">
+            <a:endParaRPr lang="de-DE" sz="1500" b="1" dirty="0">
               <a:solidFill>
                 <a:schemeClr val="tx1"/>
               </a:solidFill>
@@ -4588,7 +8530,7 @@
         </p:nvCxnSpPr>
         <p:spPr>
           <a:xfrm flipH="1">
-            <a:off x="10270980" y="4728592"/>
+            <a:off x="10270979" y="4728592"/>
             <a:ext cx="618820" cy="440"/>
           </a:xfrm>
           <a:prstGeom prst="straightConnector1">
@@ -4625,7 +8567,7 @@
         <p:spPr>
           <a:xfrm>
             <a:off x="5103914" y="3920535"/>
-            <a:ext cx="0" cy="429903"/>
+            <a:ext cx="0" cy="429904"/>
           </a:xfrm>
           <a:prstGeom prst="straightConnector1">
             <a:avLst/>
@@ -4660,8 +8602,8 @@
         </p:nvSpPr>
         <p:spPr>
           <a:xfrm>
-            <a:off x="4671866" y="4350438"/>
-            <a:ext cx="864096" cy="432486"/>
+            <a:off x="4671867" y="4350439"/>
+            <a:ext cx="864095" cy="432487"/>
           </a:xfrm>
           <a:prstGeom prst="rect">
             <a:avLst/>
@@ -4690,12 +8632,12 @@
           </a:fontRef>
         </p:style>
         <p:txBody>
-          <a:bodyPr rtlCol="0" anchor="ctr"/>
+          <a:bodyPr lIns="91428" tIns="45714" rIns="91428" bIns="45714" rtlCol="0" anchor="ctr"/>
           <a:lstStyle/>
           <a:p>
             <a:pPr algn="ctr"/>
             <a:r>
-              <a:rPr lang="de-DE" sz="1600" b="1" dirty="0" smtClean="0">
+              <a:rPr lang="de-DE" sz="1500" b="1" dirty="0">
                 <a:solidFill>
                   <a:schemeClr val="tx1"/>
                 </a:solidFill>
@@ -4705,7 +8647,7 @@
               </a:rPr>
               <a:t>EXCESSSENKE</a:t>
             </a:r>
-            <a:endParaRPr lang="de-DE" sz="1600" b="1" dirty="0">
+            <a:endParaRPr lang="de-DE" sz="1500" b="1" dirty="0">
               <a:solidFill>
                 <a:schemeClr val="tx1"/>
               </a:solidFill>
@@ -4724,8 +8666,8 @@
         </p:nvSpPr>
         <p:spPr>
           <a:xfrm>
-            <a:off x="9645632" y="3600809"/>
-            <a:ext cx="864096" cy="432486"/>
+            <a:off x="9645633" y="3600809"/>
+            <a:ext cx="864095" cy="432487"/>
           </a:xfrm>
           <a:prstGeom prst="rect">
             <a:avLst/>
@@ -4754,12 +8696,12 @@
           </a:fontRef>
         </p:style>
         <p:txBody>
-          <a:bodyPr rtlCol="0" anchor="ctr"/>
+          <a:bodyPr lIns="91428" tIns="45714" rIns="91428" bIns="45714" rtlCol="0" anchor="ctr"/>
           <a:lstStyle/>
           <a:p>
             <a:pPr algn="ctr"/>
             <a:r>
-              <a:rPr lang="de-DE" sz="1400" b="1" dirty="0" smtClean="0">
+              <a:rPr lang="de-DE" sz="1400" b="1" dirty="0">
                 <a:solidFill>
                   <a:schemeClr val="tx1"/>
                 </a:solidFill>
@@ -4770,7 +8712,7 @@
               <a:t>WÄRME</a:t>
             </a:r>
             <a:br>
-              <a:rPr lang="de-DE" sz="1400" b="1" dirty="0" smtClean="0">
+              <a:rPr lang="de-DE" sz="1400" b="1" dirty="0">
                 <a:solidFill>
                   <a:schemeClr val="tx1"/>
                 </a:solidFill>
@@ -4780,7 +8722,7 @@
               </a:rPr>
             </a:br>
             <a:r>
-              <a:rPr lang="de-DE" sz="1400" b="1" dirty="0" smtClean="0">
+              <a:rPr lang="de-DE" sz="1400" b="1" dirty="0">
                 <a:solidFill>
                   <a:schemeClr val="tx1"/>
                 </a:solidFill>
@@ -4810,7 +8752,7 @@
         <p:spPr>
           <a:xfrm flipH="1">
             <a:off x="10077680" y="4031349"/>
-            <a:ext cx="2976" cy="429903"/>
+            <a:ext cx="2976" cy="429904"/>
           </a:xfrm>
           <a:prstGeom prst="straightConnector1">
             <a:avLst/>
@@ -4845,7 +8787,7 @@
         </p:nvSpPr>
         <p:spPr>
           <a:xfrm>
-            <a:off x="1193789" y="4415608"/>
+            <a:off x="1193791" y="4415609"/>
             <a:ext cx="1011291" cy="353412"/>
           </a:xfrm>
           <a:prstGeom prst="wedgeRoundRectCallout">
@@ -4872,12 +8814,12 @@
           </a:fontRef>
         </p:style>
         <p:txBody>
-          <a:bodyPr rtlCol="0" anchor="ctr"/>
+          <a:bodyPr lIns="91428" tIns="45714" rIns="91428" bIns="45714" rtlCol="0" anchor="ctr"/>
           <a:lstStyle/>
           <a:p>
             <a:pPr algn="ctr"/>
             <a:r>
-              <a:rPr lang="de-DE" sz="1100" dirty="0" smtClean="0"/>
+              <a:rPr lang="de-DE" sz="1100" dirty="0"/>
               <a:t>Abregelung über P_max</a:t>
             </a:r>
             <a:endParaRPr lang="de-DE" sz="1100" dirty="0"/>
@@ -4892,8 +8834,8 @@
         </p:nvSpPr>
         <p:spPr>
           <a:xfrm>
-            <a:off x="3736504" y="4336534"/>
-            <a:ext cx="864096" cy="432486"/>
+            <a:off x="3736506" y="4336534"/>
+            <a:ext cx="864095" cy="432487"/>
           </a:xfrm>
           <a:prstGeom prst="rect">
             <a:avLst/>
@@ -4922,12 +8864,12 @@
           </a:fontRef>
         </p:style>
         <p:txBody>
-          <a:bodyPr rtlCol="0" anchor="ctr"/>
+          <a:bodyPr lIns="91428" tIns="45714" rIns="91428" bIns="45714" rtlCol="0" anchor="ctr"/>
           <a:lstStyle/>
           <a:p>
             <a:pPr algn="ctr"/>
             <a:r>
-              <a:rPr lang="de-DE" sz="1600" b="1" dirty="0" smtClean="0">
+              <a:rPr lang="de-DE" sz="1500" b="1" dirty="0">
                 <a:solidFill>
                   <a:schemeClr val="tx1"/>
                 </a:solidFill>
@@ -4937,7 +8879,7 @@
               </a:rPr>
               <a:t>P2G</a:t>
             </a:r>
-            <a:endParaRPr lang="de-DE" sz="1600" b="1" dirty="0">
+            <a:endParaRPr lang="de-DE" sz="1500" b="1" dirty="0">
               <a:solidFill>
                 <a:schemeClr val="tx1"/>
               </a:solidFill>
@@ -4956,8 +8898,8 @@
         </p:nvCxnSpPr>
         <p:spPr>
           <a:xfrm>
-            <a:off x="4191570" y="4730737"/>
-            <a:ext cx="0" cy="429903"/>
+            <a:off x="4191571" y="4730737"/>
+            <a:ext cx="0" cy="429904"/>
           </a:xfrm>
           <a:prstGeom prst="straightConnector1">
             <a:avLst/>
@@ -4992,8 +8934,8 @@
         </p:nvGrpSpPr>
         <p:grpSpPr>
           <a:xfrm>
-            <a:off x="3595156" y="5139740"/>
-            <a:ext cx="1308176" cy="477054"/>
+            <a:off x="3595158" y="5139741"/>
+            <a:ext cx="1308175" cy="477054"/>
             <a:chOff x="1720280" y="3675474"/>
             <a:chExt cx="1308176" cy="477054"/>
           </a:xfrm>
@@ -5052,8 +8994,8 @@
           </p:nvSpPr>
           <p:spPr>
             <a:xfrm>
-              <a:off x="2056813" y="3713946"/>
-              <a:ext cx="787460" cy="400110"/>
+              <a:off x="2056814" y="3713946"/>
+              <a:ext cx="791053" cy="400110"/>
             </a:xfrm>
             <a:prstGeom prst="rect">
               <a:avLst/>
@@ -5067,7 +9009,7 @@
             <a:lstStyle/>
             <a:p>
               <a:r>
-                <a:rPr lang="de-DE" sz="2000" dirty="0" err="1" smtClean="0"/>
+                <a:rPr lang="de-DE" sz="2000" dirty="0" err="1"/>
                 <a:t>b_gas</a:t>
               </a:r>
               <a:endParaRPr lang="de-DE" sz="2000" dirty="0"/>
@@ -5084,7 +9026,7 @@
         <p:spPr>
           <a:xfrm>
             <a:off x="4547939" y="5616794"/>
-            <a:ext cx="0" cy="429903"/>
+            <a:ext cx="0" cy="429904"/>
           </a:xfrm>
           <a:prstGeom prst="straightConnector1">
             <a:avLst/>
@@ -5119,8 +9061,8 @@
         </p:nvSpPr>
         <p:spPr>
           <a:xfrm>
-            <a:off x="4115891" y="6046697"/>
-            <a:ext cx="864096" cy="432486"/>
+            <a:off x="4115892" y="6046697"/>
+            <a:ext cx="864095" cy="432487"/>
           </a:xfrm>
           <a:prstGeom prst="rect">
             <a:avLst/>
@@ -5149,12 +9091,12 @@
           </a:fontRef>
         </p:style>
         <p:txBody>
-          <a:bodyPr rtlCol="0" anchor="ctr"/>
+          <a:bodyPr lIns="91428" tIns="45714" rIns="91428" bIns="45714" rtlCol="0" anchor="ctr"/>
           <a:lstStyle/>
           <a:p>
             <a:pPr algn="ctr"/>
             <a:r>
-              <a:rPr lang="de-DE" sz="1600" b="1" dirty="0" smtClean="0">
+              <a:rPr lang="de-DE" sz="1500" b="1" dirty="0">
                 <a:solidFill>
                   <a:schemeClr val="tx1"/>
                 </a:solidFill>
@@ -5165,7 +9107,7 @@
               <a:t>GAS</a:t>
             </a:r>
             <a:br>
-              <a:rPr lang="de-DE" sz="1600" b="1" dirty="0" smtClean="0">
+              <a:rPr lang="de-DE" sz="1500" b="1" dirty="0">
                 <a:solidFill>
                   <a:schemeClr val="tx1"/>
                 </a:solidFill>
@@ -5175,7 +9117,7 @@
               </a:rPr>
             </a:br>
             <a:r>
-              <a:rPr lang="de-DE" sz="1600" b="1" dirty="0" smtClean="0">
+              <a:rPr lang="de-DE" sz="1500" b="1" dirty="0">
                 <a:solidFill>
                   <a:schemeClr val="tx1"/>
                 </a:solidFill>
@@ -5185,7 +9127,7 @@
               </a:rPr>
               <a:t>SENKE</a:t>
             </a:r>
-            <a:endParaRPr lang="de-DE" sz="1600" b="1" dirty="0">
+            <a:endParaRPr lang="de-DE" sz="1500" b="1" dirty="0">
               <a:solidFill>
                 <a:schemeClr val="tx1"/>
               </a:solidFill>
@@ -5204,8 +9146,8 @@
         </p:nvSpPr>
         <p:spPr>
           <a:xfrm>
-            <a:off x="6285981" y="2891357"/>
-            <a:ext cx="864096" cy="432486"/>
+            <a:off x="6285983" y="2891358"/>
+            <a:ext cx="864095" cy="432487"/>
           </a:xfrm>
           <a:prstGeom prst="rect">
             <a:avLst/>
@@ -5237,12 +9179,12 @@
           </a:fontRef>
         </p:style>
         <p:txBody>
-          <a:bodyPr rtlCol="0" anchor="ctr"/>
+          <a:bodyPr lIns="91428" tIns="45714" rIns="91428" bIns="45714" rtlCol="0" anchor="ctr"/>
           <a:lstStyle/>
           <a:p>
             <a:pPr algn="ctr"/>
             <a:r>
-              <a:rPr lang="de-DE" sz="1600" b="1" dirty="0" smtClean="0">
+              <a:rPr lang="de-DE" sz="1500" b="1" dirty="0">
                 <a:solidFill>
                   <a:schemeClr val="tx1"/>
                 </a:solidFill>
@@ -5252,7 +9194,7 @@
               </a:rPr>
               <a:t>SPEICHER</a:t>
             </a:r>
-            <a:endParaRPr lang="de-DE" sz="1600" b="1" dirty="0">
+            <a:endParaRPr lang="de-DE" sz="1500" b="1" dirty="0">
               <a:solidFill>
                 <a:schemeClr val="tx1"/>
               </a:solidFill>
@@ -5273,7 +9215,7 @@
         </p:nvCxnSpPr>
         <p:spPr>
           <a:xfrm flipV="1">
-            <a:off x="5206062" y="3107600"/>
+            <a:off x="5206063" y="3107601"/>
             <a:ext cx="1079919" cy="493209"/>
           </a:xfrm>
           <a:prstGeom prst="straightConnector1">
@@ -5309,7 +9251,7 @@
         </p:nvCxnSpPr>
         <p:spPr>
           <a:xfrm flipH="1">
-            <a:off x="5279906" y="3216424"/>
+            <a:off x="5279907" y="3216424"/>
             <a:ext cx="940670" cy="396637"/>
           </a:xfrm>
           <a:prstGeom prst="straightConnector1">
@@ -5345,8 +9287,8 @@
         </p:nvSpPr>
         <p:spPr>
           <a:xfrm>
-            <a:off x="2766328" y="6984334"/>
-            <a:ext cx="864096" cy="432486"/>
+            <a:off x="2766330" y="6984335"/>
+            <a:ext cx="864095" cy="432487"/>
           </a:xfrm>
           <a:prstGeom prst="rect">
             <a:avLst/>
@@ -5375,12 +9317,12 @@
           </a:fontRef>
         </p:style>
         <p:txBody>
-          <a:bodyPr rtlCol="0" anchor="ctr"/>
+          <a:bodyPr lIns="91428" tIns="45714" rIns="91428" bIns="45714" rtlCol="0" anchor="ctr"/>
           <a:lstStyle/>
           <a:p>
             <a:pPr algn="ctr"/>
             <a:r>
-              <a:rPr lang="de-DE" sz="1600" b="1" dirty="0" smtClean="0">
+              <a:rPr lang="de-DE" sz="1500" b="1" dirty="0">
                 <a:solidFill>
                   <a:schemeClr val="tx1"/>
                 </a:solidFill>
@@ -5390,7 +9332,7 @@
               </a:rPr>
               <a:t>DSM</a:t>
             </a:r>
-            <a:endParaRPr lang="de-DE" sz="1600" b="1" dirty="0">
+            <a:endParaRPr lang="de-DE" sz="1500" b="1" dirty="0">
               <a:solidFill>
                 <a:schemeClr val="tx1"/>
               </a:solidFill>
@@ -5409,8 +9351,8 @@
         </p:nvSpPr>
         <p:spPr>
           <a:xfrm>
-            <a:off x="4080371" y="6984011"/>
-            <a:ext cx="864096" cy="432486"/>
+            <a:off x="4080372" y="6984011"/>
+            <a:ext cx="864095" cy="432487"/>
           </a:xfrm>
           <a:prstGeom prst="rect">
             <a:avLst/>
@@ -5439,12 +9381,12 @@
           </a:fontRef>
         </p:style>
         <p:txBody>
-          <a:bodyPr rtlCol="0" anchor="ctr"/>
+          <a:bodyPr lIns="91428" tIns="45714" rIns="91428" bIns="45714" rtlCol="0" anchor="ctr"/>
           <a:lstStyle/>
           <a:p>
             <a:pPr algn="ctr"/>
             <a:r>
-              <a:rPr lang="de-DE" sz="1600" b="1" dirty="0" smtClean="0">
+              <a:rPr lang="de-DE" sz="1500" b="1" dirty="0">
                 <a:solidFill>
                   <a:schemeClr val="tx1"/>
                 </a:solidFill>
@@ -5455,7 +9397,7 @@
               <a:t>VER</a:t>
             </a:r>
             <a:br>
-              <a:rPr lang="de-DE" sz="1600" b="1" dirty="0" smtClean="0">
+              <a:rPr lang="de-DE" sz="1500" b="1" dirty="0">
                 <a:solidFill>
                   <a:schemeClr val="tx1"/>
                 </a:solidFill>
@@ -5465,7 +9407,7 @@
               </a:rPr>
             </a:br>
             <a:r>
-              <a:rPr lang="de-DE" sz="1600" b="1" dirty="0" smtClean="0">
+              <a:rPr lang="de-DE" sz="1500" b="1" dirty="0">
                 <a:solidFill>
                   <a:schemeClr val="tx1"/>
                 </a:solidFill>
@@ -5475,7 +9417,7 @@
               </a:rPr>
               <a:t>LUSTE</a:t>
             </a:r>
-            <a:endParaRPr lang="de-DE" sz="1600" b="1" dirty="0">
+            <a:endParaRPr lang="de-DE" sz="1500" b="1" dirty="0">
               <a:solidFill>
                 <a:schemeClr val="tx1"/>
               </a:solidFill>
@@ -5499,14 +9441,14 @@
   <p:timing>
     <p:tnLst>
       <p:par>
-        <p:cTn id="1" dur="indefinite" restart="never" nodeType="tmRoot"/>
+        <p:cTn xmlns:p14="http://schemas.microsoft.com/office/powerpoint/2010/main" id="1" dur="indefinite" restart="never" nodeType="tmRoot"/>
       </p:par>
     </p:tnLst>
   </p:timing>
 </p:sld>
 </file>
 
-<file path=ppt/slides/slide2.xml><?xml version="1.0" encoding="utf-8"?>
+<file path=ppt/slides/slide3.xml><?xml version="1.0" encoding="utf-8"?>
 <p:sld xmlns:a="http://schemas.openxmlformats.org/drawingml/2006/main" xmlns:r="http://schemas.openxmlformats.org/officeDocument/2006/relationships" xmlns:p="http://schemas.openxmlformats.org/presentationml/2006/main">
   <p:cSld>
     <p:spTree>
@@ -5531,8 +9473,8 @@
         </p:nvSpPr>
         <p:spPr>
           <a:xfrm>
-            <a:off x="4107026" y="1324471"/>
-            <a:ext cx="8406620" cy="7435485"/>
+            <a:off x="4107027" y="1324472"/>
+            <a:ext cx="8406621" cy="7435485"/>
           </a:xfrm>
           <a:prstGeom prst="rect">
             <a:avLst/>
@@ -5561,7 +9503,7 @@
           </a:fontRef>
         </p:style>
         <p:txBody>
-          <a:bodyPr rtlCol="0" anchor="ctr"/>
+          <a:bodyPr lIns="91428" tIns="45714" rIns="91428" bIns="45714" rtlCol="0" anchor="ctr"/>
           <a:lstStyle/>
           <a:p>
             <a:pPr algn="ctr"/>
@@ -5577,8 +9519,8 @@
         </p:nvSpPr>
         <p:spPr>
           <a:xfrm>
-            <a:off x="6417024" y="1573111"/>
-            <a:ext cx="864096" cy="432486"/>
+            <a:off x="6417026" y="1573112"/>
+            <a:ext cx="864095" cy="432487"/>
           </a:xfrm>
           <a:prstGeom prst="rect">
             <a:avLst/>
@@ -5607,12 +9549,12 @@
           </a:fontRef>
         </p:style>
         <p:txBody>
-          <a:bodyPr rtlCol="0" anchor="ctr"/>
+          <a:bodyPr lIns="91428" tIns="45714" rIns="91428" bIns="45714" rtlCol="0" anchor="ctr"/>
           <a:lstStyle/>
           <a:p>
             <a:pPr algn="ctr"/>
             <a:r>
-              <a:rPr lang="de-DE" sz="1600" b="1" dirty="0" smtClean="0">
+              <a:rPr lang="de-DE" sz="1500" b="1" dirty="0">
                 <a:solidFill>
                   <a:schemeClr val="tx1"/>
                 </a:solidFill>
@@ -5622,7 +9564,7 @@
               </a:rPr>
               <a:t>WIND</a:t>
             </a:r>
-            <a:endParaRPr lang="de-DE" sz="1600" b="1" dirty="0">
+            <a:endParaRPr lang="de-DE" sz="1500" b="1" dirty="0">
               <a:solidFill>
                 <a:schemeClr val="tx1"/>
               </a:solidFill>
@@ -5641,8 +9583,8 @@
         </p:nvSpPr>
         <p:spPr>
           <a:xfrm>
-            <a:off x="7345020" y="1573111"/>
-            <a:ext cx="864096" cy="432486"/>
+            <a:off x="7345021" y="1573112"/>
+            <a:ext cx="864095" cy="432487"/>
           </a:xfrm>
           <a:prstGeom prst="rect">
             <a:avLst/>
@@ -5671,12 +9613,12 @@
           </a:fontRef>
         </p:style>
         <p:txBody>
-          <a:bodyPr rtlCol="0" anchor="ctr"/>
+          <a:bodyPr lIns="91428" tIns="45714" rIns="91428" bIns="45714" rtlCol="0" anchor="ctr"/>
           <a:lstStyle/>
           <a:p>
             <a:pPr algn="ctr"/>
             <a:r>
-              <a:rPr lang="de-DE" sz="1600" b="1" dirty="0" smtClean="0">
+              <a:rPr lang="de-DE" sz="1500" b="1" dirty="0">
                 <a:solidFill>
                   <a:schemeClr val="tx1"/>
                 </a:solidFill>
@@ -5686,7 +9628,7 @@
               </a:rPr>
               <a:t>PV</a:t>
             </a:r>
-            <a:endParaRPr lang="de-DE" sz="1600" b="1" dirty="0">
+            <a:endParaRPr lang="de-DE" sz="1500" b="1" dirty="0">
               <a:solidFill>
                 <a:schemeClr val="tx1"/>
               </a:solidFill>
@@ -5705,8 +9647,8 @@
         </p:nvSpPr>
         <p:spPr>
           <a:xfrm>
-            <a:off x="3826828" y="4698863"/>
-            <a:ext cx="864096" cy="432486"/>
+            <a:off x="3826830" y="4698862"/>
+            <a:ext cx="864095" cy="432487"/>
           </a:xfrm>
           <a:prstGeom prst="rect">
             <a:avLst/>
@@ -5735,12 +9677,12 @@
           </a:fontRef>
         </p:style>
         <p:txBody>
-          <a:bodyPr rtlCol="0" anchor="ctr"/>
+          <a:bodyPr lIns="91428" tIns="45714" rIns="91428" bIns="45714" rtlCol="0" anchor="ctr"/>
           <a:lstStyle/>
           <a:p>
             <a:pPr algn="ctr"/>
             <a:r>
-              <a:rPr lang="de-DE" sz="1600" b="1" dirty="0" smtClean="0">
+              <a:rPr lang="de-DE" sz="1500" b="1" dirty="0">
                 <a:solidFill>
                   <a:schemeClr val="tx1"/>
                 </a:solidFill>
@@ -5750,7 +9692,7 @@
               </a:rPr>
               <a:t>TRAFO</a:t>
             </a:r>
-            <a:endParaRPr lang="de-DE" sz="1600" b="1" dirty="0">
+            <a:endParaRPr lang="de-DE" sz="1500" b="1" dirty="0">
               <a:solidFill>
                 <a:schemeClr val="tx1"/>
               </a:solidFill>
@@ -5769,8 +9711,8 @@
         </p:nvSpPr>
         <p:spPr>
           <a:xfrm>
-            <a:off x="369348" y="4699303"/>
-            <a:ext cx="864096" cy="432486"/>
+            <a:off x="369349" y="4699303"/>
+            <a:ext cx="864095" cy="432487"/>
           </a:xfrm>
           <a:prstGeom prst="rect">
             <a:avLst/>
@@ -5799,12 +9741,12 @@
           </a:fontRef>
         </p:style>
         <p:txBody>
-          <a:bodyPr rtlCol="0" anchor="ctr"/>
+          <a:bodyPr lIns="91428" tIns="45714" rIns="91428" bIns="45714" rtlCol="0" anchor="ctr"/>
           <a:lstStyle/>
           <a:p>
             <a:pPr algn="ctr"/>
             <a:r>
-              <a:rPr lang="de-DE" sz="1600" b="1" dirty="0" smtClean="0">
+              <a:rPr lang="de-DE" sz="1500" b="1" dirty="0">
                 <a:solidFill>
                   <a:schemeClr val="tx1"/>
                 </a:solidFill>
@@ -5814,7 +9756,7 @@
               </a:rPr>
               <a:t>MARKT</a:t>
             </a:r>
-            <a:endParaRPr lang="de-DE" sz="1600" b="1" dirty="0">
+            <a:endParaRPr lang="de-DE" sz="1500" b="1" dirty="0">
               <a:solidFill>
                 <a:schemeClr val="tx1"/>
               </a:solidFill>
@@ -5833,8 +9775,8 @@
         </p:nvSpPr>
         <p:spPr>
           <a:xfrm>
-            <a:off x="1611794" y="6030496"/>
-            <a:ext cx="864096" cy="432486"/>
+            <a:off x="1611796" y="6030496"/>
+            <a:ext cx="864095" cy="432487"/>
           </a:xfrm>
           <a:prstGeom prst="rect">
             <a:avLst/>
@@ -5863,12 +9805,12 @@
           </a:fontRef>
         </p:style>
         <p:txBody>
-          <a:bodyPr rtlCol="0" anchor="ctr"/>
+          <a:bodyPr lIns="91428" tIns="45714" rIns="91428" bIns="45714" rtlCol="0" anchor="ctr"/>
           <a:lstStyle/>
           <a:p>
             <a:pPr algn="ctr"/>
             <a:r>
-              <a:rPr lang="de-DE" sz="1600" b="1" dirty="0" smtClean="0">
+              <a:rPr lang="de-DE" sz="1500" b="1" dirty="0">
                 <a:solidFill>
                   <a:schemeClr val="tx1"/>
                 </a:solidFill>
@@ -5878,7 +9820,7 @@
               </a:rPr>
               <a:t>SHORTAGE</a:t>
             </a:r>
-            <a:endParaRPr lang="de-DE" sz="1600" b="1" dirty="0">
+            <a:endParaRPr lang="de-DE" sz="1500" b="1" dirty="0">
               <a:solidFill>
                 <a:schemeClr val="tx1"/>
               </a:solidFill>
@@ -5897,8 +9839,8 @@
         </p:nvSpPr>
         <p:spPr>
           <a:xfrm>
-            <a:off x="11711076" y="4837551"/>
-            <a:ext cx="864096" cy="432486"/>
+            <a:off x="11711078" y="4837551"/>
+            <a:ext cx="864095" cy="432487"/>
           </a:xfrm>
           <a:prstGeom prst="rect">
             <a:avLst/>
@@ -5927,12 +9869,12 @@
           </a:fontRef>
         </p:style>
         <p:txBody>
-          <a:bodyPr rtlCol="0" anchor="ctr"/>
+          <a:bodyPr lIns="91428" tIns="45714" rIns="91428" bIns="45714" rtlCol="0" anchor="ctr"/>
           <a:lstStyle/>
           <a:p>
             <a:pPr algn="ctr"/>
             <a:r>
-              <a:rPr lang="de-DE" sz="1600" b="1" dirty="0" smtClean="0">
+              <a:rPr lang="de-DE" sz="1500" b="1" dirty="0">
                 <a:solidFill>
                   <a:schemeClr val="tx1"/>
                 </a:solidFill>
@@ -5942,7 +9884,7 @@
               </a:rPr>
               <a:t>ABREGELUNG</a:t>
             </a:r>
-            <a:endParaRPr lang="de-DE" sz="1600" b="1" dirty="0">
+            <a:endParaRPr lang="de-DE" sz="1500" b="1" dirty="0">
               <a:solidFill>
                 <a:schemeClr val="tx1"/>
               </a:solidFill>
@@ -5961,8 +9903,8 @@
         </p:nvGrpSpPr>
         <p:grpSpPr>
           <a:xfrm>
-            <a:off x="6657494" y="2365637"/>
-            <a:ext cx="1308176" cy="477054"/>
+            <a:off x="6657495" y="2365638"/>
+            <a:ext cx="1308175" cy="477054"/>
             <a:chOff x="6028728" y="2352328"/>
             <a:chExt cx="1308176" cy="477054"/>
           </a:xfrm>
@@ -6021,8 +9963,8 @@
           </p:nvSpPr>
           <p:spPr>
             <a:xfrm>
-              <a:off x="6365261" y="2390800"/>
-              <a:ext cx="635110" cy="400110"/>
+              <a:off x="6365262" y="2390800"/>
+              <a:ext cx="633632" cy="400110"/>
             </a:xfrm>
             <a:prstGeom prst="rect">
               <a:avLst/>
@@ -6040,7 +9982,7 @@
                 <a:t>b</a:t>
               </a:r>
               <a:r>
-                <a:rPr lang="de-DE" sz="2000" dirty="0" err="1" smtClean="0"/>
+                <a:rPr lang="de-DE" sz="2000" dirty="0" err="1"/>
                 <a:t>_el</a:t>
               </a:r>
               <a:endParaRPr lang="de-DE" sz="2000" dirty="0"/>
@@ -6056,8 +9998,8 @@
         </p:nvGrpSpPr>
         <p:grpSpPr>
           <a:xfrm>
-            <a:off x="1852264" y="4676579"/>
-            <a:ext cx="1308176" cy="477054"/>
+            <a:off x="1852265" y="4676579"/>
+            <a:ext cx="1308175" cy="477054"/>
             <a:chOff x="1720280" y="3675474"/>
             <a:chExt cx="1308176" cy="477054"/>
           </a:xfrm>
@@ -6116,8 +10058,8 @@
           </p:nvSpPr>
           <p:spPr>
             <a:xfrm>
-              <a:off x="2056813" y="3713946"/>
-              <a:ext cx="635110" cy="400110"/>
+              <a:off x="2056814" y="3713946"/>
+              <a:ext cx="633632" cy="400110"/>
             </a:xfrm>
             <a:prstGeom prst="rect">
               <a:avLst/>
@@ -6135,7 +10077,7 @@
                 <a:t>b</a:t>
               </a:r>
               <a:r>
-                <a:rPr lang="de-DE" sz="2000" dirty="0" err="1" smtClean="0"/>
+                <a:rPr lang="de-DE" sz="2000" dirty="0" err="1"/>
                 <a:t>_el</a:t>
               </a:r>
               <a:endParaRPr lang="de-DE" sz="2000" dirty="0"/>
@@ -6151,8 +10093,8 @@
         </p:nvGrpSpPr>
         <p:grpSpPr>
           <a:xfrm>
-            <a:off x="6650980" y="7104856"/>
-            <a:ext cx="1308176" cy="477054"/>
+            <a:off x="6650981" y="7104857"/>
+            <a:ext cx="1308175" cy="477054"/>
             <a:chOff x="4372544" y="5547682"/>
             <a:chExt cx="1308176" cy="477054"/>
           </a:xfrm>
@@ -6211,8 +10153,8 @@
           </p:nvSpPr>
           <p:spPr>
             <a:xfrm>
-              <a:off x="4709077" y="5586154"/>
-              <a:ext cx="635110" cy="400110"/>
+              <a:off x="4709078" y="5586154"/>
+              <a:ext cx="633632" cy="400110"/>
             </a:xfrm>
             <a:prstGeom prst="rect">
               <a:avLst/>
@@ -6230,7 +10172,7 @@
                 <a:t>b</a:t>
               </a:r>
               <a:r>
-                <a:rPr lang="de-DE" sz="2000" dirty="0" err="1" smtClean="0"/>
+                <a:rPr lang="de-DE" sz="2000" dirty="0" err="1"/>
                 <a:t>_el</a:t>
               </a:r>
               <a:endParaRPr lang="de-DE" sz="2000" dirty="0"/>
@@ -6246,8 +10188,8 @@
         </p:nvGrpSpPr>
         <p:grpSpPr>
           <a:xfrm>
-            <a:off x="9802390" y="3968646"/>
-            <a:ext cx="1308176" cy="477054"/>
+            <a:off x="9802391" y="3968647"/>
+            <a:ext cx="1308175" cy="477054"/>
             <a:chOff x="7840960" y="4100431"/>
             <a:chExt cx="1308176" cy="477054"/>
           </a:xfrm>
@@ -6306,8 +10248,8 @@
           </p:nvSpPr>
           <p:spPr>
             <a:xfrm>
-              <a:off x="8177493" y="4138903"/>
-              <a:ext cx="635110" cy="400110"/>
+              <a:off x="8177494" y="4138903"/>
+              <a:ext cx="633632" cy="400110"/>
             </a:xfrm>
             <a:prstGeom prst="rect">
               <a:avLst/>
@@ -6325,7 +10267,7 @@
                 <a:t>b</a:t>
               </a:r>
               <a:r>
-                <a:rPr lang="de-DE" sz="2000" dirty="0" err="1" smtClean="0"/>
+                <a:rPr lang="de-DE" sz="2000" dirty="0" err="1"/>
                 <a:t>_el</a:t>
               </a:r>
               <a:endParaRPr lang="de-DE" sz="2000" dirty="0"/>
@@ -6341,8 +10283,8 @@
         </p:nvGrpSpPr>
         <p:grpSpPr>
           <a:xfrm>
-            <a:off x="9742139" y="5624830"/>
-            <a:ext cx="1308176" cy="477054"/>
+            <a:off x="9742140" y="5624831"/>
+            <a:ext cx="1308175" cy="477054"/>
             <a:chOff x="7296635" y="5347627"/>
             <a:chExt cx="1308176" cy="477054"/>
           </a:xfrm>
@@ -6401,8 +10343,8 @@
           </p:nvSpPr>
           <p:spPr>
             <a:xfrm>
-              <a:off x="7633168" y="5386099"/>
-              <a:ext cx="635110" cy="400110"/>
+              <a:off x="7633169" y="5386099"/>
+              <a:ext cx="633632" cy="400110"/>
             </a:xfrm>
             <a:prstGeom prst="rect">
               <a:avLst/>
@@ -6420,7 +10362,7 @@
                 <a:t>b</a:t>
               </a:r>
               <a:r>
-                <a:rPr lang="de-DE" sz="2000" dirty="0" err="1" smtClean="0"/>
+                <a:rPr lang="de-DE" sz="2000" dirty="0" err="1"/>
                 <a:t>_el</a:t>
               </a:r>
               <a:endParaRPr lang="de-DE" sz="2000" dirty="0"/>
@@ -6436,8 +10378,8 @@
         </p:nvSpPr>
         <p:spPr>
           <a:xfrm>
-            <a:off x="9561920" y="3007103"/>
-            <a:ext cx="864096" cy="432486"/>
+            <a:off x="9561921" y="3007104"/>
+            <a:ext cx="864095" cy="432487"/>
           </a:xfrm>
           <a:prstGeom prst="rect">
             <a:avLst/>
@@ -6466,12 +10408,12 @@
           </a:fontRef>
         </p:style>
         <p:txBody>
-          <a:bodyPr rtlCol="0" anchor="ctr"/>
+          <a:bodyPr lIns="91428" tIns="45714" rIns="91428" bIns="45714" rtlCol="0" anchor="ctr"/>
           <a:lstStyle/>
           <a:p>
             <a:pPr algn="ctr"/>
             <a:r>
-              <a:rPr lang="de-DE" sz="1600" b="1" dirty="0" smtClean="0">
+              <a:rPr lang="de-DE" sz="1500" b="1" dirty="0">
                 <a:solidFill>
                   <a:schemeClr val="tx1"/>
                 </a:solidFill>
@@ -6481,7 +10423,7 @@
               </a:rPr>
               <a:t>WIND</a:t>
             </a:r>
-            <a:endParaRPr lang="de-DE" sz="1600" b="1" dirty="0">
+            <a:endParaRPr lang="de-DE" sz="1500" b="1" dirty="0">
               <a:solidFill>
                 <a:schemeClr val="tx1"/>
               </a:solidFill>
@@ -6500,8 +10442,8 @@
         </p:nvSpPr>
         <p:spPr>
           <a:xfrm>
-            <a:off x="10486940" y="3005540"/>
-            <a:ext cx="864096" cy="432486"/>
+            <a:off x="10486942" y="3005540"/>
+            <a:ext cx="864095" cy="432487"/>
           </a:xfrm>
           <a:prstGeom prst="rect">
             <a:avLst/>
@@ -6530,12 +10472,12 @@
           </a:fontRef>
         </p:style>
         <p:txBody>
-          <a:bodyPr rtlCol="0" anchor="ctr"/>
+          <a:bodyPr lIns="91428" tIns="45714" rIns="91428" bIns="45714" rtlCol="0" anchor="ctr"/>
           <a:lstStyle/>
           <a:p>
             <a:pPr algn="ctr"/>
             <a:r>
-              <a:rPr lang="de-DE" sz="1600" b="1" dirty="0" smtClean="0">
+              <a:rPr lang="de-DE" sz="1500" b="1" dirty="0">
                 <a:solidFill>
                   <a:schemeClr val="tx1"/>
                 </a:solidFill>
@@ -6545,7 +10487,7 @@
               </a:rPr>
               <a:t>PV</a:t>
             </a:r>
-            <a:endParaRPr lang="de-DE" sz="1600" b="1" dirty="0">
+            <a:endParaRPr lang="de-DE" sz="1500" b="1" dirty="0">
               <a:solidFill>
                 <a:schemeClr val="tx1"/>
               </a:solidFill>
@@ -6564,8 +10506,8 @@
         </p:nvSpPr>
         <p:spPr>
           <a:xfrm>
-            <a:off x="6409273" y="7896506"/>
-            <a:ext cx="864096" cy="432486"/>
+            <a:off x="6409274" y="7896506"/>
+            <a:ext cx="864095" cy="432487"/>
           </a:xfrm>
           <a:prstGeom prst="rect">
             <a:avLst/>
@@ -6594,12 +10536,12 @@
           </a:fontRef>
         </p:style>
         <p:txBody>
-          <a:bodyPr rtlCol="0" anchor="ctr"/>
+          <a:bodyPr lIns="91428" tIns="45714" rIns="91428" bIns="45714" rtlCol="0" anchor="ctr"/>
           <a:lstStyle/>
           <a:p>
             <a:pPr algn="ctr"/>
             <a:r>
-              <a:rPr lang="de-DE" sz="1600" b="1" dirty="0" smtClean="0">
+              <a:rPr lang="de-DE" sz="1500" b="1" dirty="0">
                 <a:solidFill>
                   <a:schemeClr val="tx1"/>
                 </a:solidFill>
@@ -6609,7 +10551,7 @@
               </a:rPr>
               <a:t>WIND</a:t>
             </a:r>
-            <a:endParaRPr lang="de-DE" sz="1600" b="1" dirty="0">
+            <a:endParaRPr lang="de-DE" sz="1500" b="1" dirty="0">
               <a:solidFill>
                 <a:schemeClr val="tx1"/>
               </a:solidFill>
@@ -6628,8 +10570,8 @@
         </p:nvSpPr>
         <p:spPr>
           <a:xfrm>
-            <a:off x="7335530" y="7896506"/>
-            <a:ext cx="864096" cy="432486"/>
+            <a:off x="7335532" y="7896506"/>
+            <a:ext cx="864095" cy="432487"/>
           </a:xfrm>
           <a:prstGeom prst="rect">
             <a:avLst/>
@@ -6658,12 +10600,12 @@
           </a:fontRef>
         </p:style>
         <p:txBody>
-          <a:bodyPr rtlCol="0" anchor="ctr"/>
+          <a:bodyPr lIns="91428" tIns="45714" rIns="91428" bIns="45714" rtlCol="0" anchor="ctr"/>
           <a:lstStyle/>
           <a:p>
             <a:pPr algn="ctr"/>
             <a:r>
-              <a:rPr lang="de-DE" sz="1600" b="1" dirty="0" smtClean="0">
+              <a:rPr lang="de-DE" sz="1500" b="1" dirty="0">
                 <a:solidFill>
                   <a:schemeClr val="tx1"/>
                 </a:solidFill>
@@ -6673,7 +10615,7 @@
               </a:rPr>
               <a:t>PV</a:t>
             </a:r>
-            <a:endParaRPr lang="de-DE" sz="1600" b="1" dirty="0">
+            <a:endParaRPr lang="de-DE" sz="1500" b="1" dirty="0">
               <a:solidFill>
                 <a:schemeClr val="tx1"/>
               </a:solidFill>
@@ -6692,8 +10634,8 @@
         </p:nvSpPr>
         <p:spPr>
           <a:xfrm>
-            <a:off x="9501669" y="6467175"/>
-            <a:ext cx="864096" cy="432486"/>
+            <a:off x="9501671" y="6467176"/>
+            <a:ext cx="864095" cy="432487"/>
           </a:xfrm>
           <a:prstGeom prst="rect">
             <a:avLst/>
@@ -6722,12 +10664,12 @@
           </a:fontRef>
         </p:style>
         <p:txBody>
-          <a:bodyPr rtlCol="0" anchor="ctr"/>
+          <a:bodyPr lIns="91428" tIns="45714" rIns="91428" bIns="45714" rtlCol="0" anchor="ctr"/>
           <a:lstStyle/>
           <a:p>
             <a:pPr algn="ctr"/>
             <a:r>
-              <a:rPr lang="de-DE" sz="1600" b="1" dirty="0" smtClean="0">
+              <a:rPr lang="de-DE" sz="1500" b="1" dirty="0">
                 <a:solidFill>
                   <a:schemeClr val="tx1"/>
                 </a:solidFill>
@@ -6737,7 +10679,7 @@
               </a:rPr>
               <a:t>WIND</a:t>
             </a:r>
-            <a:endParaRPr lang="de-DE" sz="1600" b="1" dirty="0">
+            <a:endParaRPr lang="de-DE" sz="1500" b="1" dirty="0">
               <a:solidFill>
                 <a:schemeClr val="tx1"/>
               </a:solidFill>
@@ -6756,8 +10698,8 @@
         </p:nvSpPr>
         <p:spPr>
           <a:xfrm>
-            <a:off x="10426689" y="6461458"/>
-            <a:ext cx="864096" cy="432486"/>
+            <a:off x="10426690" y="6461458"/>
+            <a:ext cx="864095" cy="432487"/>
           </a:xfrm>
           <a:prstGeom prst="rect">
             <a:avLst/>
@@ -6786,12 +10728,12 @@
           </a:fontRef>
         </p:style>
         <p:txBody>
-          <a:bodyPr rtlCol="0" anchor="ctr"/>
+          <a:bodyPr lIns="91428" tIns="45714" rIns="91428" bIns="45714" rtlCol="0" anchor="ctr"/>
           <a:lstStyle/>
           <a:p>
             <a:pPr algn="ctr"/>
             <a:r>
-              <a:rPr lang="de-DE" sz="1600" b="1" dirty="0" smtClean="0">
+              <a:rPr lang="de-DE" sz="1500" b="1" dirty="0">
                 <a:solidFill>
                   <a:schemeClr val="tx1"/>
                 </a:solidFill>
@@ -6801,7 +10743,7 @@
               </a:rPr>
               <a:t>PV</a:t>
             </a:r>
-            <a:endParaRPr lang="de-DE" sz="1600" b="1" dirty="0">
+            <a:endParaRPr lang="de-DE" sz="1500" b="1" dirty="0">
               <a:solidFill>
                 <a:schemeClr val="tx1"/>
               </a:solidFill>
@@ -6820,8 +10762,8 @@
         </p:nvGrpSpPr>
         <p:grpSpPr>
           <a:xfrm>
-            <a:off x="6660470" y="4676579"/>
-            <a:ext cx="1308176" cy="477054"/>
+            <a:off x="6660472" y="4676579"/>
+            <a:ext cx="1308175" cy="477054"/>
             <a:chOff x="4054989" y="3675474"/>
             <a:chExt cx="1308176" cy="477054"/>
           </a:xfrm>
@@ -6880,8 +10822,8 @@
           </p:nvSpPr>
           <p:spPr>
             <a:xfrm>
-              <a:off x="4391522" y="3713946"/>
-              <a:ext cx="635110" cy="400110"/>
+              <a:off x="4391523" y="3713946"/>
+              <a:ext cx="633632" cy="400110"/>
             </a:xfrm>
             <a:prstGeom prst="rect">
               <a:avLst/>
@@ -6899,7 +10841,7 @@
                 <a:t>b</a:t>
               </a:r>
               <a:r>
-                <a:rPr lang="de-DE" sz="2000" dirty="0" err="1" smtClean="0"/>
+                <a:rPr lang="de-DE" sz="2000" dirty="0" err="1"/>
                 <a:t>_el</a:t>
               </a:r>
               <a:endParaRPr lang="de-DE" sz="2000" dirty="0"/>
@@ -6915,8 +10857,8 @@
         </p:nvSpPr>
         <p:spPr>
           <a:xfrm>
-            <a:off x="6882510" y="3267660"/>
-            <a:ext cx="864096" cy="432486"/>
+            <a:off x="6882512" y="3267661"/>
+            <a:ext cx="864095" cy="432487"/>
           </a:xfrm>
           <a:prstGeom prst="rect">
             <a:avLst/>
@@ -6945,12 +10887,12 @@
           </a:fontRef>
         </p:style>
         <p:txBody>
-          <a:bodyPr rtlCol="0" anchor="ctr"/>
+          <a:bodyPr lIns="91428" tIns="45714" rIns="91428" bIns="45714" rtlCol="0" anchor="ctr"/>
           <a:lstStyle/>
           <a:p>
             <a:pPr algn="ctr"/>
             <a:r>
-              <a:rPr lang="de-DE" sz="1600" b="1" dirty="0" smtClean="0">
+              <a:rPr lang="de-DE" sz="1500" b="1" dirty="0">
                 <a:solidFill>
                   <a:schemeClr val="tx1"/>
                 </a:solidFill>
@@ -6960,7 +10902,7 @@
               </a:rPr>
               <a:t>TRAFO</a:t>
             </a:r>
-            <a:endParaRPr lang="de-DE" sz="1600" b="1" dirty="0">
+            <a:endParaRPr lang="de-DE" sz="1500" b="1" dirty="0">
               <a:solidFill>
                 <a:schemeClr val="tx1"/>
               </a:solidFill>
@@ -6979,8 +10921,8 @@
         </p:nvSpPr>
         <p:spPr>
           <a:xfrm>
-            <a:off x="8362230" y="4200259"/>
-            <a:ext cx="864096" cy="432486"/>
+            <a:off x="8362232" y="4200260"/>
+            <a:ext cx="864095" cy="432487"/>
           </a:xfrm>
           <a:prstGeom prst="rect">
             <a:avLst/>
@@ -7009,12 +10951,12 @@
           </a:fontRef>
         </p:style>
         <p:txBody>
-          <a:bodyPr rtlCol="0" anchor="ctr"/>
+          <a:bodyPr lIns="91428" tIns="45714" rIns="91428" bIns="45714" rtlCol="0" anchor="ctr"/>
           <a:lstStyle/>
           <a:p>
             <a:pPr algn="ctr"/>
             <a:r>
-              <a:rPr lang="de-DE" sz="1600" b="1" dirty="0" smtClean="0">
+              <a:rPr lang="de-DE" sz="1500" b="1" dirty="0">
                 <a:solidFill>
                   <a:schemeClr val="tx1"/>
                 </a:solidFill>
@@ -7024,7 +10966,7 @@
               </a:rPr>
               <a:t>TRAFO</a:t>
             </a:r>
-            <a:endParaRPr lang="de-DE" sz="1600" b="1" dirty="0">
+            <a:endParaRPr lang="de-DE" sz="1500" b="1" dirty="0">
               <a:solidFill>
                 <a:schemeClr val="tx1"/>
               </a:solidFill>
@@ -7043,8 +10985,8 @@
         </p:nvSpPr>
         <p:spPr>
           <a:xfrm>
-            <a:off x="8362230" y="5447059"/>
-            <a:ext cx="864096" cy="432486"/>
+            <a:off x="8362232" y="5447059"/>
+            <a:ext cx="864095" cy="432487"/>
           </a:xfrm>
           <a:prstGeom prst="rect">
             <a:avLst/>
@@ -7073,12 +11015,12 @@
           </a:fontRef>
         </p:style>
         <p:txBody>
-          <a:bodyPr rtlCol="0" anchor="ctr"/>
+          <a:bodyPr lIns="91428" tIns="45714" rIns="91428" bIns="45714" rtlCol="0" anchor="ctr"/>
           <a:lstStyle/>
           <a:p>
             <a:pPr algn="ctr"/>
             <a:r>
-              <a:rPr lang="de-DE" sz="1600" b="1" dirty="0" smtClean="0">
+              <a:rPr lang="de-DE" sz="1500" b="1" dirty="0">
                 <a:solidFill>
                   <a:schemeClr val="tx1"/>
                 </a:solidFill>
@@ -7088,7 +11030,7 @@
               </a:rPr>
               <a:t>TRAFO</a:t>
             </a:r>
-            <a:endParaRPr lang="de-DE" sz="1600" b="1" dirty="0">
+            <a:endParaRPr lang="de-DE" sz="1500" b="1" dirty="0">
               <a:solidFill>
                 <a:schemeClr val="tx1"/>
               </a:solidFill>
@@ -7107,8 +11049,8 @@
         </p:nvSpPr>
         <p:spPr>
           <a:xfrm>
-            <a:off x="6876494" y="6173892"/>
-            <a:ext cx="864096" cy="432486"/>
+            <a:off x="6876496" y="6173893"/>
+            <a:ext cx="864095" cy="432487"/>
           </a:xfrm>
           <a:prstGeom prst="rect">
             <a:avLst/>
@@ -7137,12 +11079,12 @@
           </a:fontRef>
         </p:style>
         <p:txBody>
-          <a:bodyPr rtlCol="0" anchor="ctr"/>
+          <a:bodyPr lIns="91428" tIns="45714" rIns="91428" bIns="45714" rtlCol="0" anchor="ctr"/>
           <a:lstStyle/>
           <a:p>
             <a:pPr algn="ctr"/>
             <a:r>
-              <a:rPr lang="de-DE" sz="1600" b="1" dirty="0" smtClean="0">
+              <a:rPr lang="de-DE" sz="1500" b="1" dirty="0">
                 <a:solidFill>
                   <a:schemeClr val="tx1"/>
                 </a:solidFill>
@@ -7152,7 +11094,7 @@
               </a:rPr>
               <a:t>TRAFO</a:t>
             </a:r>
-            <a:endParaRPr lang="de-DE" sz="1600" b="1" dirty="0">
+            <a:endParaRPr lang="de-DE" sz="1500" b="1" dirty="0">
               <a:solidFill>
                 <a:schemeClr val="tx1"/>
               </a:solidFill>
@@ -7174,7 +11116,7 @@
         </p:nvCxnSpPr>
         <p:spPr>
           <a:xfrm>
-            <a:off x="9993968" y="3439589"/>
+            <a:off x="9993969" y="3439589"/>
             <a:ext cx="0" cy="598920"/>
           </a:xfrm>
           <a:prstGeom prst="straightConnector1">
@@ -7214,7 +11156,7 @@
         <p:spPr>
           <a:xfrm>
             <a:off x="10918988" y="3438026"/>
-            <a:ext cx="0" cy="600483"/>
+            <a:ext cx="0" cy="600482"/>
           </a:xfrm>
           <a:prstGeom prst="straightConnector1">
             <a:avLst/>
@@ -7252,7 +11194,7 @@
         </p:nvCxnSpPr>
         <p:spPr>
           <a:xfrm flipH="1">
-            <a:off x="9226326" y="4207173"/>
+            <a:off x="9226326" y="4207175"/>
             <a:ext cx="576064" cy="209329"/>
           </a:xfrm>
           <a:prstGeom prst="straightConnector1">
@@ -7291,7 +11233,7 @@
         </p:nvCxnSpPr>
         <p:spPr>
           <a:xfrm flipV="1">
-            <a:off x="9933717" y="6032021"/>
+            <a:off x="9933717" y="6032022"/>
             <a:ext cx="0" cy="435154"/>
           </a:xfrm>
           <a:prstGeom prst="straightConnector1">
@@ -7330,7 +11272,7 @@
         </p:nvCxnSpPr>
         <p:spPr>
           <a:xfrm flipV="1">
-            <a:off x="10858737" y="6032021"/>
+            <a:off x="10858737" y="6032023"/>
             <a:ext cx="0" cy="429437"/>
           </a:xfrm>
           <a:prstGeom prst="straightConnector1">
@@ -7369,8 +11311,8 @@
         </p:nvCxnSpPr>
         <p:spPr>
           <a:xfrm flipH="1" flipV="1">
-            <a:off x="9226326" y="5663302"/>
-            <a:ext cx="515813" cy="200055"/>
+            <a:off x="9226326" y="5663303"/>
+            <a:ext cx="515813" cy="200054"/>
           </a:xfrm>
           <a:prstGeom prst="straightConnector1">
             <a:avLst/>
@@ -7408,8 +11350,8 @@
         </p:nvCxnSpPr>
         <p:spPr>
           <a:xfrm flipH="1" flipV="1">
-            <a:off x="7777068" y="5083770"/>
-            <a:ext cx="585162" cy="579532"/>
+            <a:off x="7777069" y="5083772"/>
+            <a:ext cx="585162" cy="579531"/>
           </a:xfrm>
           <a:prstGeom prst="straightConnector1">
             <a:avLst/>
@@ -7447,8 +11389,8 @@
         </p:nvCxnSpPr>
         <p:spPr>
           <a:xfrm flipH="1">
-            <a:off x="7777068" y="4416502"/>
-            <a:ext cx="585162" cy="329940"/>
+            <a:off x="7777069" y="4416504"/>
+            <a:ext cx="585162" cy="329939"/>
           </a:xfrm>
           <a:prstGeom prst="straightConnector1">
             <a:avLst/>
@@ -7486,8 +11428,8 @@
         </p:nvCxnSpPr>
         <p:spPr>
           <a:xfrm>
-            <a:off x="6849072" y="2005597"/>
-            <a:ext cx="0" cy="429903"/>
+            <a:off x="6849072" y="2005596"/>
+            <a:ext cx="0" cy="429904"/>
           </a:xfrm>
           <a:prstGeom prst="straightConnector1">
             <a:avLst/>
@@ -7525,8 +11467,8 @@
         </p:nvCxnSpPr>
         <p:spPr>
           <a:xfrm flipH="1">
-            <a:off x="7774092" y="2005597"/>
-            <a:ext cx="2976" cy="429903"/>
+            <a:off x="7774092" y="2005596"/>
+            <a:ext cx="2976" cy="429904"/>
           </a:xfrm>
           <a:prstGeom prst="straightConnector1">
             <a:avLst/>
@@ -7564,7 +11506,7 @@
         </p:nvCxnSpPr>
         <p:spPr>
           <a:xfrm>
-            <a:off x="7311582" y="2842691"/>
+            <a:off x="7311581" y="2842692"/>
             <a:ext cx="2976" cy="424969"/>
           </a:xfrm>
           <a:prstGeom prst="straightConnector1">
@@ -7603,7 +11545,7 @@
         </p:nvCxnSpPr>
         <p:spPr>
           <a:xfrm>
-            <a:off x="7314558" y="3700146"/>
+            <a:off x="7314558" y="3700147"/>
             <a:ext cx="0" cy="976433"/>
           </a:xfrm>
           <a:prstGeom prst="straightConnector1">
@@ -7642,8 +11584,8 @@
         </p:nvCxnSpPr>
         <p:spPr>
           <a:xfrm flipV="1">
-            <a:off x="7308542" y="5153633"/>
-            <a:ext cx="6016" cy="1020259"/>
+            <a:off x="7308542" y="5153634"/>
+            <a:ext cx="6016" cy="1020258"/>
           </a:xfrm>
           <a:prstGeom prst="straightConnector1">
             <a:avLst/>
@@ -7681,8 +11623,8 @@
         </p:nvCxnSpPr>
         <p:spPr>
           <a:xfrm flipV="1">
-            <a:off x="7305068" y="6606378"/>
-            <a:ext cx="3474" cy="498478"/>
+            <a:off x="7305069" y="6606378"/>
+            <a:ext cx="3473" cy="498478"/>
           </a:xfrm>
           <a:prstGeom prst="straightConnector1">
             <a:avLst/>
@@ -7721,7 +11663,7 @@
         <p:spPr>
           <a:xfrm flipV="1">
             <a:off x="6841321" y="7512047"/>
-            <a:ext cx="1237" cy="384459"/>
+            <a:ext cx="1238" cy="384460"/>
           </a:xfrm>
           <a:prstGeom prst="straightConnector1">
             <a:avLst/>
@@ -7760,7 +11702,7 @@
         <p:spPr>
           <a:xfrm flipV="1">
             <a:off x="7767578" y="7512047"/>
-            <a:ext cx="0" cy="384459"/>
+            <a:ext cx="0" cy="384460"/>
           </a:xfrm>
           <a:prstGeom prst="straightConnector1">
             <a:avLst/>
@@ -7797,8 +11739,8 @@
         </p:nvCxnSpPr>
         <p:spPr>
           <a:xfrm flipH="1">
-            <a:off x="4690924" y="4915106"/>
-            <a:ext cx="1969546" cy="440"/>
+            <a:off x="4690925" y="4915106"/>
+            <a:ext cx="1969547" cy="440"/>
           </a:xfrm>
           <a:prstGeom prst="straightConnector1">
             <a:avLst/>
@@ -7836,8 +11778,8 @@
         </p:nvCxnSpPr>
         <p:spPr>
           <a:xfrm flipH="1">
-            <a:off x="3160440" y="4915106"/>
-            <a:ext cx="666388" cy="0"/>
+            <a:off x="3160441" y="4915106"/>
+            <a:ext cx="666387" cy="0"/>
           </a:xfrm>
           <a:prstGeom prst="straightConnector1">
             <a:avLst/>
@@ -7875,7 +11817,7 @@
         </p:nvCxnSpPr>
         <p:spPr>
           <a:xfrm flipH="1">
-            <a:off x="1233444" y="4915106"/>
+            <a:off x="1233445" y="4915106"/>
             <a:ext cx="618820" cy="440"/>
           </a:xfrm>
           <a:prstGeom prst="straightConnector1">
@@ -7914,8 +11856,8 @@
         </p:nvCxnSpPr>
         <p:spPr>
           <a:xfrm flipV="1">
-            <a:off x="7959156" y="5270037"/>
-            <a:ext cx="4183968" cy="2073346"/>
+            <a:off x="7959156" y="5270038"/>
+            <a:ext cx="4183969" cy="2073345"/>
           </a:xfrm>
           <a:prstGeom prst="bentConnector2">
             <a:avLst/>
@@ -7994,8 +11936,8 @@
         </p:nvCxnSpPr>
         <p:spPr>
           <a:xfrm>
-            <a:off x="7965670" y="2604164"/>
-            <a:ext cx="4177454" cy="2233387"/>
+            <a:off x="7965670" y="2604165"/>
+            <a:ext cx="4177454" cy="2233386"/>
           </a:xfrm>
           <a:prstGeom prst="bentConnector2">
             <a:avLst/>
@@ -8034,8 +11976,8 @@
         </p:nvCxnSpPr>
         <p:spPr>
           <a:xfrm>
-            <a:off x="11110566" y="4207173"/>
-            <a:ext cx="1032558" cy="630378"/>
+            <a:off x="11110568" y="4207174"/>
+            <a:ext cx="1032557" cy="630378"/>
           </a:xfrm>
           <a:prstGeom prst="bentConnector2">
             <a:avLst/>
@@ -8071,8 +12013,8 @@
         </p:nvSpPr>
         <p:spPr>
           <a:xfrm>
-            <a:off x="2552400" y="6024736"/>
-            <a:ext cx="864096" cy="432486"/>
+            <a:off x="2552401" y="6024737"/>
+            <a:ext cx="864095" cy="432487"/>
           </a:xfrm>
           <a:prstGeom prst="rect">
             <a:avLst/>
@@ -8101,12 +12043,12 @@
           </a:fontRef>
         </p:style>
         <p:txBody>
-          <a:bodyPr rtlCol="0" anchor="ctr"/>
+          <a:bodyPr lIns="91428" tIns="45714" rIns="91428" bIns="45714" rtlCol="0" anchor="ctr"/>
           <a:lstStyle/>
           <a:p>
             <a:pPr algn="ctr"/>
             <a:r>
-              <a:rPr lang="de-DE" sz="1600" b="1" dirty="0" smtClean="0">
+              <a:rPr lang="de-DE" sz="1500" b="1" dirty="0">
                 <a:solidFill>
                   <a:schemeClr val="tx1"/>
                 </a:solidFill>
@@ -8116,7 +12058,7 @@
               </a:rPr>
               <a:t>ABREGELUNG</a:t>
             </a:r>
-            <a:endParaRPr lang="de-DE" sz="1600" b="1" dirty="0">
+            <a:endParaRPr lang="de-DE" sz="1500" b="1" dirty="0">
               <a:solidFill>
                 <a:schemeClr val="tx1"/>
               </a:solidFill>
@@ -8138,8 +12080,8 @@
         </p:nvCxnSpPr>
         <p:spPr>
           <a:xfrm>
-            <a:off x="2968862" y="5083770"/>
-            <a:ext cx="15586" cy="940966"/>
+            <a:off x="2968863" y="5083770"/>
+            <a:ext cx="15586" cy="940967"/>
           </a:xfrm>
           <a:prstGeom prst="straightConnector1">
             <a:avLst/>
@@ -8215,8 +12157,8 @@
         </p:nvSpPr>
         <p:spPr>
           <a:xfrm>
-            <a:off x="492965" y="336104"/>
-            <a:ext cx="864096" cy="432486"/>
+            <a:off x="492966" y="336104"/>
+            <a:ext cx="864095" cy="432487"/>
           </a:xfrm>
           <a:prstGeom prst="rect">
             <a:avLst/>
@@ -8245,12 +12187,12 @@
           </a:fontRef>
         </p:style>
         <p:txBody>
-          <a:bodyPr rtlCol="0" anchor="ctr"/>
+          <a:bodyPr lIns="91428" tIns="45714" rIns="91428" bIns="45714" rtlCol="0" anchor="ctr"/>
           <a:lstStyle/>
           <a:p>
             <a:pPr algn="ctr"/>
             <a:r>
-              <a:rPr lang="de-DE" sz="1600" b="1" dirty="0" smtClean="0">
+              <a:rPr lang="de-DE" sz="1500" b="1" dirty="0">
                 <a:solidFill>
                   <a:schemeClr val="tx1"/>
                 </a:solidFill>
@@ -8260,7 +12202,7 @@
               </a:rPr>
               <a:t>SENKE</a:t>
             </a:r>
-            <a:endParaRPr lang="de-DE" sz="1600" b="1" dirty="0">
+            <a:endParaRPr lang="de-DE" sz="1500" b="1" dirty="0">
               <a:solidFill>
                 <a:schemeClr val="tx1"/>
               </a:solidFill>
@@ -8279,8 +12221,8 @@
         </p:nvSpPr>
         <p:spPr>
           <a:xfrm>
-            <a:off x="492965" y="821061"/>
-            <a:ext cx="864096" cy="432486"/>
+            <a:off x="492966" y="821061"/>
+            <a:ext cx="864095" cy="432487"/>
           </a:xfrm>
           <a:prstGeom prst="rect">
             <a:avLst/>
@@ -8309,12 +12251,12 @@
           </a:fontRef>
         </p:style>
         <p:txBody>
-          <a:bodyPr rtlCol="0" anchor="ctr"/>
+          <a:bodyPr lIns="91428" tIns="45714" rIns="91428" bIns="45714" rtlCol="0" anchor="ctr"/>
           <a:lstStyle/>
           <a:p>
             <a:pPr algn="ctr"/>
             <a:r>
-              <a:rPr lang="de-DE" sz="1400" b="1" dirty="0" smtClean="0">
+              <a:rPr lang="de-DE" sz="1400" b="1" dirty="0">
                 <a:solidFill>
                   <a:schemeClr val="tx1"/>
                 </a:solidFill>
@@ -8343,8 +12285,8 @@
         </p:nvSpPr>
         <p:spPr>
           <a:xfrm>
-            <a:off x="492965" y="1281955"/>
-            <a:ext cx="864096" cy="432486"/>
+            <a:off x="492966" y="1281955"/>
+            <a:ext cx="864095" cy="432487"/>
           </a:xfrm>
           <a:prstGeom prst="rect">
             <a:avLst/>
@@ -8373,12 +12315,12 @@
           </a:fontRef>
         </p:style>
         <p:txBody>
-          <a:bodyPr rtlCol="0" anchor="ctr"/>
+          <a:bodyPr lIns="91428" tIns="45714" rIns="91428" bIns="45714" rtlCol="0" anchor="ctr"/>
           <a:lstStyle/>
           <a:p>
             <a:pPr algn="ctr"/>
             <a:r>
-              <a:rPr lang="de-DE" sz="1400" b="1" dirty="0" smtClean="0">
+              <a:rPr lang="de-DE" sz="1400" b="1" dirty="0">
                 <a:solidFill>
                   <a:schemeClr val="tx1"/>
                 </a:solidFill>
@@ -8407,8 +12349,8 @@
         </p:nvSpPr>
         <p:spPr>
           <a:xfrm>
-            <a:off x="503147" y="1775826"/>
-            <a:ext cx="864096" cy="432486"/>
+            <a:off x="503148" y="1775826"/>
+            <a:ext cx="864095" cy="432487"/>
           </a:xfrm>
           <a:prstGeom prst="rect">
             <a:avLst/>
@@ -8437,12 +12379,12 @@
           </a:fontRef>
         </p:style>
         <p:txBody>
-          <a:bodyPr rtlCol="0" anchor="ctr"/>
+          <a:bodyPr lIns="91428" tIns="45714" rIns="91428" bIns="45714" rtlCol="0" anchor="ctr"/>
           <a:lstStyle/>
           <a:p>
             <a:pPr algn="ctr"/>
             <a:r>
-              <a:rPr lang="de-DE" sz="1400" b="1" dirty="0" smtClean="0">
+              <a:rPr lang="de-DE" sz="1400" b="1" dirty="0">
                 <a:solidFill>
                   <a:schemeClr val="tx1"/>
                 </a:solidFill>
@@ -8471,8 +12413,8 @@
         </p:nvSpPr>
         <p:spPr>
           <a:xfrm>
-            <a:off x="503147" y="2279882"/>
-            <a:ext cx="864096" cy="432486"/>
+            <a:off x="503148" y="2279882"/>
+            <a:ext cx="864095" cy="432487"/>
           </a:xfrm>
           <a:prstGeom prst="rect">
             <a:avLst/>
@@ -8501,12 +12443,12 @@
           </a:fontRef>
         </p:style>
         <p:txBody>
-          <a:bodyPr rtlCol="0" anchor="ctr"/>
+          <a:bodyPr lIns="91428" tIns="45714" rIns="91428" bIns="45714" rtlCol="0" anchor="ctr"/>
           <a:lstStyle/>
           <a:p>
             <a:pPr algn="ctr"/>
             <a:r>
-              <a:rPr lang="de-DE" sz="1600" b="1" dirty="0" smtClean="0">
+              <a:rPr lang="de-DE" sz="1500" b="1" dirty="0">
                 <a:solidFill>
                   <a:schemeClr val="tx1"/>
                 </a:solidFill>
@@ -8516,7 +12458,7 @@
               </a:rPr>
               <a:t>TRAFO</a:t>
             </a:r>
-            <a:endParaRPr lang="de-DE" sz="1600" b="1" dirty="0">
+            <a:endParaRPr lang="de-DE" sz="1500" b="1" dirty="0">
               <a:solidFill>
                 <a:schemeClr val="tx1"/>
               </a:solidFill>
@@ -8535,7 +12477,7 @@
         </p:nvSpPr>
         <p:spPr>
           <a:xfrm>
-            <a:off x="1367243" y="861940"/>
+            <a:off x="1367245" y="861942"/>
             <a:ext cx="678391" cy="307777"/>
           </a:xfrm>
           <a:prstGeom prst="rect">
@@ -8544,13 +12486,13 @@
           <a:noFill/>
         </p:spPr>
         <p:txBody>
-          <a:bodyPr wrap="none" rtlCol="0">
+          <a:bodyPr wrap="none" lIns="91428" tIns="45714" rIns="91428" bIns="45714" rtlCol="0">
             <a:spAutoFit/>
           </a:bodyPr>
           <a:lstStyle/>
           <a:p>
             <a:r>
-              <a:rPr lang="de-DE" sz="1400" dirty="0" smtClean="0">
+              <a:rPr lang="de-DE" sz="1400" dirty="0">
                 <a:latin typeface="Roboto Light" panose="02000000000000000000" pitchFamily="2" charset="0"/>
                 <a:ea typeface="Roboto Light" panose="02000000000000000000" pitchFamily="2" charset="0"/>
                 <a:cs typeface="Roboto Light" panose="02000000000000000000" pitchFamily="2" charset="0"/>
@@ -8558,7 +12500,7 @@
               <a:t>(</a:t>
             </a:r>
             <a:r>
-              <a:rPr lang="de-DE" sz="1400" dirty="0" err="1" smtClean="0">
+              <a:rPr lang="de-DE" sz="1400" dirty="0" err="1">
                 <a:latin typeface="Roboto Light" panose="02000000000000000000" pitchFamily="2" charset="0"/>
                 <a:ea typeface="Roboto Light" panose="02000000000000000000" pitchFamily="2" charset="0"/>
                 <a:cs typeface="Roboto Light" panose="02000000000000000000" pitchFamily="2" charset="0"/>
@@ -8566,7 +12508,7 @@
               <a:t>fixed</a:t>
             </a:r>
             <a:r>
-              <a:rPr lang="de-DE" sz="1400" dirty="0" smtClean="0">
+              <a:rPr lang="de-DE" sz="1400" dirty="0">
                 <a:latin typeface="Roboto Light" panose="02000000000000000000" pitchFamily="2" charset="0"/>
                 <a:ea typeface="Roboto Light" panose="02000000000000000000" pitchFamily="2" charset="0"/>
                 <a:cs typeface="Roboto Light" panose="02000000000000000000" pitchFamily="2" charset="0"/>
@@ -8589,7 +12531,7 @@
         </p:nvSpPr>
         <p:spPr>
           <a:xfrm>
-            <a:off x="1360240" y="1324471"/>
+            <a:off x="1360241" y="1324472"/>
             <a:ext cx="678391" cy="307777"/>
           </a:xfrm>
           <a:prstGeom prst="rect">
@@ -8598,13 +12540,13 @@
           <a:noFill/>
         </p:spPr>
         <p:txBody>
-          <a:bodyPr wrap="none" rtlCol="0">
+          <a:bodyPr wrap="none" lIns="91428" tIns="45714" rIns="91428" bIns="45714" rtlCol="0">
             <a:spAutoFit/>
           </a:bodyPr>
           <a:lstStyle/>
           <a:p>
             <a:r>
-              <a:rPr lang="de-DE" sz="1400" dirty="0" smtClean="0">
+              <a:rPr lang="de-DE" sz="1400" dirty="0">
                 <a:latin typeface="Roboto Light" panose="02000000000000000000" pitchFamily="2" charset="0"/>
                 <a:ea typeface="Roboto Light" panose="02000000000000000000" pitchFamily="2" charset="0"/>
                 <a:cs typeface="Roboto Light" panose="02000000000000000000" pitchFamily="2" charset="0"/>
@@ -8612,7 +12554,7 @@
               <a:t>(</a:t>
             </a:r>
             <a:r>
-              <a:rPr lang="de-DE" sz="1400" dirty="0" err="1" smtClean="0">
+              <a:rPr lang="de-DE" sz="1400" dirty="0" err="1">
                 <a:latin typeface="Roboto Light" panose="02000000000000000000" pitchFamily="2" charset="0"/>
                 <a:ea typeface="Roboto Light" panose="02000000000000000000" pitchFamily="2" charset="0"/>
                 <a:cs typeface="Roboto Light" panose="02000000000000000000" pitchFamily="2" charset="0"/>
@@ -8620,7 +12562,7 @@
               <a:t>fixed</a:t>
             </a:r>
             <a:r>
-              <a:rPr lang="de-DE" sz="1400" dirty="0" smtClean="0">
+              <a:rPr lang="de-DE" sz="1400" dirty="0">
                 <a:latin typeface="Roboto Light" panose="02000000000000000000" pitchFamily="2" charset="0"/>
                 <a:ea typeface="Roboto Light" panose="02000000000000000000" pitchFamily="2" charset="0"/>
                 <a:cs typeface="Roboto Light" panose="02000000000000000000" pitchFamily="2" charset="0"/>
@@ -8643,8 +12585,8 @@
         </p:nvSpPr>
         <p:spPr>
           <a:xfrm>
-            <a:off x="492965" y="2784963"/>
-            <a:ext cx="864096" cy="432486"/>
+            <a:off x="492966" y="2784963"/>
+            <a:ext cx="864095" cy="432487"/>
           </a:xfrm>
           <a:prstGeom prst="rect">
             <a:avLst/>
@@ -8676,12 +12618,12 @@
           </a:fontRef>
         </p:style>
         <p:txBody>
-          <a:bodyPr rtlCol="0" anchor="ctr"/>
+          <a:bodyPr lIns="91428" tIns="45714" rIns="91428" bIns="45714" rtlCol="0" anchor="ctr"/>
           <a:lstStyle/>
           <a:p>
             <a:pPr algn="ctr"/>
             <a:r>
-              <a:rPr lang="de-DE" sz="1600" b="1" dirty="0" smtClean="0">
+              <a:rPr lang="de-DE" sz="1500" b="1" dirty="0">
                 <a:solidFill>
                   <a:schemeClr val="tx1"/>
                 </a:solidFill>
@@ -8691,7 +12633,7 @@
               </a:rPr>
               <a:t>BAT</a:t>
             </a:r>
-            <a:endParaRPr lang="de-DE" sz="1600" b="1" dirty="0">
+            <a:endParaRPr lang="de-DE" sz="1500" b="1" dirty="0">
               <a:solidFill>
                 <a:schemeClr val="tx1"/>
               </a:solidFill>
@@ -8710,8 +12652,8 @@
         </p:nvSpPr>
         <p:spPr>
           <a:xfrm>
-            <a:off x="5193878" y="7127140"/>
-            <a:ext cx="864096" cy="432486"/>
+            <a:off x="5193879" y="7127140"/>
+            <a:ext cx="864095" cy="432487"/>
           </a:xfrm>
           <a:prstGeom prst="rect">
             <a:avLst/>
@@ -8743,12 +12685,12 @@
           </a:fontRef>
         </p:style>
         <p:txBody>
-          <a:bodyPr rtlCol="0" anchor="ctr"/>
+          <a:bodyPr lIns="91428" tIns="45714" rIns="91428" bIns="45714" rtlCol="0" anchor="ctr"/>
           <a:lstStyle/>
           <a:p>
             <a:pPr algn="ctr"/>
             <a:r>
-              <a:rPr lang="de-DE" sz="1600" b="1" dirty="0" smtClean="0">
+              <a:rPr lang="de-DE" sz="1500" b="1" dirty="0">
                 <a:solidFill>
                   <a:schemeClr val="tx1"/>
                 </a:solidFill>
@@ -8758,7 +12700,7 @@
               </a:rPr>
               <a:t>BAT</a:t>
             </a:r>
-            <a:endParaRPr lang="de-DE" sz="1600" b="1" dirty="0">
+            <a:endParaRPr lang="de-DE" sz="1500" b="1" dirty="0">
               <a:solidFill>
                 <a:schemeClr val="tx1"/>
               </a:solidFill>
@@ -8780,7 +12722,7 @@
         </p:nvCxnSpPr>
         <p:spPr>
           <a:xfrm>
-            <a:off x="6057974" y="7343383"/>
+            <a:off x="6057974" y="7343384"/>
             <a:ext cx="593006" cy="0"/>
           </a:xfrm>
           <a:prstGeom prst="straightConnector1">
@@ -8819,7 +12761,7 @@
         </p:nvCxnSpPr>
         <p:spPr>
           <a:xfrm flipH="1">
-            <a:off x="6057974" y="7343383"/>
+            <a:off x="6057974" y="7343384"/>
             <a:ext cx="593006" cy="0"/>
           </a:xfrm>
           <a:prstGeom prst="straightConnector1">
@@ -8855,8 +12797,8 @@
         </p:nvSpPr>
         <p:spPr>
           <a:xfrm>
-            <a:off x="4384576" y="1343778"/>
-            <a:ext cx="864096" cy="432486"/>
+            <a:off x="4384577" y="1343778"/>
+            <a:ext cx="864095" cy="432487"/>
           </a:xfrm>
           <a:prstGeom prst="rect">
             <a:avLst/>
@@ -8885,12 +12827,12 @@
           </a:fontRef>
         </p:style>
         <p:txBody>
-          <a:bodyPr rtlCol="0" anchor="ctr"/>
+          <a:bodyPr lIns="91428" tIns="45714" rIns="91428" bIns="45714" rtlCol="0" anchor="ctr"/>
           <a:lstStyle/>
           <a:p>
             <a:pPr algn="ctr"/>
             <a:r>
-              <a:rPr lang="de-DE" sz="1600" b="1" dirty="0" smtClean="0">
+              <a:rPr lang="de-DE" sz="1500" b="1" dirty="0">
                 <a:solidFill>
                   <a:schemeClr val="bg1"/>
                 </a:solidFill>
@@ -8900,7 +12842,7 @@
               </a:rPr>
               <a:t>VBKW</a:t>
             </a:r>
-            <a:endParaRPr lang="de-DE" sz="1600" b="1" dirty="0">
+            <a:endParaRPr lang="de-DE" sz="1500" b="1" dirty="0">
               <a:solidFill>
                 <a:schemeClr val="bg1"/>
               </a:solidFill>
@@ -8919,8 +12861,8 @@
         </p:nvSpPr>
         <p:spPr>
           <a:xfrm>
-            <a:off x="4249244" y="336104"/>
-            <a:ext cx="3422732" cy="646331"/>
+            <a:off x="4249245" y="336106"/>
+            <a:ext cx="4179519" cy="652474"/>
           </a:xfrm>
           <a:prstGeom prst="rect">
             <a:avLst/>
@@ -8928,13 +12870,13 @@
           <a:noFill/>
         </p:spPr>
         <p:txBody>
-          <a:bodyPr wrap="none" rtlCol="0">
+          <a:bodyPr wrap="none" lIns="91428" tIns="45714" rIns="91428" bIns="45714" rtlCol="0">
             <a:spAutoFit/>
           </a:bodyPr>
           <a:lstStyle/>
           <a:p>
             <a:r>
-              <a:rPr lang="de-DE" sz="3600" dirty="0" smtClean="0">
+              <a:rPr lang="de-DE" sz="3600" dirty="0">
                 <a:latin typeface="Roboto Light" panose="02000000000000000000" pitchFamily="2" charset="0"/>
                 <a:ea typeface="Roboto Light" panose="02000000000000000000" pitchFamily="2" charset="0"/>
                 <a:cs typeface="Roboto Light" panose="02000000000000000000" pitchFamily="2" charset="0"/>
@@ -8962,7 +12904,7 @@
   <p:timing>
     <p:tnLst>
       <p:par>
-        <p:cTn id="1" dur="indefinite" restart="never" nodeType="tmRoot"/>
+        <p:cTn xmlns:p14="http://schemas.microsoft.com/office/powerpoint/2010/main" id="1" dur="indefinite" restart="never" nodeType="tmRoot"/>
       </p:par>
     </p:tnLst>
   </p:timing>
@@ -9252,4 +13194,324 @@
   <a:objectDefaults/>
   <a:extraClrSchemeLst/>
 </a:theme>
+</file>
+
+<file path=ppt/theme/theme2.xml><?xml version="1.0" encoding="utf-8"?>
+<a:theme xmlns:a="http://schemas.openxmlformats.org/drawingml/2006/main" name="Office Theme">
+  <a:themeElements>
+    <a:clrScheme name="Office">
+      <a:dk1>
+        <a:sysClr val="windowText" lastClr="000000"/>
+      </a:dk1>
+      <a:lt1>
+        <a:sysClr val="window" lastClr="FFFFFF"/>
+      </a:lt1>
+      <a:dk2>
+        <a:srgbClr val="1F497D"/>
+      </a:dk2>
+      <a:lt2>
+        <a:srgbClr val="EEECE1"/>
+      </a:lt2>
+      <a:accent1>
+        <a:srgbClr val="4F81BD"/>
+      </a:accent1>
+      <a:accent2>
+        <a:srgbClr val="C0504D"/>
+      </a:accent2>
+      <a:accent3>
+        <a:srgbClr val="9BBB59"/>
+      </a:accent3>
+      <a:accent4>
+        <a:srgbClr val="8064A2"/>
+      </a:accent4>
+      <a:accent5>
+        <a:srgbClr val="4BACC6"/>
+      </a:accent5>
+      <a:accent6>
+        <a:srgbClr val="F79646"/>
+      </a:accent6>
+      <a:hlink>
+        <a:srgbClr val="0000FF"/>
+      </a:hlink>
+      <a:folHlink>
+        <a:srgbClr val="800080"/>
+      </a:folHlink>
+    </a:clrScheme>
+    <a:fontScheme name="Office">
+      <a:majorFont>
+        <a:latin typeface="Calibri"/>
+        <a:ea typeface=""/>
+        <a:cs typeface=""/>
+        <a:font script="Jpan" typeface="ＭＳ Ｐゴシック"/>
+        <a:font script="Hang" typeface="맑은 고딕"/>
+        <a:font script="Hans" typeface="宋体"/>
+        <a:font script="Hant" typeface="新細明體"/>
+        <a:font script="Arab" typeface="Times New Roman"/>
+        <a:font script="Hebr" typeface="Times New Roman"/>
+        <a:font script="Thai" typeface="Angsana New"/>
+        <a:font script="Ethi" typeface="Nyala"/>
+        <a:font script="Beng" typeface="Vrinda"/>
+        <a:font script="Gujr" typeface="Shruti"/>
+        <a:font script="Khmr" typeface="MoolBoran"/>
+        <a:font script="Knda" typeface="Tunga"/>
+        <a:font script="Guru" typeface="Raavi"/>
+        <a:font script="Cans" typeface="Euphemia"/>
+        <a:font script="Cher" typeface="Plantagenet Cherokee"/>
+        <a:font script="Yiii" typeface="Microsoft Yi Baiti"/>
+        <a:font script="Tibt" typeface="Microsoft Himalaya"/>
+        <a:font script="Thaa" typeface="MV Boli"/>
+        <a:font script="Deva" typeface="Mangal"/>
+        <a:font script="Telu" typeface="Gautami"/>
+        <a:font script="Taml" typeface="Latha"/>
+        <a:font script="Syrc" typeface="Estrangelo Edessa"/>
+        <a:font script="Orya" typeface="Kalinga"/>
+        <a:font script="Mlym" typeface="Kartika"/>
+        <a:font script="Laoo" typeface="DokChampa"/>
+        <a:font script="Sinh" typeface="Iskoola Pota"/>
+        <a:font script="Mong" typeface="Mongolian Baiti"/>
+        <a:font script="Viet" typeface="Times New Roman"/>
+        <a:font script="Uigh" typeface="Microsoft Uighur"/>
+        <a:font script="Geor" typeface="Sylfaen"/>
+      </a:majorFont>
+      <a:minorFont>
+        <a:latin typeface="Calibri"/>
+        <a:ea typeface=""/>
+        <a:cs typeface=""/>
+        <a:font script="Jpan" typeface="ＭＳ Ｐゴシック"/>
+        <a:font script="Hang" typeface="맑은 고딕"/>
+        <a:font script="Hans" typeface="宋体"/>
+        <a:font script="Hant" typeface="新細明體"/>
+        <a:font script="Arab" typeface="Arial"/>
+        <a:font script="Hebr" typeface="Arial"/>
+        <a:font script="Thai" typeface="Cordia New"/>
+        <a:font script="Ethi" typeface="Nyala"/>
+        <a:font script="Beng" typeface="Vrinda"/>
+        <a:font script="Gujr" typeface="Shruti"/>
+        <a:font script="Khmr" typeface="DaunPenh"/>
+        <a:font script="Knda" typeface="Tunga"/>
+        <a:font script="Guru" typeface="Raavi"/>
+        <a:font script="Cans" typeface="Euphemia"/>
+        <a:font script="Cher" typeface="Plantagenet Cherokee"/>
+        <a:font script="Yiii" typeface="Microsoft Yi Baiti"/>
+        <a:font script="Tibt" typeface="Microsoft Himalaya"/>
+        <a:font script="Thaa" typeface="MV Boli"/>
+        <a:font script="Deva" typeface="Mangal"/>
+        <a:font script="Telu" typeface="Gautami"/>
+        <a:font script="Taml" typeface="Latha"/>
+        <a:font script="Syrc" typeface="Estrangelo Edessa"/>
+        <a:font script="Orya" typeface="Kalinga"/>
+        <a:font script="Mlym" typeface="Kartika"/>
+        <a:font script="Laoo" typeface="DokChampa"/>
+        <a:font script="Sinh" typeface="Iskoola Pota"/>
+        <a:font script="Mong" typeface="Mongolian Baiti"/>
+        <a:font script="Viet" typeface="Arial"/>
+        <a:font script="Uigh" typeface="Microsoft Uighur"/>
+        <a:font script="Geor" typeface="Sylfaen"/>
+      </a:minorFont>
+    </a:fontScheme>
+    <a:fmtScheme name="Office">
+      <a:fillStyleLst>
+        <a:solidFill>
+          <a:schemeClr val="phClr"/>
+        </a:solidFill>
+        <a:gradFill rotWithShape="1">
+          <a:gsLst>
+            <a:gs pos="0">
+              <a:schemeClr val="phClr">
+                <a:tint val="50000"/>
+                <a:satMod val="300000"/>
+              </a:schemeClr>
+            </a:gs>
+            <a:gs pos="35000">
+              <a:schemeClr val="phClr">
+                <a:tint val="37000"/>
+                <a:satMod val="300000"/>
+              </a:schemeClr>
+            </a:gs>
+            <a:gs pos="100000">
+              <a:schemeClr val="phClr">
+                <a:tint val="15000"/>
+                <a:satMod val="350000"/>
+              </a:schemeClr>
+            </a:gs>
+          </a:gsLst>
+          <a:lin ang="16200000" scaled="1"/>
+        </a:gradFill>
+        <a:gradFill rotWithShape="1">
+          <a:gsLst>
+            <a:gs pos="0">
+              <a:schemeClr val="phClr">
+                <a:tint val="100000"/>
+                <a:shade val="100000"/>
+                <a:satMod val="130000"/>
+              </a:schemeClr>
+            </a:gs>
+            <a:gs pos="100000">
+              <a:schemeClr val="phClr">
+                <a:tint val="50000"/>
+                <a:shade val="100000"/>
+                <a:satMod val="350000"/>
+              </a:schemeClr>
+            </a:gs>
+          </a:gsLst>
+          <a:lin ang="16200000" scaled="0"/>
+        </a:gradFill>
+      </a:fillStyleLst>
+      <a:lnStyleLst>
+        <a:ln w="9525" cap="flat" cmpd="sng" algn="ctr">
+          <a:solidFill>
+            <a:schemeClr val="phClr">
+              <a:shade val="95000"/>
+              <a:satMod val="105000"/>
+            </a:schemeClr>
+          </a:solidFill>
+          <a:prstDash val="solid"/>
+        </a:ln>
+        <a:ln w="25400" cap="flat" cmpd="sng" algn="ctr">
+          <a:solidFill>
+            <a:schemeClr val="phClr"/>
+          </a:solidFill>
+          <a:prstDash val="solid"/>
+        </a:ln>
+        <a:ln w="38100" cap="flat" cmpd="sng" algn="ctr">
+          <a:solidFill>
+            <a:schemeClr val="phClr"/>
+          </a:solidFill>
+          <a:prstDash val="solid"/>
+        </a:ln>
+      </a:lnStyleLst>
+      <a:effectStyleLst>
+        <a:effectStyle>
+          <a:effectLst>
+            <a:outerShdw blurRad="40000" dist="20000" dir="5400000" rotWithShape="0">
+              <a:srgbClr val="000000">
+                <a:alpha val="38000"/>
+              </a:srgbClr>
+            </a:outerShdw>
+          </a:effectLst>
+        </a:effectStyle>
+        <a:effectStyle>
+          <a:effectLst>
+            <a:outerShdw blurRad="40000" dist="23000" dir="5400000" rotWithShape="0">
+              <a:srgbClr val="000000">
+                <a:alpha val="35000"/>
+              </a:srgbClr>
+            </a:outerShdw>
+          </a:effectLst>
+        </a:effectStyle>
+        <a:effectStyle>
+          <a:effectLst>
+            <a:outerShdw blurRad="40000" dist="23000" dir="5400000" rotWithShape="0">
+              <a:srgbClr val="000000">
+                <a:alpha val="35000"/>
+              </a:srgbClr>
+            </a:outerShdw>
+          </a:effectLst>
+          <a:scene3d>
+            <a:camera prst="orthographicFront">
+              <a:rot lat="0" lon="0" rev="0"/>
+            </a:camera>
+            <a:lightRig rig="threePt" dir="t">
+              <a:rot lat="0" lon="0" rev="1200000"/>
+            </a:lightRig>
+          </a:scene3d>
+          <a:sp3d>
+            <a:bevelT w="63500" h="25400"/>
+          </a:sp3d>
+        </a:effectStyle>
+      </a:effectStyleLst>
+      <a:bgFillStyleLst>
+        <a:solidFill>
+          <a:schemeClr val="phClr"/>
+        </a:solidFill>
+        <a:gradFill rotWithShape="1">
+          <a:gsLst>
+            <a:gs pos="0">
+              <a:schemeClr val="phClr">
+                <a:tint val="40000"/>
+                <a:satMod val="350000"/>
+              </a:schemeClr>
+            </a:gs>
+            <a:gs pos="40000">
+              <a:schemeClr val="phClr">
+                <a:tint val="45000"/>
+                <a:shade val="99000"/>
+                <a:satMod val="350000"/>
+              </a:schemeClr>
+            </a:gs>
+            <a:gs pos="100000">
+              <a:schemeClr val="phClr">
+                <a:shade val="20000"/>
+                <a:satMod val="255000"/>
+              </a:schemeClr>
+            </a:gs>
+          </a:gsLst>
+          <a:path path="circle">
+            <a:fillToRect l="50000" t="-80000" r="50000" b="180000"/>
+          </a:path>
+        </a:gradFill>
+        <a:gradFill rotWithShape="1">
+          <a:gsLst>
+            <a:gs pos="0">
+              <a:schemeClr val="phClr">
+                <a:tint val="80000"/>
+                <a:satMod val="300000"/>
+              </a:schemeClr>
+            </a:gs>
+            <a:gs pos="100000">
+              <a:schemeClr val="phClr">
+                <a:shade val="30000"/>
+                <a:satMod val="200000"/>
+              </a:schemeClr>
+            </a:gs>
+          </a:gsLst>
+          <a:path path="circle">
+            <a:fillToRect l="50000" t="50000" r="50000" b="50000"/>
+          </a:path>
+        </a:gradFill>
+      </a:bgFillStyleLst>
+    </a:fmtScheme>
+  </a:themeElements>
+  <a:objectDefaults>
+    <a:spDef>
+      <a:spPr/>
+      <a:bodyPr/>
+      <a:lstStyle/>
+      <a:style>
+        <a:lnRef idx="1">
+          <a:schemeClr val="accent1"/>
+        </a:lnRef>
+        <a:fillRef idx="3">
+          <a:schemeClr val="accent1"/>
+        </a:fillRef>
+        <a:effectRef idx="2">
+          <a:schemeClr val="accent1"/>
+        </a:effectRef>
+        <a:fontRef idx="minor">
+          <a:schemeClr val="lt1"/>
+        </a:fontRef>
+      </a:style>
+    </a:spDef>
+    <a:lnDef>
+      <a:spPr/>
+      <a:bodyPr/>
+      <a:lstStyle/>
+      <a:style>
+        <a:lnRef idx="2">
+          <a:schemeClr val="accent1"/>
+        </a:lnRef>
+        <a:fillRef idx="0">
+          <a:schemeClr val="accent1"/>
+        </a:fillRef>
+        <a:effectRef idx="1">
+          <a:schemeClr val="accent1"/>
+        </a:effectRef>
+        <a:fontRef idx="minor">
+          <a:schemeClr val="tx1"/>
+        </a:fontRef>
+      </a:style>
+    </a:lnDef>
+  </a:objectDefaults>
+  <a:extraClrSchemeLst/>
+</a:theme>
 </file>
--- a/windnode_kwum/docs/Modell_KWUM.pptx
+++ b/windnode_kwum/docs/Modell_KWUM.pptx
@@ -194,7 +194,7 @@
           <a:p>
             <a:fld id="{FFAFB158-CE29-D640-AF46-24D22F3973B1}" type="datetimeFigureOut">
               <a:rPr lang="en-US" smtClean="0"/>
-              <a:t>8/19/18</a:t>
+              <a:t>9/12/18</a:t>
             </a:fld>
             <a:endParaRPr lang="en-US"/>
           </a:p>
@@ -727,7 +727,7 @@
           <a:p>
             <a:fld id="{26D4ED77-5BAD-4853-9D32-3E8CE03B9A25}" type="datetimeFigureOut">
               <a:rPr lang="de-DE" smtClean="0"/>
-              <a:t>8/19/18</a:t>
+              <a:t>9/12/18</a:t>
             </a:fld>
             <a:endParaRPr lang="de-DE"/>
           </a:p>
@@ -897,7 +897,7 @@
           <a:p>
             <a:fld id="{26D4ED77-5BAD-4853-9D32-3E8CE03B9A25}" type="datetimeFigureOut">
               <a:rPr lang="de-DE" smtClean="0"/>
-              <a:t>8/19/18</a:t>
+              <a:t>9/12/18</a:t>
             </a:fld>
             <a:endParaRPr lang="de-DE"/>
           </a:p>
@@ -1077,7 +1077,7 @@
           <a:p>
             <a:fld id="{26D4ED77-5BAD-4853-9D32-3E8CE03B9A25}" type="datetimeFigureOut">
               <a:rPr lang="de-DE" smtClean="0"/>
-              <a:t>8/19/18</a:t>
+              <a:t>9/12/18</a:t>
             </a:fld>
             <a:endParaRPr lang="de-DE"/>
           </a:p>
@@ -1247,7 +1247,7 @@
           <a:p>
             <a:fld id="{26D4ED77-5BAD-4853-9D32-3E8CE03B9A25}" type="datetimeFigureOut">
               <a:rPr lang="de-DE" smtClean="0"/>
-              <a:t>8/19/18</a:t>
+              <a:t>9/12/18</a:t>
             </a:fld>
             <a:endParaRPr lang="de-DE"/>
           </a:p>
@@ -1493,7 +1493,7 @@
           <a:p>
             <a:fld id="{26D4ED77-5BAD-4853-9D32-3E8CE03B9A25}" type="datetimeFigureOut">
               <a:rPr lang="de-DE" smtClean="0"/>
-              <a:t>8/19/18</a:t>
+              <a:t>9/12/18</a:t>
             </a:fld>
             <a:endParaRPr lang="de-DE"/>
           </a:p>
@@ -1781,7 +1781,7 @@
           <a:p>
             <a:fld id="{26D4ED77-5BAD-4853-9D32-3E8CE03B9A25}" type="datetimeFigureOut">
               <a:rPr lang="de-DE" smtClean="0"/>
-              <a:t>8/19/18</a:t>
+              <a:t>9/12/18</a:t>
             </a:fld>
             <a:endParaRPr lang="de-DE"/>
           </a:p>
@@ -2208,7 +2208,7 @@
           <a:p>
             <a:fld id="{26D4ED77-5BAD-4853-9D32-3E8CE03B9A25}" type="datetimeFigureOut">
               <a:rPr lang="de-DE" smtClean="0"/>
-              <a:t>8/19/18</a:t>
+              <a:t>9/12/18</a:t>
             </a:fld>
             <a:endParaRPr lang="de-DE"/>
           </a:p>
@@ -2326,7 +2326,7 @@
           <a:p>
             <a:fld id="{26D4ED77-5BAD-4853-9D32-3E8CE03B9A25}" type="datetimeFigureOut">
               <a:rPr lang="de-DE" smtClean="0"/>
-              <a:t>8/19/18</a:t>
+              <a:t>9/12/18</a:t>
             </a:fld>
             <a:endParaRPr lang="de-DE"/>
           </a:p>
@@ -2421,7 +2421,7 @@
           <a:p>
             <a:fld id="{26D4ED77-5BAD-4853-9D32-3E8CE03B9A25}" type="datetimeFigureOut">
               <a:rPr lang="de-DE" smtClean="0"/>
-              <a:t>8/19/18</a:t>
+              <a:t>9/12/18</a:t>
             </a:fld>
             <a:endParaRPr lang="de-DE"/>
           </a:p>
@@ -2698,7 +2698,7 @@
           <a:p>
             <a:fld id="{26D4ED77-5BAD-4853-9D32-3E8CE03B9A25}" type="datetimeFigureOut">
               <a:rPr lang="de-DE" smtClean="0"/>
-              <a:t>8/19/18</a:t>
+              <a:t>9/12/18</a:t>
             </a:fld>
             <a:endParaRPr lang="de-DE"/>
           </a:p>
@@ -2951,7 +2951,7 @@
           <a:p>
             <a:fld id="{26D4ED77-5BAD-4853-9D32-3E8CE03B9A25}" type="datetimeFigureOut">
               <a:rPr lang="de-DE" smtClean="0"/>
-              <a:t>8/19/18</a:t>
+              <a:t>9/12/18</a:t>
             </a:fld>
             <a:endParaRPr lang="de-DE"/>
           </a:p>
@@ -3164,7 +3164,7 @@
           <a:p>
             <a:fld id="{26D4ED77-5BAD-4853-9D32-3E8CE03B9A25}" type="datetimeFigureOut">
               <a:rPr lang="de-DE" smtClean="0"/>
-              <a:t>8/19/18</a:t>
+              <a:t>9/12/18</a:t>
             </a:fld>
             <a:endParaRPr lang="de-DE"/>
           </a:p>
@@ -3675,11 +3675,7 @@
               <a:pPr algn="ctr"/>
               <a:r>
                 <a:rPr lang="de-DE" sz="1400" dirty="0" err="1"/>
-                <a:t>b</a:t>
-              </a:r>
-              <a:r>
-                <a:rPr lang="de-DE" sz="1400" dirty="0" err="1"/>
-                <a:t>us_el</a:t>
+                <a:t>bus_el</a:t>
               </a:r>
               <a:endParaRPr lang="de-DE" sz="1400" dirty="0"/>
             </a:p>
@@ -3906,7 +3902,6 @@
                 <a:rPr lang="de-DE" sz="1400" dirty="0"/>
                 <a:t>P2H_pr</a:t>
               </a:r>
-              <a:endParaRPr lang="de-DE" sz="1400" dirty="0"/>
             </a:p>
           </p:txBody>
         </p:sp>
@@ -4077,7 +4072,9 @@
               <a:avLst/>
             </a:prstGeom>
             <a:solidFill>
-              <a:srgbClr val="FFC000"/>
+              <a:srgbClr val="FFC000">
+                <a:alpha val="35000"/>
+              </a:srgbClr>
             </a:solidFill>
             <a:ln>
               <a:noFill/>
@@ -4207,10 +4204,11 @@
             <a:prstGeom prst="straightConnector1">
               <a:avLst/>
             </a:prstGeom>
-            <a:ln w="19050">
+            <a:ln w="12700">
               <a:solidFill>
                 <a:schemeClr val="tx1"/>
               </a:solidFill>
+              <a:prstDash val="lgDash"/>
               <a:tailEnd type="arrow"/>
             </a:ln>
           </p:spPr>
@@ -4283,7 +4281,9 @@
               <a:avLst/>
             </a:prstGeom>
             <a:solidFill>
-              <a:schemeClr val="accent3"/>
+              <a:schemeClr val="accent3">
+                <a:alpha val="35000"/>
+              </a:schemeClr>
             </a:solidFill>
             <a:ln>
               <a:noFill/>
@@ -4614,7 +4614,9 @@
               <a:avLst/>
             </a:prstGeom>
             <a:solidFill>
-              <a:srgbClr val="FFC000"/>
+              <a:srgbClr val="FFC000">
+                <a:alpha val="35000"/>
+              </a:srgbClr>
             </a:solidFill>
             <a:ln>
               <a:noFill/>
@@ -4649,7 +4651,6 @@
                 <a:rPr lang="de-DE" sz="1400" dirty="0"/>
                 <a:t> </a:t>
               </a:r>
-              <a:endParaRPr lang="de-DE" sz="1400" dirty="0"/>
             </a:p>
           </p:txBody>
         </p:sp>
@@ -4708,10 +4709,11 @@
             <a:prstGeom prst="straightConnector1">
               <a:avLst/>
             </a:prstGeom>
-            <a:ln w="19050">
+            <a:ln w="12700">
               <a:solidFill>
                 <a:schemeClr val="tx1"/>
               </a:solidFill>
+              <a:prstDash val="lgDash"/>
               <a:tailEnd type="arrow"/>
             </a:ln>
           </p:spPr>
@@ -5057,8 +5059,8 @@
             <a:p>
               <a:pPr algn="ctr"/>
               <a:r>
-                <a:rPr lang="de-DE" sz="1400" dirty="0" err="1"/>
-                <a:t>Heat_chp_sch</a:t>
+                <a:rPr lang="de-DE" sz="1400" dirty="0" err="1" smtClean="0"/>
+                <a:t>chp_sch</a:t>
               </a:r>
               <a:endParaRPr lang="de-DE" sz="1400" dirty="0"/>
             </a:p>
@@ -5449,7 +5451,6 @@
                 <a:rPr lang="de-DE" sz="1400" dirty="0"/>
                 <a:t>P2H_sch</a:t>
               </a:r>
-              <a:endParaRPr lang="de-DE" sz="1400" dirty="0"/>
             </a:p>
           </p:txBody>
         </p:sp>
@@ -5468,7 +5469,9 @@
               <a:avLst/>
             </a:prstGeom>
             <a:solidFill>
-              <a:srgbClr val="FFC000"/>
+              <a:srgbClr val="FFC000">
+                <a:alpha val="40000"/>
+              </a:srgbClr>
             </a:solidFill>
             <a:ln>
               <a:noFill/>
@@ -5558,7 +5561,9 @@
               <a:avLst/>
             </a:prstGeom>
             <a:solidFill>
-              <a:schemeClr val="accent3"/>
+              <a:schemeClr val="accent3">
+                <a:alpha val="35000"/>
+              </a:schemeClr>
             </a:solidFill>
             <a:ln>
               <a:noFill/>
@@ -5610,10 +5615,11 @@
             <a:prstGeom prst="straightConnector1">
               <a:avLst/>
             </a:prstGeom>
-            <a:ln w="19050">
+            <a:ln w="12700">
               <a:solidFill>
                 <a:schemeClr val="tx1"/>
               </a:solidFill>
+              <a:prstDash val="lgDash"/>
               <a:tailEnd type="arrow"/>
             </a:ln>
           </p:spPr>
@@ -5647,7 +5653,9 @@
               <a:avLst/>
             </a:prstGeom>
             <a:solidFill>
-              <a:schemeClr val="accent3"/>
+              <a:schemeClr val="accent3">
+                <a:alpha val="35000"/>
+              </a:schemeClr>
             </a:solidFill>
             <a:ln>
               <a:noFill/>
@@ -5699,10 +5707,11 @@
             <a:prstGeom prst="straightConnector1">
               <a:avLst/>
             </a:prstGeom>
-            <a:ln w="19050">
+            <a:ln w="12700">
               <a:solidFill>
                 <a:schemeClr val="tx1"/>
               </a:solidFill>
+              <a:prstDash val="lgDash"/>
               <a:tailEnd type="arrow"/>
             </a:ln>
           </p:spPr>
@@ -5903,8 +5912,8 @@
             <a:p>
               <a:pPr algn="ctr"/>
               <a:r>
-                <a:rPr lang="de-DE" sz="1400" dirty="0" err="1"/>
-                <a:t>Heat_chp_pr</a:t>
+                <a:rPr lang="de-DE" sz="1400" dirty="0" err="1" smtClean="0"/>
+                <a:t>chp_pr</a:t>
               </a:r>
               <a:endParaRPr lang="de-DE" sz="1400" dirty="0"/>
             </a:p>
@@ -6216,6 +6225,7 @@
               <a:solidFill>
                 <a:schemeClr val="tx1"/>
               </a:solidFill>
+              <a:prstDash val="solid"/>
               <a:tailEnd type="arrow"/>
             </a:ln>
           </p:spPr>
@@ -6270,7 +6280,15 @@
               <a:pPr algn="ctr"/>
               <a:r>
                 <a:rPr lang="en-US" dirty="0" smtClean="0"/>
-                <a:t>20 AGO 2018</a:t>
+                <a:t>12 SEP</a:t>
+              </a:r>
+              <a:r>
+                <a:rPr lang="en-US" dirty="0" smtClean="0"/>
+                <a:t> </a:t>
+              </a:r>
+              <a:r>
+                <a:rPr lang="en-US" dirty="0" smtClean="0"/>
+                <a:t>2018</a:t>
               </a:r>
               <a:endParaRPr lang="en-US" dirty="0"/>
             </a:p>
@@ -6371,8 +6389,8 @@
             <a:p>
               <a:pPr algn="ctr"/>
               <a:r>
-                <a:rPr lang="de-DE" sz="1400" dirty="0" err="1"/>
-                <a:t>Cs_el</a:t>
+                <a:rPr lang="de-DE" sz="1400" dirty="0" err="1" smtClean="0"/>
+                <a:t>Cs_electric</a:t>
               </a:r>
               <a:endParaRPr lang="de-DE" sz="1400" dirty="0"/>
             </a:p>
@@ -6460,7 +6478,6 @@
                 <a:rPr lang="de-DE" sz="1400" dirty="0"/>
                 <a:t>P2H_spot</a:t>
               </a:r>
-              <a:endParaRPr lang="de-DE" sz="1400" dirty="0"/>
             </a:p>
           </p:txBody>
         </p:sp>
@@ -6551,7 +6568,7 @@
           <p:spPr>
             <a:xfrm>
               <a:off x="143509" y="492798"/>
-              <a:ext cx="2459690" cy="1280018"/>
+              <a:ext cx="2459690" cy="1839259"/>
             </a:xfrm>
             <a:prstGeom prst="rect">
               <a:avLst/>
@@ -6631,11 +6648,7 @@
               <a:pPr algn="ctr"/>
               <a:r>
                 <a:rPr lang="de-DE" sz="1400" dirty="0" err="1"/>
-                <a:t>t</a:t>
-              </a:r>
-              <a:r>
-                <a:rPr lang="de-DE" sz="1400" dirty="0" err="1"/>
-                <a:t>ransformer</a:t>
+                <a:t>transformer</a:t>
               </a:r>
               <a:endParaRPr lang="de-DE" sz="1400" dirty="0"/>
             </a:p>
@@ -6685,13 +6698,8 @@
               <a:pPr algn="ctr"/>
               <a:r>
                 <a:rPr lang="de-DE" sz="1400" dirty="0"/>
-                <a:t>s</a:t>
+                <a:t>sink</a:t>
               </a:r>
-              <a:r>
-                <a:rPr lang="de-DE" sz="1400" dirty="0"/>
-                <a:t>ink</a:t>
-              </a:r>
-              <a:endParaRPr lang="de-DE" sz="1400" dirty="0"/>
             </a:p>
           </p:txBody>
         </p:sp>
@@ -6739,11 +6747,7 @@
               <a:pPr algn="ctr"/>
               <a:r>
                 <a:rPr lang="de-DE" sz="1400" dirty="0" err="1"/>
-                <a:t>s</a:t>
-              </a:r>
-              <a:r>
-                <a:rPr lang="de-DE" sz="1400" dirty="0" err="1"/>
-                <a:t>ource</a:t>
+                <a:t>source</a:t>
               </a:r>
               <a:endParaRPr lang="de-DE" sz="1400" dirty="0"/>
             </a:p>
@@ -6923,7 +6927,6 @@
                 <a:rPr lang="de-DE" sz="1400" b="1" dirty="0"/>
                 <a:t>legend</a:t>
               </a:r>
-              <a:endParaRPr lang="de-DE" sz="1400" b="1" dirty="0"/>
             </a:p>
           </p:txBody>
         </p:sp>
@@ -6978,6 +6981,48 @@
               <a:latin typeface="Roboto Light" panose="02000000000000000000" pitchFamily="2" charset="0"/>
               <a:ea typeface="Roboto Light" panose="02000000000000000000" pitchFamily="2" charset="0"/>
               <a:cs typeface="Roboto Light" panose="02000000000000000000" pitchFamily="2" charset="0"/>
+            </a:endParaRPr>
+          </a:p>
+        </p:txBody>
+      </p:sp>
+      <p:sp>
+        <p:nvSpPr>
+          <p:cNvPr id="102" name="TextBox 101"/>
+          <p:cNvSpPr txBox="1"/>
+          <p:nvPr/>
+        </p:nvSpPr>
+        <p:spPr>
+          <a:xfrm>
+            <a:off x="352128" y="2784376"/>
+            <a:ext cx="2981118" cy="523220"/>
+          </a:xfrm>
+          <a:prstGeom prst="rect">
+            <a:avLst/>
+          </a:prstGeom>
+          <a:noFill/>
+        </p:spPr>
+        <p:txBody>
+          <a:bodyPr wrap="square" rtlCol="0">
+            <a:spAutoFit/>
+          </a:bodyPr>
+          <a:lstStyle/>
+          <a:p>
+            <a:r>
+              <a:rPr lang="en-US" sz="1400" dirty="0" smtClean="0">
+                <a:solidFill>
+                  <a:schemeClr val="bg1">
+                    <a:lumMod val="75000"/>
+                  </a:schemeClr>
+                </a:solidFill>
+              </a:rPr>
+              <a:t>Shortage and excess are used just for testing purposes</a:t>
+            </a:r>
+            <a:endParaRPr lang="en-US" sz="1400" dirty="0">
+              <a:solidFill>
+                <a:schemeClr val="bg1">
+                  <a:lumMod val="75000"/>
+                </a:schemeClr>
+              </a:solidFill>
             </a:endParaRPr>
           </a:p>
         </p:txBody>
@@ -7103,11 +7148,7 @@
             <a:p>
               <a:r>
                 <a:rPr lang="de-DE" sz="2000" dirty="0" err="1"/>
-                <a:t>b</a:t>
-              </a:r>
-              <a:r>
-                <a:rPr lang="de-DE" sz="2000" dirty="0" err="1"/>
-                <a:t>_el</a:t>
+                <a:t>b_el</a:t>
               </a:r>
               <a:endParaRPr lang="de-DE" sz="2000" dirty="0"/>
             </a:p>
@@ -7316,14 +7357,6 @@
               </a:rPr>
               <a:t>SENKE</a:t>
             </a:r>
-            <a:endParaRPr lang="de-DE" sz="1500" b="1" dirty="0">
-              <a:solidFill>
-                <a:schemeClr val="tx1"/>
-              </a:solidFill>
-              <a:latin typeface="Roboto Light" panose="02000000000000000000" pitchFamily="2" charset="0"/>
-              <a:ea typeface="Roboto Light" panose="02000000000000000000" pitchFamily="2" charset="0"/>
-              <a:cs typeface="Roboto Light" panose="02000000000000000000" pitchFamily="2" charset="0"/>
-            </a:endParaRPr>
           </a:p>
         </p:txBody>
       </p:sp>
@@ -7380,14 +7413,6 @@
               </a:rPr>
               <a:t>QUELLE</a:t>
             </a:r>
-            <a:endParaRPr lang="de-DE" sz="1400" b="1" dirty="0">
-              <a:solidFill>
-                <a:schemeClr val="tx1"/>
-              </a:solidFill>
-              <a:latin typeface="Roboto Light" panose="02000000000000000000" pitchFamily="2" charset="0"/>
-              <a:ea typeface="Roboto Light" panose="02000000000000000000" pitchFamily="2" charset="0"/>
-              <a:cs typeface="Roboto Light" panose="02000000000000000000" pitchFamily="2" charset="0"/>
-            </a:endParaRPr>
           </a:p>
         </p:txBody>
       </p:sp>
@@ -7444,14 +7469,6 @@
               </a:rPr>
               <a:t>QUELLE</a:t>
             </a:r>
-            <a:endParaRPr lang="de-DE" sz="1400" b="1" dirty="0">
-              <a:solidFill>
-                <a:schemeClr val="tx1"/>
-              </a:solidFill>
-              <a:latin typeface="Roboto Light" panose="02000000000000000000" pitchFamily="2" charset="0"/>
-              <a:ea typeface="Roboto Light" panose="02000000000000000000" pitchFamily="2" charset="0"/>
-              <a:cs typeface="Roboto Light" panose="02000000000000000000" pitchFamily="2" charset="0"/>
-            </a:endParaRPr>
           </a:p>
         </p:txBody>
       </p:sp>
@@ -7508,14 +7525,6 @@
               </a:rPr>
               <a:t>QUELLE</a:t>
             </a:r>
-            <a:endParaRPr lang="de-DE" sz="1400" b="1" dirty="0">
-              <a:solidFill>
-                <a:schemeClr val="tx1"/>
-              </a:solidFill>
-              <a:latin typeface="Roboto Light" panose="02000000000000000000" pitchFamily="2" charset="0"/>
-              <a:ea typeface="Roboto Light" panose="02000000000000000000" pitchFamily="2" charset="0"/>
-              <a:cs typeface="Roboto Light" panose="02000000000000000000" pitchFamily="2" charset="0"/>
-            </a:endParaRPr>
           </a:p>
         </p:txBody>
       </p:sp>
@@ -7572,14 +7581,6 @@
               </a:rPr>
               <a:t>TRAFO</a:t>
             </a:r>
-            <a:endParaRPr lang="de-DE" sz="1500" b="1" dirty="0">
-              <a:solidFill>
-                <a:schemeClr val="tx1"/>
-              </a:solidFill>
-              <a:latin typeface="Roboto Light" panose="02000000000000000000" pitchFamily="2" charset="0"/>
-              <a:ea typeface="Roboto Light" panose="02000000000000000000" pitchFamily="2" charset="0"/>
-              <a:cs typeface="Roboto Light" panose="02000000000000000000" pitchFamily="2" charset="0"/>
-            </a:endParaRPr>
           </a:p>
         </p:txBody>
       </p:sp>
@@ -7629,11 +7630,6 @@
               </a:rPr>
               <a:t>)</a:t>
             </a:r>
-            <a:endParaRPr lang="de-DE" sz="1400" dirty="0">
-              <a:latin typeface="Roboto Light" panose="02000000000000000000" pitchFamily="2" charset="0"/>
-              <a:ea typeface="Roboto Light" panose="02000000000000000000" pitchFamily="2" charset="0"/>
-              <a:cs typeface="Roboto Light" panose="02000000000000000000" pitchFamily="2" charset="0"/>
-            </a:endParaRPr>
           </a:p>
         </p:txBody>
       </p:sp>
@@ -7683,11 +7679,6 @@
               </a:rPr>
               <a:t>)</a:t>
             </a:r>
-            <a:endParaRPr lang="de-DE" sz="1400" dirty="0">
-              <a:latin typeface="Roboto Light" panose="02000000000000000000" pitchFamily="2" charset="0"/>
-              <a:ea typeface="Roboto Light" panose="02000000000000000000" pitchFamily="2" charset="0"/>
-              <a:cs typeface="Roboto Light" panose="02000000000000000000" pitchFamily="2" charset="0"/>
-            </a:endParaRPr>
           </a:p>
         </p:txBody>
       </p:sp>
@@ -7747,14 +7738,6 @@
               </a:rPr>
               <a:t>BAT</a:t>
             </a:r>
-            <a:endParaRPr lang="de-DE" sz="1500" b="1" dirty="0">
-              <a:solidFill>
-                <a:schemeClr val="tx1"/>
-              </a:solidFill>
-              <a:latin typeface="Roboto Light" panose="02000000000000000000" pitchFamily="2" charset="0"/>
-              <a:ea typeface="Roboto Light" panose="02000000000000000000" pitchFamily="2" charset="0"/>
-              <a:cs typeface="Roboto Light" panose="02000000000000000000" pitchFamily="2" charset="0"/>
-            </a:endParaRPr>
           </a:p>
         </p:txBody>
       </p:sp>
@@ -7964,14 +7947,6 @@
               </a:rPr>
               <a:t>WIND</a:t>
             </a:r>
-            <a:endParaRPr lang="de-DE" sz="1500" b="1" dirty="0">
-              <a:solidFill>
-                <a:schemeClr val="tx1"/>
-              </a:solidFill>
-              <a:latin typeface="Roboto Light" panose="02000000000000000000" pitchFamily="2" charset="0"/>
-              <a:ea typeface="Roboto Light" panose="02000000000000000000" pitchFamily="2" charset="0"/>
-              <a:cs typeface="Roboto Light" panose="02000000000000000000" pitchFamily="2" charset="0"/>
-            </a:endParaRPr>
           </a:p>
         </p:txBody>
       </p:sp>
@@ -8028,14 +8003,6 @@
               </a:rPr>
               <a:t>PV</a:t>
             </a:r>
-            <a:endParaRPr lang="de-DE" sz="1500" b="1" dirty="0">
-              <a:solidFill>
-                <a:schemeClr val="tx1"/>
-              </a:solidFill>
-              <a:latin typeface="Roboto Light" panose="02000000000000000000" pitchFamily="2" charset="0"/>
-              <a:ea typeface="Roboto Light" panose="02000000000000000000" pitchFamily="2" charset="0"/>
-              <a:cs typeface="Roboto Light" panose="02000000000000000000" pitchFamily="2" charset="0"/>
-            </a:endParaRPr>
           </a:p>
         </p:txBody>
       </p:sp>
@@ -8168,14 +8135,6 @@
               </a:rPr>
               <a:t>MARKT</a:t>
             </a:r>
-            <a:endParaRPr lang="de-DE" sz="1500" b="1" dirty="0">
-              <a:solidFill>
-                <a:schemeClr val="tx1"/>
-              </a:solidFill>
-              <a:latin typeface="Roboto Light" panose="02000000000000000000" pitchFamily="2" charset="0"/>
-              <a:ea typeface="Roboto Light" panose="02000000000000000000" pitchFamily="2" charset="0"/>
-              <a:cs typeface="Roboto Light" panose="02000000000000000000" pitchFamily="2" charset="0"/>
-            </a:endParaRPr>
           </a:p>
         </p:txBody>
       </p:sp>
@@ -8306,14 +8265,6 @@
               </a:rPr>
               <a:t>P2H</a:t>
             </a:r>
-            <a:endParaRPr lang="de-DE" sz="1500" b="1" dirty="0">
-              <a:solidFill>
-                <a:schemeClr val="tx1"/>
-              </a:solidFill>
-              <a:latin typeface="Roboto Light" panose="02000000000000000000" pitchFamily="2" charset="0"/>
-              <a:ea typeface="Roboto Light" panose="02000000000000000000" pitchFamily="2" charset="0"/>
-              <a:cs typeface="Roboto Light" panose="02000000000000000000" pitchFamily="2" charset="0"/>
-            </a:endParaRPr>
           </a:p>
         </p:txBody>
       </p:sp>
@@ -8444,14 +8395,6 @@
               </a:rPr>
               <a:t>WÄRMESENKE</a:t>
             </a:r>
-            <a:endParaRPr lang="de-DE" sz="1500" b="1" dirty="0">
-              <a:solidFill>
-                <a:schemeClr val="tx1"/>
-              </a:solidFill>
-              <a:latin typeface="Roboto Light" panose="02000000000000000000" pitchFamily="2" charset="0"/>
-              <a:ea typeface="Roboto Light" panose="02000000000000000000" pitchFamily="2" charset="0"/>
-              <a:cs typeface="Roboto Light" panose="02000000000000000000" pitchFamily="2" charset="0"/>
-            </a:endParaRPr>
           </a:p>
         </p:txBody>
       </p:sp>
@@ -8511,14 +8454,6 @@
               </a:rPr>
               <a:t>SPEICHER</a:t>
             </a:r>
-            <a:endParaRPr lang="de-DE" sz="1500" b="1" dirty="0">
-              <a:solidFill>
-                <a:schemeClr val="tx1"/>
-              </a:solidFill>
-              <a:latin typeface="Roboto Light" panose="02000000000000000000" pitchFamily="2" charset="0"/>
-              <a:ea typeface="Roboto Light" panose="02000000000000000000" pitchFamily="2" charset="0"/>
-              <a:cs typeface="Roboto Light" panose="02000000000000000000" pitchFamily="2" charset="0"/>
-            </a:endParaRPr>
           </a:p>
         </p:txBody>
       </p:sp>
@@ -8647,14 +8582,6 @@
               </a:rPr>
               <a:t>EXCESSSENKE</a:t>
             </a:r>
-            <a:endParaRPr lang="de-DE" sz="1500" b="1" dirty="0">
-              <a:solidFill>
-                <a:schemeClr val="tx1"/>
-              </a:solidFill>
-              <a:latin typeface="Roboto Light" panose="02000000000000000000" pitchFamily="2" charset="0"/>
-              <a:ea typeface="Roboto Light" panose="02000000000000000000" pitchFamily="2" charset="0"/>
-              <a:cs typeface="Roboto Light" panose="02000000000000000000" pitchFamily="2" charset="0"/>
-            </a:endParaRPr>
           </a:p>
         </p:txBody>
       </p:sp>
@@ -8732,14 +8659,6 @@
               </a:rPr>
               <a:t>KW</a:t>
             </a:r>
-            <a:endParaRPr lang="de-DE" sz="1400" b="1" dirty="0">
-              <a:solidFill>
-                <a:schemeClr val="tx1"/>
-              </a:solidFill>
-              <a:latin typeface="Roboto Light" panose="02000000000000000000" pitchFamily="2" charset="0"/>
-              <a:ea typeface="Roboto Light" panose="02000000000000000000" pitchFamily="2" charset="0"/>
-              <a:cs typeface="Roboto Light" panose="02000000000000000000" pitchFamily="2" charset="0"/>
-            </a:endParaRPr>
           </a:p>
         </p:txBody>
       </p:sp>
@@ -8822,7 +8741,6 @@
               <a:rPr lang="de-DE" sz="1100" dirty="0"/>
               <a:t>Abregelung über P_max</a:t>
             </a:r>
-            <a:endParaRPr lang="de-DE" sz="1100" dirty="0"/>
           </a:p>
         </p:txBody>
       </p:sp>
@@ -8879,14 +8797,6 @@
               </a:rPr>
               <a:t>P2G</a:t>
             </a:r>
-            <a:endParaRPr lang="de-DE" sz="1500" b="1" dirty="0">
-              <a:solidFill>
-                <a:schemeClr val="tx1"/>
-              </a:solidFill>
-              <a:latin typeface="Roboto Light" panose="02000000000000000000" pitchFamily="2" charset="0"/>
-              <a:ea typeface="Roboto Light" panose="02000000000000000000" pitchFamily="2" charset="0"/>
-              <a:cs typeface="Roboto Light" panose="02000000000000000000" pitchFamily="2" charset="0"/>
-            </a:endParaRPr>
           </a:p>
         </p:txBody>
       </p:sp>
@@ -9127,14 +9037,6 @@
               </a:rPr>
               <a:t>SENKE</a:t>
             </a:r>
-            <a:endParaRPr lang="de-DE" sz="1500" b="1" dirty="0">
-              <a:solidFill>
-                <a:schemeClr val="tx1"/>
-              </a:solidFill>
-              <a:latin typeface="Roboto Light" panose="02000000000000000000" pitchFamily="2" charset="0"/>
-              <a:ea typeface="Roboto Light" panose="02000000000000000000" pitchFamily="2" charset="0"/>
-              <a:cs typeface="Roboto Light" panose="02000000000000000000" pitchFamily="2" charset="0"/>
-            </a:endParaRPr>
           </a:p>
         </p:txBody>
       </p:sp>
@@ -9194,14 +9096,6 @@
               </a:rPr>
               <a:t>SPEICHER</a:t>
             </a:r>
-            <a:endParaRPr lang="de-DE" sz="1500" b="1" dirty="0">
-              <a:solidFill>
-                <a:schemeClr val="tx1"/>
-              </a:solidFill>
-              <a:latin typeface="Roboto Light" panose="02000000000000000000" pitchFamily="2" charset="0"/>
-              <a:ea typeface="Roboto Light" panose="02000000000000000000" pitchFamily="2" charset="0"/>
-              <a:cs typeface="Roboto Light" panose="02000000000000000000" pitchFamily="2" charset="0"/>
-            </a:endParaRPr>
           </a:p>
         </p:txBody>
       </p:sp>
@@ -9332,14 +9226,6 @@
               </a:rPr>
               <a:t>DSM</a:t>
             </a:r>
-            <a:endParaRPr lang="de-DE" sz="1500" b="1" dirty="0">
-              <a:solidFill>
-                <a:schemeClr val="tx1"/>
-              </a:solidFill>
-              <a:latin typeface="Roboto Light" panose="02000000000000000000" pitchFamily="2" charset="0"/>
-              <a:ea typeface="Roboto Light" panose="02000000000000000000" pitchFamily="2" charset="0"/>
-              <a:cs typeface="Roboto Light" panose="02000000000000000000" pitchFamily="2" charset="0"/>
-            </a:endParaRPr>
           </a:p>
         </p:txBody>
       </p:sp>
@@ -9417,14 +9303,6 @@
               </a:rPr>
               <a:t>LUSTE</a:t>
             </a:r>
-            <a:endParaRPr lang="de-DE" sz="1500" b="1" dirty="0">
-              <a:solidFill>
-                <a:schemeClr val="tx1"/>
-              </a:solidFill>
-              <a:latin typeface="Roboto Light" panose="02000000000000000000" pitchFamily="2" charset="0"/>
-              <a:ea typeface="Roboto Light" panose="02000000000000000000" pitchFamily="2" charset="0"/>
-              <a:cs typeface="Roboto Light" panose="02000000000000000000" pitchFamily="2" charset="0"/>
-            </a:endParaRPr>
           </a:p>
         </p:txBody>
       </p:sp>
@@ -9564,14 +9442,6 @@
               </a:rPr>
               <a:t>WIND</a:t>
             </a:r>
-            <a:endParaRPr lang="de-DE" sz="1500" b="1" dirty="0">
-              <a:solidFill>
-                <a:schemeClr val="tx1"/>
-              </a:solidFill>
-              <a:latin typeface="Roboto Light" panose="02000000000000000000" pitchFamily="2" charset="0"/>
-              <a:ea typeface="Roboto Light" panose="02000000000000000000" pitchFamily="2" charset="0"/>
-              <a:cs typeface="Roboto Light" panose="02000000000000000000" pitchFamily="2" charset="0"/>
-            </a:endParaRPr>
           </a:p>
         </p:txBody>
       </p:sp>
@@ -9628,14 +9498,6 @@
               </a:rPr>
               <a:t>PV</a:t>
             </a:r>
-            <a:endParaRPr lang="de-DE" sz="1500" b="1" dirty="0">
-              <a:solidFill>
-                <a:schemeClr val="tx1"/>
-              </a:solidFill>
-              <a:latin typeface="Roboto Light" panose="02000000000000000000" pitchFamily="2" charset="0"/>
-              <a:ea typeface="Roboto Light" panose="02000000000000000000" pitchFamily="2" charset="0"/>
-              <a:cs typeface="Roboto Light" panose="02000000000000000000" pitchFamily="2" charset="0"/>
-            </a:endParaRPr>
           </a:p>
         </p:txBody>
       </p:sp>
@@ -9692,14 +9554,6 @@
               </a:rPr>
               <a:t>TRAFO</a:t>
             </a:r>
-            <a:endParaRPr lang="de-DE" sz="1500" b="1" dirty="0">
-              <a:solidFill>
-                <a:schemeClr val="tx1"/>
-              </a:solidFill>
-              <a:latin typeface="Roboto Light" panose="02000000000000000000" pitchFamily="2" charset="0"/>
-              <a:ea typeface="Roboto Light" panose="02000000000000000000" pitchFamily="2" charset="0"/>
-              <a:cs typeface="Roboto Light" panose="02000000000000000000" pitchFamily="2" charset="0"/>
-            </a:endParaRPr>
           </a:p>
         </p:txBody>
       </p:sp>
@@ -9756,14 +9610,6 @@
               </a:rPr>
               <a:t>MARKT</a:t>
             </a:r>
-            <a:endParaRPr lang="de-DE" sz="1500" b="1" dirty="0">
-              <a:solidFill>
-                <a:schemeClr val="tx1"/>
-              </a:solidFill>
-              <a:latin typeface="Roboto Light" panose="02000000000000000000" pitchFamily="2" charset="0"/>
-              <a:ea typeface="Roboto Light" panose="02000000000000000000" pitchFamily="2" charset="0"/>
-              <a:cs typeface="Roboto Light" panose="02000000000000000000" pitchFamily="2" charset="0"/>
-            </a:endParaRPr>
           </a:p>
         </p:txBody>
       </p:sp>
@@ -9820,14 +9666,6 @@
               </a:rPr>
               <a:t>SHORTAGE</a:t>
             </a:r>
-            <a:endParaRPr lang="de-DE" sz="1500" b="1" dirty="0">
-              <a:solidFill>
-                <a:schemeClr val="tx1"/>
-              </a:solidFill>
-              <a:latin typeface="Roboto Light" panose="02000000000000000000" pitchFamily="2" charset="0"/>
-              <a:ea typeface="Roboto Light" panose="02000000000000000000" pitchFamily="2" charset="0"/>
-              <a:cs typeface="Roboto Light" panose="02000000000000000000" pitchFamily="2" charset="0"/>
-            </a:endParaRPr>
           </a:p>
         </p:txBody>
       </p:sp>
@@ -9884,14 +9722,6 @@
               </a:rPr>
               <a:t>ABREGELUNG</a:t>
             </a:r>
-            <a:endParaRPr lang="de-DE" sz="1500" b="1" dirty="0">
-              <a:solidFill>
-                <a:schemeClr val="tx1"/>
-              </a:solidFill>
-              <a:latin typeface="Roboto Light" panose="02000000000000000000" pitchFamily="2" charset="0"/>
-              <a:ea typeface="Roboto Light" panose="02000000000000000000" pitchFamily="2" charset="0"/>
-              <a:cs typeface="Roboto Light" panose="02000000000000000000" pitchFamily="2" charset="0"/>
-            </a:endParaRPr>
           </a:p>
         </p:txBody>
       </p:sp>
@@ -9979,11 +9809,7 @@
             <a:p>
               <a:r>
                 <a:rPr lang="de-DE" sz="2000" dirty="0" err="1"/>
-                <a:t>b</a:t>
-              </a:r>
-              <a:r>
-                <a:rPr lang="de-DE" sz="2000" dirty="0" err="1"/>
-                <a:t>_el</a:t>
+                <a:t>b_el</a:t>
               </a:r>
               <a:endParaRPr lang="de-DE" sz="2000" dirty="0"/>
             </a:p>
@@ -10074,11 +9900,7 @@
             <a:p>
               <a:r>
                 <a:rPr lang="de-DE" sz="2000" dirty="0" err="1"/>
-                <a:t>b</a:t>
-              </a:r>
-              <a:r>
-                <a:rPr lang="de-DE" sz="2000" dirty="0" err="1"/>
-                <a:t>_el</a:t>
+                <a:t>b_el</a:t>
               </a:r>
               <a:endParaRPr lang="de-DE" sz="2000" dirty="0"/>
             </a:p>
@@ -10169,11 +9991,7 @@
             <a:p>
               <a:r>
                 <a:rPr lang="de-DE" sz="2000" dirty="0" err="1"/>
-                <a:t>b</a:t>
-              </a:r>
-              <a:r>
-                <a:rPr lang="de-DE" sz="2000" dirty="0" err="1"/>
-                <a:t>_el</a:t>
+                <a:t>b_el</a:t>
               </a:r>
               <a:endParaRPr lang="de-DE" sz="2000" dirty="0"/>
             </a:p>
@@ -10264,11 +10082,7 @@
             <a:p>
               <a:r>
                 <a:rPr lang="de-DE" sz="2000" dirty="0" err="1"/>
-                <a:t>b</a:t>
-              </a:r>
-              <a:r>
-                <a:rPr lang="de-DE" sz="2000" dirty="0" err="1"/>
-                <a:t>_el</a:t>
+                <a:t>b_el</a:t>
               </a:r>
               <a:endParaRPr lang="de-DE" sz="2000" dirty="0"/>
             </a:p>
@@ -10359,11 +10173,7 @@
             <a:p>
               <a:r>
                 <a:rPr lang="de-DE" sz="2000" dirty="0" err="1"/>
-                <a:t>b</a:t>
-              </a:r>
-              <a:r>
-                <a:rPr lang="de-DE" sz="2000" dirty="0" err="1"/>
-                <a:t>_el</a:t>
+                <a:t>b_el</a:t>
               </a:r>
               <a:endParaRPr lang="de-DE" sz="2000" dirty="0"/>
             </a:p>
@@ -10423,14 +10233,6 @@
               </a:rPr>
               <a:t>WIND</a:t>
             </a:r>
-            <a:endParaRPr lang="de-DE" sz="1500" b="1" dirty="0">
-              <a:solidFill>
-                <a:schemeClr val="tx1"/>
-              </a:solidFill>
-              <a:latin typeface="Roboto Light" panose="02000000000000000000" pitchFamily="2" charset="0"/>
-              <a:ea typeface="Roboto Light" panose="02000000000000000000" pitchFamily="2" charset="0"/>
-              <a:cs typeface="Roboto Light" panose="02000000000000000000" pitchFamily="2" charset="0"/>
-            </a:endParaRPr>
           </a:p>
         </p:txBody>
       </p:sp>
@@ -10487,14 +10289,6 @@
               </a:rPr>
               <a:t>PV</a:t>
             </a:r>
-            <a:endParaRPr lang="de-DE" sz="1500" b="1" dirty="0">
-              <a:solidFill>
-                <a:schemeClr val="tx1"/>
-              </a:solidFill>
-              <a:latin typeface="Roboto Light" panose="02000000000000000000" pitchFamily="2" charset="0"/>
-              <a:ea typeface="Roboto Light" panose="02000000000000000000" pitchFamily="2" charset="0"/>
-              <a:cs typeface="Roboto Light" panose="02000000000000000000" pitchFamily="2" charset="0"/>
-            </a:endParaRPr>
           </a:p>
         </p:txBody>
       </p:sp>
@@ -10551,14 +10345,6 @@
               </a:rPr>
               <a:t>WIND</a:t>
             </a:r>
-            <a:endParaRPr lang="de-DE" sz="1500" b="1" dirty="0">
-              <a:solidFill>
-                <a:schemeClr val="tx1"/>
-              </a:solidFill>
-              <a:latin typeface="Roboto Light" panose="02000000000000000000" pitchFamily="2" charset="0"/>
-              <a:ea typeface="Roboto Light" panose="02000000000000000000" pitchFamily="2" charset="0"/>
-              <a:cs typeface="Roboto Light" panose="02000000000000000000" pitchFamily="2" charset="0"/>
-            </a:endParaRPr>
           </a:p>
         </p:txBody>
       </p:sp>
@@ -10615,14 +10401,6 @@
               </a:rPr>
               <a:t>PV</a:t>
             </a:r>
-            <a:endParaRPr lang="de-DE" sz="1500" b="1" dirty="0">
-              <a:solidFill>
-                <a:schemeClr val="tx1"/>
-              </a:solidFill>
-              <a:latin typeface="Roboto Light" panose="02000000000000000000" pitchFamily="2" charset="0"/>
-              <a:ea typeface="Roboto Light" panose="02000000000000000000" pitchFamily="2" charset="0"/>
-              <a:cs typeface="Roboto Light" panose="02000000000000000000" pitchFamily="2" charset="0"/>
-            </a:endParaRPr>
           </a:p>
         </p:txBody>
       </p:sp>
@@ -10679,14 +10457,6 @@
               </a:rPr>
               <a:t>WIND</a:t>
             </a:r>
-            <a:endParaRPr lang="de-DE" sz="1500" b="1" dirty="0">
-              <a:solidFill>
-                <a:schemeClr val="tx1"/>
-              </a:solidFill>
-              <a:latin typeface="Roboto Light" panose="02000000000000000000" pitchFamily="2" charset="0"/>
-              <a:ea typeface="Roboto Light" panose="02000000000000000000" pitchFamily="2" charset="0"/>
-              <a:cs typeface="Roboto Light" panose="02000000000000000000" pitchFamily="2" charset="0"/>
-            </a:endParaRPr>
           </a:p>
         </p:txBody>
       </p:sp>
@@ -10743,14 +10513,6 @@
               </a:rPr>
               <a:t>PV</a:t>
             </a:r>
-            <a:endParaRPr lang="de-DE" sz="1500" b="1" dirty="0">
-              <a:solidFill>
-                <a:schemeClr val="tx1"/>
-              </a:solidFill>
-              <a:latin typeface="Roboto Light" panose="02000000000000000000" pitchFamily="2" charset="0"/>
-              <a:ea typeface="Roboto Light" panose="02000000000000000000" pitchFamily="2" charset="0"/>
-              <a:cs typeface="Roboto Light" panose="02000000000000000000" pitchFamily="2" charset="0"/>
-            </a:endParaRPr>
           </a:p>
         </p:txBody>
       </p:sp>
@@ -10838,11 +10600,7 @@
             <a:p>
               <a:r>
                 <a:rPr lang="de-DE" sz="2000" dirty="0" err="1"/>
-                <a:t>b</a:t>
-              </a:r>
-              <a:r>
-                <a:rPr lang="de-DE" sz="2000" dirty="0" err="1"/>
-                <a:t>_el</a:t>
+                <a:t>b_el</a:t>
               </a:r>
               <a:endParaRPr lang="de-DE" sz="2000" dirty="0"/>
             </a:p>
@@ -10902,14 +10660,6 @@
               </a:rPr>
               <a:t>TRAFO</a:t>
             </a:r>
-            <a:endParaRPr lang="de-DE" sz="1500" b="1" dirty="0">
-              <a:solidFill>
-                <a:schemeClr val="tx1"/>
-              </a:solidFill>
-              <a:latin typeface="Roboto Light" panose="02000000000000000000" pitchFamily="2" charset="0"/>
-              <a:ea typeface="Roboto Light" panose="02000000000000000000" pitchFamily="2" charset="0"/>
-              <a:cs typeface="Roboto Light" panose="02000000000000000000" pitchFamily="2" charset="0"/>
-            </a:endParaRPr>
           </a:p>
         </p:txBody>
       </p:sp>
@@ -10966,14 +10716,6 @@
               </a:rPr>
               <a:t>TRAFO</a:t>
             </a:r>
-            <a:endParaRPr lang="de-DE" sz="1500" b="1" dirty="0">
-              <a:solidFill>
-                <a:schemeClr val="tx1"/>
-              </a:solidFill>
-              <a:latin typeface="Roboto Light" panose="02000000000000000000" pitchFamily="2" charset="0"/>
-              <a:ea typeface="Roboto Light" panose="02000000000000000000" pitchFamily="2" charset="0"/>
-              <a:cs typeface="Roboto Light" panose="02000000000000000000" pitchFamily="2" charset="0"/>
-            </a:endParaRPr>
           </a:p>
         </p:txBody>
       </p:sp>
@@ -11030,14 +10772,6 @@
               </a:rPr>
               <a:t>TRAFO</a:t>
             </a:r>
-            <a:endParaRPr lang="de-DE" sz="1500" b="1" dirty="0">
-              <a:solidFill>
-                <a:schemeClr val="tx1"/>
-              </a:solidFill>
-              <a:latin typeface="Roboto Light" panose="02000000000000000000" pitchFamily="2" charset="0"/>
-              <a:ea typeface="Roboto Light" panose="02000000000000000000" pitchFamily="2" charset="0"/>
-              <a:cs typeface="Roboto Light" panose="02000000000000000000" pitchFamily="2" charset="0"/>
-            </a:endParaRPr>
           </a:p>
         </p:txBody>
       </p:sp>
@@ -11094,14 +10828,6 @@
               </a:rPr>
               <a:t>TRAFO</a:t>
             </a:r>
-            <a:endParaRPr lang="de-DE" sz="1500" b="1" dirty="0">
-              <a:solidFill>
-                <a:schemeClr val="tx1"/>
-              </a:solidFill>
-              <a:latin typeface="Roboto Light" panose="02000000000000000000" pitchFamily="2" charset="0"/>
-              <a:ea typeface="Roboto Light" panose="02000000000000000000" pitchFamily="2" charset="0"/>
-              <a:cs typeface="Roboto Light" panose="02000000000000000000" pitchFamily="2" charset="0"/>
-            </a:endParaRPr>
           </a:p>
         </p:txBody>
       </p:sp>
@@ -12058,14 +11784,6 @@
               </a:rPr>
               <a:t>ABREGELUNG</a:t>
             </a:r>
-            <a:endParaRPr lang="de-DE" sz="1500" b="1" dirty="0">
-              <a:solidFill>
-                <a:schemeClr val="tx1"/>
-              </a:solidFill>
-              <a:latin typeface="Roboto Light" panose="02000000000000000000" pitchFamily="2" charset="0"/>
-              <a:ea typeface="Roboto Light" panose="02000000000000000000" pitchFamily="2" charset="0"/>
-              <a:cs typeface="Roboto Light" panose="02000000000000000000" pitchFamily="2" charset="0"/>
-            </a:endParaRPr>
           </a:p>
         </p:txBody>
       </p:sp>
@@ -12202,14 +11920,6 @@
               </a:rPr>
               <a:t>SENKE</a:t>
             </a:r>
-            <a:endParaRPr lang="de-DE" sz="1500" b="1" dirty="0">
-              <a:solidFill>
-                <a:schemeClr val="tx1"/>
-              </a:solidFill>
-              <a:latin typeface="Roboto Light" panose="02000000000000000000" pitchFamily="2" charset="0"/>
-              <a:ea typeface="Roboto Light" panose="02000000000000000000" pitchFamily="2" charset="0"/>
-              <a:cs typeface="Roboto Light" panose="02000000000000000000" pitchFamily="2" charset="0"/>
-            </a:endParaRPr>
           </a:p>
         </p:txBody>
       </p:sp>
@@ -12266,14 +11976,6 @@
               </a:rPr>
               <a:t>QUELLE</a:t>
             </a:r>
-            <a:endParaRPr lang="de-DE" sz="1400" b="1" dirty="0">
-              <a:solidFill>
-                <a:schemeClr val="tx1"/>
-              </a:solidFill>
-              <a:latin typeface="Roboto Light" panose="02000000000000000000" pitchFamily="2" charset="0"/>
-              <a:ea typeface="Roboto Light" panose="02000000000000000000" pitchFamily="2" charset="0"/>
-              <a:cs typeface="Roboto Light" panose="02000000000000000000" pitchFamily="2" charset="0"/>
-            </a:endParaRPr>
           </a:p>
         </p:txBody>
       </p:sp>
@@ -12330,14 +12032,6 @@
               </a:rPr>
               <a:t>QUELLE</a:t>
             </a:r>
-            <a:endParaRPr lang="de-DE" sz="1400" b="1" dirty="0">
-              <a:solidFill>
-                <a:schemeClr val="tx1"/>
-              </a:solidFill>
-              <a:latin typeface="Roboto Light" panose="02000000000000000000" pitchFamily="2" charset="0"/>
-              <a:ea typeface="Roboto Light" panose="02000000000000000000" pitchFamily="2" charset="0"/>
-              <a:cs typeface="Roboto Light" panose="02000000000000000000" pitchFamily="2" charset="0"/>
-            </a:endParaRPr>
           </a:p>
         </p:txBody>
       </p:sp>
@@ -12394,14 +12088,6 @@
               </a:rPr>
               <a:t>QUELLE</a:t>
             </a:r>
-            <a:endParaRPr lang="de-DE" sz="1400" b="1" dirty="0">
-              <a:solidFill>
-                <a:schemeClr val="tx1"/>
-              </a:solidFill>
-              <a:latin typeface="Roboto Light" panose="02000000000000000000" pitchFamily="2" charset="0"/>
-              <a:ea typeface="Roboto Light" panose="02000000000000000000" pitchFamily="2" charset="0"/>
-              <a:cs typeface="Roboto Light" panose="02000000000000000000" pitchFamily="2" charset="0"/>
-            </a:endParaRPr>
           </a:p>
         </p:txBody>
       </p:sp>
@@ -12458,14 +12144,6 @@
               </a:rPr>
               <a:t>TRAFO</a:t>
             </a:r>
-            <a:endParaRPr lang="de-DE" sz="1500" b="1" dirty="0">
-              <a:solidFill>
-                <a:schemeClr val="tx1"/>
-              </a:solidFill>
-              <a:latin typeface="Roboto Light" panose="02000000000000000000" pitchFamily="2" charset="0"/>
-              <a:ea typeface="Roboto Light" panose="02000000000000000000" pitchFamily="2" charset="0"/>
-              <a:cs typeface="Roboto Light" panose="02000000000000000000" pitchFamily="2" charset="0"/>
-            </a:endParaRPr>
           </a:p>
         </p:txBody>
       </p:sp>
@@ -12515,11 +12193,6 @@
               </a:rPr>
               <a:t>)</a:t>
             </a:r>
-            <a:endParaRPr lang="de-DE" sz="1400" dirty="0">
-              <a:latin typeface="Roboto Light" panose="02000000000000000000" pitchFamily="2" charset="0"/>
-              <a:ea typeface="Roboto Light" panose="02000000000000000000" pitchFamily="2" charset="0"/>
-              <a:cs typeface="Roboto Light" panose="02000000000000000000" pitchFamily="2" charset="0"/>
-            </a:endParaRPr>
           </a:p>
         </p:txBody>
       </p:sp>
@@ -12569,11 +12242,6 @@
               </a:rPr>
               <a:t>)</a:t>
             </a:r>
-            <a:endParaRPr lang="de-DE" sz="1400" dirty="0">
-              <a:latin typeface="Roboto Light" panose="02000000000000000000" pitchFamily="2" charset="0"/>
-              <a:ea typeface="Roboto Light" panose="02000000000000000000" pitchFamily="2" charset="0"/>
-              <a:cs typeface="Roboto Light" panose="02000000000000000000" pitchFamily="2" charset="0"/>
-            </a:endParaRPr>
           </a:p>
         </p:txBody>
       </p:sp>
@@ -12633,14 +12301,6 @@
               </a:rPr>
               <a:t>BAT</a:t>
             </a:r>
-            <a:endParaRPr lang="de-DE" sz="1500" b="1" dirty="0">
-              <a:solidFill>
-                <a:schemeClr val="tx1"/>
-              </a:solidFill>
-              <a:latin typeface="Roboto Light" panose="02000000000000000000" pitchFamily="2" charset="0"/>
-              <a:ea typeface="Roboto Light" panose="02000000000000000000" pitchFamily="2" charset="0"/>
-              <a:cs typeface="Roboto Light" panose="02000000000000000000" pitchFamily="2" charset="0"/>
-            </a:endParaRPr>
           </a:p>
         </p:txBody>
       </p:sp>
@@ -12700,14 +12360,6 @@
               </a:rPr>
               <a:t>BAT</a:t>
             </a:r>
-            <a:endParaRPr lang="de-DE" sz="1500" b="1" dirty="0">
-              <a:solidFill>
-                <a:schemeClr val="tx1"/>
-              </a:solidFill>
-              <a:latin typeface="Roboto Light" panose="02000000000000000000" pitchFamily="2" charset="0"/>
-              <a:ea typeface="Roboto Light" panose="02000000000000000000" pitchFamily="2" charset="0"/>
-              <a:cs typeface="Roboto Light" panose="02000000000000000000" pitchFamily="2" charset="0"/>
-            </a:endParaRPr>
           </a:p>
         </p:txBody>
       </p:sp>
@@ -12842,14 +12494,6 @@
               </a:rPr>
               <a:t>VBKW</a:t>
             </a:r>
-            <a:endParaRPr lang="de-DE" sz="1500" b="1" dirty="0">
-              <a:solidFill>
-                <a:schemeClr val="bg1"/>
-              </a:solidFill>
-              <a:latin typeface="Roboto Light" panose="02000000000000000000" pitchFamily="2" charset="0"/>
-              <a:ea typeface="Roboto Light" panose="02000000000000000000" pitchFamily="2" charset="0"/>
-              <a:cs typeface="Roboto Light" panose="02000000000000000000" pitchFamily="2" charset="0"/>
-            </a:endParaRPr>
           </a:p>
         </p:txBody>
       </p:sp>

--- a/windnode_kwum/docs/Modell_KWUM.pptx
+++ b/windnode_kwum/docs/Modell_KWUM.pptx
@@ -194,7 +194,7 @@
           <a:p>
             <a:fld id="{FFAFB158-CE29-D640-AF46-24D22F3973B1}" type="datetimeFigureOut">
               <a:rPr lang="en-US" smtClean="0"/>
-              <a:t>9/12/18</a:t>
+              <a:t>10/29/18</a:t>
             </a:fld>
             <a:endParaRPr lang="en-US"/>
           </a:p>
@@ -727,7 +727,7 @@
           <a:p>
             <a:fld id="{26D4ED77-5BAD-4853-9D32-3E8CE03B9A25}" type="datetimeFigureOut">
               <a:rPr lang="de-DE" smtClean="0"/>
-              <a:t>9/12/18</a:t>
+              <a:t>10/29/18</a:t>
             </a:fld>
             <a:endParaRPr lang="de-DE"/>
           </a:p>
@@ -897,7 +897,7 @@
           <a:p>
             <a:fld id="{26D4ED77-5BAD-4853-9D32-3E8CE03B9A25}" type="datetimeFigureOut">
               <a:rPr lang="de-DE" smtClean="0"/>
-              <a:t>9/12/18</a:t>
+              <a:t>10/29/18</a:t>
             </a:fld>
             <a:endParaRPr lang="de-DE"/>
           </a:p>
@@ -1077,7 +1077,7 @@
           <a:p>
             <a:fld id="{26D4ED77-5BAD-4853-9D32-3E8CE03B9A25}" type="datetimeFigureOut">
               <a:rPr lang="de-DE" smtClean="0"/>
-              <a:t>9/12/18</a:t>
+              <a:t>10/29/18</a:t>
             </a:fld>
             <a:endParaRPr lang="de-DE"/>
           </a:p>
@@ -1247,7 +1247,7 @@
           <a:p>
             <a:fld id="{26D4ED77-5BAD-4853-9D32-3E8CE03B9A25}" type="datetimeFigureOut">
               <a:rPr lang="de-DE" smtClean="0"/>
-              <a:t>9/12/18</a:t>
+              <a:t>10/29/18</a:t>
             </a:fld>
             <a:endParaRPr lang="de-DE"/>
           </a:p>
@@ -1493,7 +1493,7 @@
           <a:p>
             <a:fld id="{26D4ED77-5BAD-4853-9D32-3E8CE03B9A25}" type="datetimeFigureOut">
               <a:rPr lang="de-DE" smtClean="0"/>
-              <a:t>9/12/18</a:t>
+              <a:t>10/29/18</a:t>
             </a:fld>
             <a:endParaRPr lang="de-DE"/>
           </a:p>
@@ -1781,7 +1781,7 @@
           <a:p>
             <a:fld id="{26D4ED77-5BAD-4853-9D32-3E8CE03B9A25}" type="datetimeFigureOut">
               <a:rPr lang="de-DE" smtClean="0"/>
-              <a:t>9/12/18</a:t>
+              <a:t>10/29/18</a:t>
             </a:fld>
             <a:endParaRPr lang="de-DE"/>
           </a:p>
@@ -2208,7 +2208,7 @@
           <a:p>
             <a:fld id="{26D4ED77-5BAD-4853-9D32-3E8CE03B9A25}" type="datetimeFigureOut">
               <a:rPr lang="de-DE" smtClean="0"/>
-              <a:t>9/12/18</a:t>
+              <a:t>10/29/18</a:t>
             </a:fld>
             <a:endParaRPr lang="de-DE"/>
           </a:p>
@@ -2326,7 +2326,7 @@
           <a:p>
             <a:fld id="{26D4ED77-5BAD-4853-9D32-3E8CE03B9A25}" type="datetimeFigureOut">
               <a:rPr lang="de-DE" smtClean="0"/>
-              <a:t>9/12/18</a:t>
+              <a:t>10/29/18</a:t>
             </a:fld>
             <a:endParaRPr lang="de-DE"/>
           </a:p>
@@ -2421,7 +2421,7 @@
           <a:p>
             <a:fld id="{26D4ED77-5BAD-4853-9D32-3E8CE03B9A25}" type="datetimeFigureOut">
               <a:rPr lang="de-DE" smtClean="0"/>
-              <a:t>9/12/18</a:t>
+              <a:t>10/29/18</a:t>
             </a:fld>
             <a:endParaRPr lang="de-DE"/>
           </a:p>
@@ -2698,7 +2698,7 @@
           <a:p>
             <a:fld id="{26D4ED77-5BAD-4853-9D32-3E8CE03B9A25}" type="datetimeFigureOut">
               <a:rPr lang="de-DE" smtClean="0"/>
-              <a:t>9/12/18</a:t>
+              <a:t>10/29/18</a:t>
             </a:fld>
             <a:endParaRPr lang="de-DE"/>
           </a:p>
@@ -2951,7 +2951,7 @@
           <a:p>
             <a:fld id="{26D4ED77-5BAD-4853-9D32-3E8CE03B9A25}" type="datetimeFigureOut">
               <a:rPr lang="de-DE" smtClean="0"/>
-              <a:t>9/12/18</a:t>
+              <a:t>10/29/18</a:t>
             </a:fld>
             <a:endParaRPr lang="de-DE"/>
           </a:p>
@@ -3164,7 +3164,7 @@
           <a:p>
             <a:fld id="{26D4ED77-5BAD-4853-9D32-3E8CE03B9A25}" type="datetimeFigureOut">
               <a:rPr lang="de-DE" smtClean="0"/>
-              <a:t>9/12/18</a:t>
+              <a:t>10/29/18</a:t>
             </a:fld>
             <a:endParaRPr lang="de-DE"/>
           </a:p>
@@ -3547,10 +3547,10 @@
         </p:nvGrpSpPr>
         <p:grpSpPr>
           <a:xfrm>
-            <a:off x="0" y="192088"/>
-            <a:ext cx="12751906" cy="9073008"/>
-            <a:chOff x="0" y="-85355"/>
-            <a:chExt cx="9108504" cy="6480720"/>
+            <a:off x="120497" y="635325"/>
+            <a:ext cx="12631409" cy="8629771"/>
+            <a:chOff x="86069" y="231243"/>
+            <a:chExt cx="9022435" cy="6164122"/>
           </a:xfrm>
         </p:grpSpPr>
         <p:cxnSp>
@@ -4057,58 +4057,6 @@
             </a:p>
           </p:txBody>
         </p:sp>
-        <p:sp>
-          <p:nvSpPr>
-            <p:cNvPr id="74" name="Rechteck 73"/>
-            <p:cNvSpPr/>
-            <p:nvPr/>
-          </p:nvSpPr>
-          <p:spPr>
-            <a:xfrm>
-              <a:off x="3720199" y="6021750"/>
-              <a:ext cx="864000" cy="360000"/>
-            </a:xfrm>
-            <a:prstGeom prst="rect">
-              <a:avLst/>
-            </a:prstGeom>
-            <a:solidFill>
-              <a:srgbClr val="FFC000">
-                <a:alpha val="35000"/>
-              </a:srgbClr>
-            </a:solidFill>
-            <a:ln>
-              <a:noFill/>
-            </a:ln>
-          </p:spPr>
-          <p:style>
-            <a:lnRef idx="2">
-              <a:schemeClr val="accent1">
-                <a:shade val="50000"/>
-              </a:schemeClr>
-            </a:lnRef>
-            <a:fillRef idx="1">
-              <a:schemeClr val="accent1"/>
-            </a:fillRef>
-            <a:effectRef idx="0">
-              <a:schemeClr val="accent1"/>
-            </a:effectRef>
-            <a:fontRef idx="minor">
-              <a:schemeClr val="lt1"/>
-            </a:fontRef>
-          </p:style>
-          <p:txBody>
-            <a:bodyPr rtlCol="0" anchor="ctr"/>
-            <a:lstStyle/>
-            <a:p>
-              <a:pPr algn="ctr"/>
-              <a:r>
-                <a:rPr lang="de-DE" sz="1400" dirty="0" err="1"/>
-                <a:t>Shortage_sch</a:t>
-              </a:r>
-              <a:endParaRPr lang="de-DE" sz="1400" dirty="0"/>
-            </a:p>
-          </p:txBody>
-        </p:sp>
         <p:cxnSp>
           <p:nvCxnSpPr>
             <p:cNvPr id="78" name="Gerade Verbindung mit Pfeil 77"/>
@@ -4189,46 +4137,6 @@
         </p:cxnSp>
         <p:cxnSp>
           <p:nvCxnSpPr>
-            <p:cNvPr id="84" name="Gerade Verbindung mit Pfeil 83"/>
-            <p:cNvCxnSpPr>
-              <a:stCxn id="74" idx="3"/>
-              <a:endCxn id="70" idx="3"/>
-            </p:cNvCxnSpPr>
-            <p:nvPr/>
-          </p:nvCxnSpPr>
-          <p:spPr>
-            <a:xfrm flipV="1">
-              <a:off x="4584199" y="5440852"/>
-              <a:ext cx="1002936" cy="760898"/>
-            </a:xfrm>
-            <a:prstGeom prst="straightConnector1">
-              <a:avLst/>
-            </a:prstGeom>
-            <a:ln w="12700">
-              <a:solidFill>
-                <a:schemeClr val="tx1"/>
-              </a:solidFill>
-              <a:prstDash val="lgDash"/>
-              <a:tailEnd type="arrow"/>
-            </a:ln>
-          </p:spPr>
-          <p:style>
-            <a:lnRef idx="1">
-              <a:schemeClr val="accent1"/>
-            </a:lnRef>
-            <a:fillRef idx="0">
-              <a:schemeClr val="accent1"/>
-            </a:fillRef>
-            <a:effectRef idx="0">
-              <a:schemeClr val="accent1"/>
-            </a:effectRef>
-            <a:fontRef idx="minor">
-              <a:schemeClr val="tx1"/>
-            </a:fontRef>
-          </p:style>
-        </p:cxnSp>
-        <p:cxnSp>
-          <p:nvCxnSpPr>
             <p:cNvPr id="87" name="Gerade Verbindung mit Pfeil 86"/>
             <p:cNvCxnSpPr>
               <a:stCxn id="70" idx="6"/>
@@ -4248,98 +4156,6 @@
               <a:solidFill>
                 <a:schemeClr val="tx1"/>
               </a:solidFill>
-              <a:tailEnd type="arrow"/>
-            </a:ln>
-          </p:spPr>
-          <p:style>
-            <a:lnRef idx="1">
-              <a:schemeClr val="accent1"/>
-            </a:lnRef>
-            <a:fillRef idx="0">
-              <a:schemeClr val="accent1"/>
-            </a:fillRef>
-            <a:effectRef idx="0">
-              <a:schemeClr val="accent1"/>
-            </a:effectRef>
-            <a:fontRef idx="minor">
-              <a:schemeClr val="tx1"/>
-            </a:fontRef>
-          </p:style>
-        </p:cxnSp>
-        <p:sp>
-          <p:nvSpPr>
-            <p:cNvPr id="58" name="Rechteck 57"/>
-            <p:cNvSpPr/>
-            <p:nvPr/>
-          </p:nvSpPr>
-          <p:spPr>
-            <a:xfrm>
-              <a:off x="86069" y="3933056"/>
-              <a:ext cx="864000" cy="360000"/>
-            </a:xfrm>
-            <a:prstGeom prst="rect">
-              <a:avLst/>
-            </a:prstGeom>
-            <a:solidFill>
-              <a:schemeClr val="accent3">
-                <a:alpha val="35000"/>
-              </a:schemeClr>
-            </a:solidFill>
-            <a:ln>
-              <a:noFill/>
-            </a:ln>
-          </p:spPr>
-          <p:style>
-            <a:lnRef idx="2">
-              <a:schemeClr val="accent1">
-                <a:shade val="50000"/>
-              </a:schemeClr>
-            </a:lnRef>
-            <a:fillRef idx="1">
-              <a:schemeClr val="accent1"/>
-            </a:fillRef>
-            <a:effectRef idx="0">
-              <a:schemeClr val="accent1"/>
-            </a:effectRef>
-            <a:fontRef idx="minor">
-              <a:schemeClr val="lt1"/>
-            </a:fontRef>
-          </p:style>
-          <p:txBody>
-            <a:bodyPr rtlCol="0" anchor="ctr"/>
-            <a:lstStyle/>
-            <a:p>
-              <a:pPr algn="ctr"/>
-              <a:r>
-                <a:rPr lang="de-DE" sz="1400" dirty="0" err="1"/>
-                <a:t>excess</a:t>
-              </a:r>
-              <a:endParaRPr lang="de-DE" sz="1400" dirty="0"/>
-            </a:p>
-          </p:txBody>
-        </p:sp>
-        <p:cxnSp>
-          <p:nvCxnSpPr>
-            <p:cNvPr id="60" name="Gerade Verbindung mit Pfeil 59"/>
-            <p:cNvCxnSpPr>
-              <a:stCxn id="4" idx="3"/>
-              <a:endCxn id="58" idx="3"/>
-            </p:cNvCxnSpPr>
-            <p:nvPr/>
-          </p:nvCxnSpPr>
-          <p:spPr>
-            <a:xfrm flipH="1">
-              <a:off x="950069" y="3567293"/>
-              <a:ext cx="880451" cy="545763"/>
-            </a:xfrm>
-            <a:prstGeom prst="straightConnector1">
-              <a:avLst/>
-            </a:prstGeom>
-            <a:ln w="19050">
-              <a:solidFill>
-                <a:schemeClr val="tx1"/>
-              </a:solidFill>
-              <a:prstDash val="lgDash"/>
               <a:tailEnd type="arrow"/>
             </a:ln>
           </p:spPr>
@@ -4599,61 +4415,6 @@
             </a:p>
           </p:txBody>
         </p:sp>
-        <p:sp>
-          <p:nvSpPr>
-            <p:cNvPr id="112" name="Rechteck 111"/>
-            <p:cNvSpPr/>
-            <p:nvPr/>
-          </p:nvSpPr>
-          <p:spPr>
-            <a:xfrm>
-              <a:off x="3539153" y="231243"/>
-              <a:ext cx="864000" cy="360000"/>
-            </a:xfrm>
-            <a:prstGeom prst="rect">
-              <a:avLst/>
-            </a:prstGeom>
-            <a:solidFill>
-              <a:srgbClr val="FFC000">
-                <a:alpha val="35000"/>
-              </a:srgbClr>
-            </a:solidFill>
-            <a:ln>
-              <a:noFill/>
-            </a:ln>
-          </p:spPr>
-          <p:style>
-            <a:lnRef idx="2">
-              <a:schemeClr val="accent1">
-                <a:shade val="50000"/>
-              </a:schemeClr>
-            </a:lnRef>
-            <a:fillRef idx="1">
-              <a:schemeClr val="accent1"/>
-            </a:fillRef>
-            <a:effectRef idx="0">
-              <a:schemeClr val="accent1"/>
-            </a:effectRef>
-            <a:fontRef idx="minor">
-              <a:schemeClr val="lt1"/>
-            </a:fontRef>
-          </p:style>
-          <p:txBody>
-            <a:bodyPr rtlCol="0" anchor="ctr"/>
-            <a:lstStyle/>
-            <a:p>
-              <a:pPr algn="ctr"/>
-              <a:r>
-                <a:rPr lang="de-DE" sz="1400" dirty="0" err="1"/>
-                <a:t>Shortage_pr</a:t>
-              </a:r>
-              <a:r>
-                <a:rPr lang="de-DE" sz="1400" dirty="0"/>
-                <a:t> </a:t>
-              </a:r>
-            </a:p>
-          </p:txBody>
-        </p:sp>
         <p:cxnSp>
           <p:nvCxnSpPr>
             <p:cNvPr id="113" name="Gerade Verbindung mit Pfeil 112"/>
@@ -4675,45 +4436,6 @@
               <a:solidFill>
                 <a:schemeClr val="tx1"/>
               </a:solidFill>
-              <a:tailEnd type="arrow"/>
-            </a:ln>
-          </p:spPr>
-          <p:style>
-            <a:lnRef idx="1">
-              <a:schemeClr val="accent1"/>
-            </a:lnRef>
-            <a:fillRef idx="0">
-              <a:schemeClr val="accent1"/>
-            </a:fillRef>
-            <a:effectRef idx="0">
-              <a:schemeClr val="accent1"/>
-            </a:effectRef>
-            <a:fontRef idx="minor">
-              <a:schemeClr val="tx1"/>
-            </a:fontRef>
-          </p:style>
-        </p:cxnSp>
-        <p:cxnSp>
-          <p:nvCxnSpPr>
-            <p:cNvPr id="114" name="Gerade Verbindung mit Pfeil 113"/>
-            <p:cNvCxnSpPr>
-              <a:stCxn id="112" idx="3"/>
-            </p:cNvCxnSpPr>
-            <p:nvPr/>
-          </p:nvCxnSpPr>
-          <p:spPr>
-            <a:xfrm>
-              <a:off x="4403153" y="411243"/>
-              <a:ext cx="1443159" cy="741076"/>
-            </a:xfrm>
-            <a:prstGeom prst="straightConnector1">
-              <a:avLst/>
-            </a:prstGeom>
-            <a:ln w="12700">
-              <a:solidFill>
-                <a:schemeClr val="tx1"/>
-              </a:solidFill>
-              <a:prstDash val="lgDash"/>
               <a:tailEnd type="arrow"/>
             </a:ln>
           </p:spPr>
@@ -5323,8 +5045,8 @@
             <a:p>
               <a:pPr algn="ctr"/>
               <a:r>
-                <a:rPr lang="de-DE" sz="1700" dirty="0" err="1"/>
-                <a:t>Bus_surplus</a:t>
+                <a:rPr lang="de-DE" sz="1700" dirty="0" err="1" smtClean="0"/>
+                <a:t>Bus_flex</a:t>
               </a:r>
               <a:endParaRPr lang="de-DE" sz="1700" dirty="0"/>
             </a:p>
@@ -5454,282 +5176,6 @@
             </a:p>
           </p:txBody>
         </p:sp>
-        <p:sp>
-          <p:nvSpPr>
-            <p:cNvPr id="63" name="Rechteck 5"/>
-            <p:cNvSpPr/>
-            <p:nvPr/>
-          </p:nvSpPr>
-          <p:spPr>
-            <a:xfrm>
-              <a:off x="86069" y="3232632"/>
-              <a:ext cx="864000" cy="360000"/>
-            </a:xfrm>
-            <a:prstGeom prst="rect">
-              <a:avLst/>
-            </a:prstGeom>
-            <a:solidFill>
-              <a:srgbClr val="FFC000">
-                <a:alpha val="40000"/>
-              </a:srgbClr>
-            </a:solidFill>
-            <a:ln>
-              <a:noFill/>
-            </a:ln>
-          </p:spPr>
-          <p:style>
-            <a:lnRef idx="2">
-              <a:schemeClr val="accent1">
-                <a:shade val="50000"/>
-              </a:schemeClr>
-            </a:lnRef>
-            <a:fillRef idx="1">
-              <a:schemeClr val="accent1"/>
-            </a:fillRef>
-            <a:effectRef idx="0">
-              <a:schemeClr val="accent1"/>
-            </a:effectRef>
-            <a:fontRef idx="minor">
-              <a:schemeClr val="lt1"/>
-            </a:fontRef>
-          </p:style>
-          <p:txBody>
-            <a:bodyPr rtlCol="0" anchor="ctr"/>
-            <a:lstStyle/>
-            <a:p>
-              <a:pPr algn="ctr"/>
-              <a:r>
-                <a:rPr lang="de-DE" sz="1400" dirty="0" err="1"/>
-                <a:t>Shortage_el</a:t>
-              </a:r>
-              <a:endParaRPr lang="de-DE" sz="1400" dirty="0"/>
-            </a:p>
-          </p:txBody>
-        </p:sp>
-        <p:cxnSp>
-          <p:nvCxnSpPr>
-            <p:cNvPr id="64" name="Gerade Verbindung mit Pfeil 16"/>
-            <p:cNvCxnSpPr>
-              <a:stCxn id="63" idx="3"/>
-              <a:endCxn id="4" idx="2"/>
-            </p:cNvCxnSpPr>
-            <p:nvPr/>
-          </p:nvCxnSpPr>
-          <p:spPr>
-            <a:xfrm>
-              <a:off x="950069" y="3412632"/>
-              <a:ext cx="738105" cy="27382"/>
-            </a:xfrm>
-            <a:prstGeom prst="straightConnector1">
-              <a:avLst/>
-            </a:prstGeom>
-            <a:ln w="19050">
-              <a:solidFill>
-                <a:schemeClr val="tx1"/>
-              </a:solidFill>
-              <a:prstDash val="dash"/>
-              <a:tailEnd type="arrow"/>
-            </a:ln>
-          </p:spPr>
-          <p:style>
-            <a:lnRef idx="1">
-              <a:schemeClr val="accent1"/>
-            </a:lnRef>
-            <a:fillRef idx="0">
-              <a:schemeClr val="accent1"/>
-            </a:fillRef>
-            <a:effectRef idx="0">
-              <a:schemeClr val="accent1"/>
-            </a:effectRef>
-            <a:fontRef idx="minor">
-              <a:schemeClr val="tx1"/>
-            </a:fontRef>
-          </p:style>
-        </p:cxnSp>
-        <p:sp>
-          <p:nvSpPr>
-            <p:cNvPr id="89" name="Rechteck 57"/>
-            <p:cNvSpPr/>
-            <p:nvPr/>
-          </p:nvSpPr>
-          <p:spPr>
-            <a:xfrm>
-              <a:off x="6566386" y="231243"/>
-              <a:ext cx="864000" cy="360000"/>
-            </a:xfrm>
-            <a:prstGeom prst="rect">
-              <a:avLst/>
-            </a:prstGeom>
-            <a:solidFill>
-              <a:schemeClr val="accent3">
-                <a:alpha val="35000"/>
-              </a:schemeClr>
-            </a:solidFill>
-            <a:ln>
-              <a:noFill/>
-            </a:ln>
-          </p:spPr>
-          <p:style>
-            <a:lnRef idx="2">
-              <a:schemeClr val="accent1">
-                <a:shade val="50000"/>
-              </a:schemeClr>
-            </a:lnRef>
-            <a:fillRef idx="1">
-              <a:schemeClr val="accent1"/>
-            </a:fillRef>
-            <a:effectRef idx="0">
-              <a:schemeClr val="accent1"/>
-            </a:effectRef>
-            <a:fontRef idx="minor">
-              <a:schemeClr val="lt1"/>
-            </a:fontRef>
-          </p:style>
-          <p:txBody>
-            <a:bodyPr rtlCol="0" anchor="ctr"/>
-            <a:lstStyle/>
-            <a:p>
-              <a:pPr algn="ctr"/>
-              <a:r>
-                <a:rPr lang="de-DE" sz="1400" dirty="0" err="1"/>
-                <a:t>excess</a:t>
-              </a:r>
-              <a:endParaRPr lang="de-DE" sz="1400" dirty="0"/>
-            </a:p>
-          </p:txBody>
-        </p:sp>
-        <p:cxnSp>
-          <p:nvCxnSpPr>
-            <p:cNvPr id="90" name="Gerade Verbindung mit Pfeil 112"/>
-            <p:cNvCxnSpPr>
-              <a:stCxn id="109" idx="7"/>
-              <a:endCxn id="89" idx="2"/>
-            </p:cNvCxnSpPr>
-            <p:nvPr/>
-          </p:nvCxnSpPr>
-          <p:spPr>
-            <a:xfrm flipV="1">
-              <a:off x="6264233" y="591243"/>
-              <a:ext cx="734153" cy="613797"/>
-            </a:xfrm>
-            <a:prstGeom prst="straightConnector1">
-              <a:avLst/>
-            </a:prstGeom>
-            <a:ln w="12700">
-              <a:solidFill>
-                <a:schemeClr val="tx1"/>
-              </a:solidFill>
-              <a:prstDash val="lgDash"/>
-              <a:tailEnd type="arrow"/>
-            </a:ln>
-          </p:spPr>
-          <p:style>
-            <a:lnRef idx="1">
-              <a:schemeClr val="accent1"/>
-            </a:lnRef>
-            <a:fillRef idx="0">
-              <a:schemeClr val="accent1"/>
-            </a:fillRef>
-            <a:effectRef idx="0">
-              <a:schemeClr val="accent1"/>
-            </a:effectRef>
-            <a:fontRef idx="minor">
-              <a:schemeClr val="tx1"/>
-            </a:fontRef>
-          </p:style>
-        </p:cxnSp>
-        <p:sp>
-          <p:nvSpPr>
-            <p:cNvPr id="91" name="Rechteck 57"/>
-            <p:cNvSpPr/>
-            <p:nvPr/>
-          </p:nvSpPr>
-          <p:spPr>
-            <a:xfrm>
-              <a:off x="6588349" y="6021288"/>
-              <a:ext cx="864000" cy="360000"/>
-            </a:xfrm>
-            <a:prstGeom prst="rect">
-              <a:avLst/>
-            </a:prstGeom>
-            <a:solidFill>
-              <a:schemeClr val="accent3">
-                <a:alpha val="35000"/>
-              </a:schemeClr>
-            </a:solidFill>
-            <a:ln>
-              <a:noFill/>
-            </a:ln>
-          </p:spPr>
-          <p:style>
-            <a:lnRef idx="2">
-              <a:schemeClr val="accent1">
-                <a:shade val="50000"/>
-              </a:schemeClr>
-            </a:lnRef>
-            <a:fillRef idx="1">
-              <a:schemeClr val="accent1"/>
-            </a:fillRef>
-            <a:effectRef idx="0">
-              <a:schemeClr val="accent1"/>
-            </a:effectRef>
-            <a:fontRef idx="minor">
-              <a:schemeClr val="lt1"/>
-            </a:fontRef>
-          </p:style>
-          <p:txBody>
-            <a:bodyPr rtlCol="0" anchor="ctr"/>
-            <a:lstStyle/>
-            <a:p>
-              <a:pPr algn="ctr"/>
-              <a:r>
-                <a:rPr lang="de-DE" sz="1400" dirty="0" err="1"/>
-                <a:t>excess</a:t>
-              </a:r>
-              <a:endParaRPr lang="de-DE" sz="1400" dirty="0"/>
-            </a:p>
-          </p:txBody>
-        </p:sp>
-        <p:cxnSp>
-          <p:nvCxnSpPr>
-            <p:cNvPr id="92" name="Gerade Verbindung mit Pfeil 112"/>
-            <p:cNvCxnSpPr>
-              <a:stCxn id="70" idx="5"/>
-              <a:endCxn id="91" idx="0"/>
-            </p:cNvCxnSpPr>
-            <p:nvPr/>
-          </p:nvCxnSpPr>
-          <p:spPr>
-            <a:xfrm>
-              <a:off x="6274443" y="5440852"/>
-              <a:ext cx="745906" cy="580436"/>
-            </a:xfrm>
-            <a:prstGeom prst="straightConnector1">
-              <a:avLst/>
-            </a:prstGeom>
-            <a:ln w="12700">
-              <a:solidFill>
-                <a:schemeClr val="tx1"/>
-              </a:solidFill>
-              <a:prstDash val="lgDash"/>
-              <a:tailEnd type="arrow"/>
-            </a:ln>
-          </p:spPr>
-          <p:style>
-            <a:lnRef idx="1">
-              <a:schemeClr val="accent1"/>
-            </a:lnRef>
-            <a:fillRef idx="0">
-              <a:schemeClr val="accent1"/>
-            </a:fillRef>
-            <a:effectRef idx="0">
-              <a:schemeClr val="accent1"/>
-            </a:effectRef>
-            <a:fontRef idx="minor">
-              <a:schemeClr val="tx1"/>
-            </a:fontRef>
-          </p:style>
-        </p:cxnSp>
         <p:sp>
           <p:nvSpPr>
             <p:cNvPr id="93" name="Rechteck 5"/>
@@ -6244,56 +5690,6 @@
             </a:fontRef>
           </p:style>
         </p:cxnSp>
-        <p:sp>
-          <p:nvSpPr>
-            <p:cNvPr id="3" name="Rectangle 2"/>
-            <p:cNvSpPr/>
-            <p:nvPr/>
-          </p:nvSpPr>
-          <p:spPr>
-            <a:xfrm>
-              <a:off x="0" y="-85355"/>
-              <a:ext cx="1781013" cy="366073"/>
-            </a:xfrm>
-            <a:prstGeom prst="rect">
-              <a:avLst/>
-            </a:prstGeom>
-          </p:spPr>
-          <p:style>
-            <a:lnRef idx="1">
-              <a:schemeClr val="accent1"/>
-            </a:lnRef>
-            <a:fillRef idx="3">
-              <a:schemeClr val="accent1"/>
-            </a:fillRef>
-            <a:effectRef idx="2">
-              <a:schemeClr val="accent1"/>
-            </a:effectRef>
-            <a:fontRef idx="minor">
-              <a:schemeClr val="lt1"/>
-            </a:fontRef>
-          </p:style>
-          <p:txBody>
-            <a:bodyPr rtlCol="0" anchor="ctr"/>
-            <a:lstStyle/>
-            <a:p>
-              <a:pPr algn="ctr"/>
-              <a:r>
-                <a:rPr lang="en-US" dirty="0" smtClean="0"/>
-                <a:t>12 SEP</a:t>
-              </a:r>
-              <a:r>
-                <a:rPr lang="en-US" dirty="0" smtClean="0"/>
-                <a:t> </a:t>
-              </a:r>
-              <a:r>
-                <a:rPr lang="en-US" dirty="0" smtClean="0"/>
-                <a:t>2018</a:t>
-              </a:r>
-              <a:endParaRPr lang="en-US" dirty="0"/>
-            </a:p>
-          </p:txBody>
-        </p:sp>
         <p:sp>
           <p:nvSpPr>
             <p:cNvPr id="75" name="Ellipse 53"/>
